--- a/week6_딥러닝_하이퍼 파라미터 최적화.pptx
+++ b/week6_딥러닝_하이퍼 파라미터 최적화.pptx
@@ -1,24 +1,25 @@
 
 <file path=ppt/presentation.xml><?xml version="1.0" encoding="utf-8"?>
-<p:presentation xmlns:r="http://schemas.openxmlformats.org/officeDocument/2006/relationships" xmlns:c="http://schemas.openxmlformats.org/drawingml/2006/chart" xmlns:a="http://schemas.openxmlformats.org/drawingml/2006/main" xmlns:dgm="http://schemas.openxmlformats.org/drawingml/2006/diagram" xmlns:dsp="http://schemas.microsoft.com/office/drawing/2008/diagram" xmlns:p="http://schemas.openxmlformats.org/presentationml/2006/main" showSpecialPlsOnTitleSld="0" saveSubsetFonts="1">
+<p:presentation xmlns:a="http://schemas.openxmlformats.org/drawingml/2006/main" xmlns:r="http://schemas.openxmlformats.org/officeDocument/2006/relationships" xmlns:p="http://schemas.openxmlformats.org/presentationml/2006/main" showSpecialPlsOnTitleSld="0" saveSubsetFonts="1">
   <p:sldMasterIdLst>
     <p:sldMasterId id="2147483754" r:id="rId1"/>
   </p:sldMasterIdLst>
   <p:notesMasterIdLst>
-    <p:notesMasterId r:id="rId2"/>
+    <p:notesMasterId r:id="rId12"/>
   </p:notesMasterIdLst>
   <p:sldIdLst>
-    <p:sldId id="256" r:id="rId3"/>
-    <p:sldId id="257" r:id="rId4"/>
-    <p:sldId id="258" r:id="rId5"/>
-    <p:sldId id="259" r:id="rId6"/>
-    <p:sldId id="260" r:id="rId7"/>
-    <p:sldId id="261" r:id="rId8"/>
-    <p:sldId id="262" r:id="rId9"/>
-    <p:sldId id="263" r:id="rId10"/>
+    <p:sldId id="256" r:id="rId2"/>
+    <p:sldId id="257" r:id="rId3"/>
+    <p:sldId id="258" r:id="rId4"/>
+    <p:sldId id="259" r:id="rId5"/>
+    <p:sldId id="260" r:id="rId6"/>
+    <p:sldId id="261" r:id="rId7"/>
+    <p:sldId id="262" r:id="rId8"/>
+    <p:sldId id="263" r:id="rId9"/>
+    <p:sldId id="265" r:id="rId10"/>
     <p:sldId id="264" r:id="rId11"/>
   </p:sldIdLst>
-  <p:sldSz cx="12186584" cy="6855173"/>
+  <p:sldSz cx="12187238" cy="6854825"/>
   <p:notesSz cx="6858000" cy="9144000"/>
   <p:defaultTextStyle>
     <a:defPPr>
@@ -115,11 +116,27 @@
       </a:defRPr>
     </a:lvl9pPr>
   </p:defaultTextStyle>
+  <p:extLst>
+    <p:ext uri="{EFAFB233-063F-42B5-8137-9DF3F51BA10A}">
+      <p15:sldGuideLst xmlns:p15="http://schemas.microsoft.com/office/powerpoint/2012/main">
+        <p15:guide id="1" orient="horz" pos="2158">
+          <p15:clr>
+            <a:srgbClr val="A4A3A4"/>
+          </p15:clr>
+        </p15:guide>
+        <p15:guide id="2" pos="3837">
+          <p15:clr>
+            <a:srgbClr val="A4A3A4"/>
+          </p15:clr>
+        </p15:guide>
+      </p15:sldGuideLst>
+    </p:ext>
+  </p:extLst>
 </p:presentation>
 </file>
 
 <file path=ppt/notesMasters/notesMaster1.xml><?xml version="1.0" encoding="utf-8"?>
-<p:notesMaster xmlns:r="http://schemas.openxmlformats.org/officeDocument/2006/relationships" xmlns:c="http://schemas.openxmlformats.org/drawingml/2006/chart" xmlns:a="http://schemas.openxmlformats.org/drawingml/2006/main" xmlns:dgm="http://schemas.openxmlformats.org/drawingml/2006/diagram" xmlns:dsp="http://schemas.microsoft.com/office/drawing/2008/diagram" xmlns:p="http://schemas.openxmlformats.org/presentationml/2006/main">
+<p:notesMaster xmlns:a="http://schemas.openxmlformats.org/drawingml/2006/main" xmlns:r="http://schemas.openxmlformats.org/officeDocument/2006/relationships" xmlns:p="http://schemas.openxmlformats.org/presentationml/2006/main">
   <p:cSld>
     <p:bg>
       <p:bgRef idx="1001">
@@ -147,7 +164,7 @@
             <a:spLocks noGrp="1"/>
           </p:cNvSpPr>
           <p:nvPr>
-            <p:ph type="hdr" sz="quarter" idx="0"/>
+            <p:ph type="hdr" sz="quarter"/>
           </p:nvPr>
         </p:nvSpPr>
         <p:spPr>
@@ -170,10 +187,6 @@
             <a:pPr lvl="0">
               <a:defRPr/>
             </a:pPr>
-            <a:r>
-              <a:rPr lang="ko-KR" altLang="en-US"/>
-              <a:t/>
-            </a:r>
             <a:endParaRPr lang="ko-KR" altLang="en-US"/>
           </a:p>
         </p:txBody>
@@ -213,7 +226,7 @@
               <a:pPr lvl="0">
                 <a:defRPr/>
               </a:pPr>
-              <a:t>2021-08-01</a:t>
+              <a:t>2021-08-02</a:t>
             </a:fld>
             <a:endParaRPr lang="ko-KR" altLang="en-US"/>
           </a:p>
@@ -287,7 +300,6 @@
               <a:rPr lang="ko-KR" altLang="en-US"/>
               <a:t>마스터 텍스트 스타일을 편집합니다</a:t>
             </a:r>
-            <a:endParaRPr lang="ko-KR" altLang="en-US"/>
           </a:p>
           <a:p>
             <a:pPr lvl="1">
@@ -297,7 +309,6 @@
               <a:rPr lang="ko-KR" altLang="en-US"/>
               <a:t>둘째 수준</a:t>
             </a:r>
-            <a:endParaRPr lang="ko-KR" altLang="en-US"/>
           </a:p>
           <a:p>
             <a:pPr lvl="2">
@@ -307,7 +318,6 @@
               <a:rPr lang="ko-KR" altLang="en-US"/>
               <a:t>셋째 수준</a:t>
             </a:r>
-            <a:endParaRPr lang="ko-KR" altLang="en-US"/>
           </a:p>
           <a:p>
             <a:pPr lvl="3">
@@ -317,7 +327,6 @@
               <a:rPr lang="ko-KR" altLang="en-US"/>
               <a:t>넷째 수준</a:t>
             </a:r>
-            <a:endParaRPr lang="ko-KR" altLang="en-US"/>
           </a:p>
           <a:p>
             <a:pPr lvl="4">
@@ -327,7 +336,6 @@
               <a:rPr lang="ko-KR" altLang="en-US"/>
               <a:t>다섯째 수준</a:t>
             </a:r>
-            <a:endParaRPr lang="ko-KR" altLang="en-US"/>
           </a:p>
         </p:txBody>
       </p:sp>
@@ -361,10 +369,6 @@
             <a:pPr lvl="0">
               <a:defRPr/>
             </a:pPr>
-            <a:r>
-              <a:rPr lang="ko-KR" altLang="en-US"/>
-              <a:t/>
-            </a:r>
             <a:endParaRPr lang="ko-KR" altLang="en-US"/>
           </a:p>
         </p:txBody>
@@ -510,7 +514,7 @@
 </file>
 
 <file path=ppt/notesSlides/notesSlide1.xml><?xml version="1.0" encoding="utf-8"?>
-<p:notes xmlns:r="http://schemas.openxmlformats.org/officeDocument/2006/relationships" xmlns:c="http://schemas.openxmlformats.org/drawingml/2006/chart" xmlns:a="http://schemas.openxmlformats.org/drawingml/2006/main" xmlns:dgm="http://schemas.openxmlformats.org/drawingml/2006/diagram" xmlns:dsp="http://schemas.microsoft.com/office/drawing/2008/diagram" xmlns:p="http://schemas.openxmlformats.org/presentationml/2006/main">
+<p:notes xmlns:a="http://schemas.openxmlformats.org/drawingml/2006/main" xmlns:r="http://schemas.openxmlformats.org/officeDocument/2006/relationships" xmlns:p="http://schemas.openxmlformats.org/presentationml/2006/main">
   <p:cSld>
     <p:spTree>
       <p:nvGrpSpPr>
@@ -536,7 +540,12 @@
             <p:ph type="sldImg" idx="2"/>
           </p:nvPr>
         </p:nvSpPr>
-        <p:spPr/>
+        <p:spPr>
+          <a:xfrm>
+            <a:off x="381000" y="685800"/>
+            <a:ext cx="6096000" cy="3429000"/>
+          </a:xfrm>
+        </p:spPr>
         <p:txBody>
           <a:bodyPr/>
           <a:lstStyle/>
@@ -567,10 +576,33 @@
               <a:defRPr/>
             </a:pPr>
             <a:r>
-              <a:rPr lang="ko-KR" altLang="en-US"/>
-              <a:t>파라미터와 하이퍼 파라미터를 구분하는 기준은 사용자가 직접 설정하느냐 아니냐입니다. 사용자가 직접 설정하면 하이퍼 파라미터, 모델 혹은 데이터에 의해 결정되면 파라미터입니다.</a:t>
-            </a:r>
-            <a:endParaRPr lang="ko-KR" altLang="en-US"/>
+              <a:rPr lang="ko-KR" altLang="en-US" dirty="0"/>
+              <a:t>파라미터와 </a:t>
+            </a:r>
+            <a:r>
+              <a:rPr lang="ko-KR" altLang="en-US" dirty="0" err="1"/>
+              <a:t>하이퍼</a:t>
+            </a:r>
+            <a:r>
+              <a:rPr lang="ko-KR" altLang="en-US" dirty="0"/>
+              <a:t> 파라미터를 구분하는 기준은 사용자가 직접 설정하느냐 </a:t>
+            </a:r>
+            <a:r>
+              <a:rPr lang="ko-KR" altLang="en-US" dirty="0" err="1"/>
+              <a:t>아니냐입니다</a:t>
+            </a:r>
+            <a:r>
+              <a:rPr lang="ko-KR" altLang="en-US" dirty="0"/>
+              <a:t>. 사용자가 직접 설정하면 </a:t>
+            </a:r>
+            <a:r>
+              <a:rPr lang="ko-KR" altLang="en-US" dirty="0" err="1"/>
+              <a:t>하이퍼</a:t>
+            </a:r>
+            <a:r>
+              <a:rPr lang="ko-KR" altLang="en-US" dirty="0"/>
+              <a:t> 파라미터, 모델 혹은 데이터에 의해 결정되면 파라미터입니다.</a:t>
+            </a:r>
           </a:p>
         </p:txBody>
       </p:sp>
@@ -605,11 +637,14 @@
       </p:sp>
     </p:spTree>
   </p:cSld>
+  <p:clrMapOvr>
+    <a:masterClrMapping/>
+  </p:clrMapOvr>
 </p:notes>
 </file>
 
 <file path=ppt/notesSlides/notesSlide2.xml><?xml version="1.0" encoding="utf-8"?>
-<p:notes xmlns:r="http://schemas.openxmlformats.org/officeDocument/2006/relationships" xmlns:c="http://schemas.openxmlformats.org/drawingml/2006/chart" xmlns:a="http://schemas.openxmlformats.org/drawingml/2006/main" xmlns:dgm="http://schemas.openxmlformats.org/drawingml/2006/diagram" xmlns:dsp="http://schemas.microsoft.com/office/drawing/2008/diagram" xmlns:p="http://schemas.openxmlformats.org/presentationml/2006/main">
+<p:notes xmlns:a="http://schemas.openxmlformats.org/drawingml/2006/main" xmlns:r="http://schemas.openxmlformats.org/officeDocument/2006/relationships" xmlns:p="http://schemas.openxmlformats.org/presentationml/2006/main">
   <p:cSld>
     <p:spTree>
       <p:nvGrpSpPr>
@@ -635,7 +670,12 @@
             <p:ph type="sldImg" idx="2"/>
           </p:nvPr>
         </p:nvSpPr>
-        <p:spPr/>
+        <p:spPr>
+          <a:xfrm>
+            <a:off x="381000" y="685800"/>
+            <a:ext cx="6096000" cy="3429000"/>
+          </a:xfrm>
+        </p:spPr>
         <p:txBody>
           <a:bodyPr/>
           <a:lstStyle/>
@@ -665,11 +705,7 @@
             <a:pPr>
               <a:defRPr/>
             </a:pPr>
-            <a:r>
-              <a:rPr lang="ko-KR" altLang="en-US"/>
-              <a:t>파라미터와 하이퍼 파라미터를 구분하는 기준은 사용자가 직접 설정하느냐 아니냐입니다. 사용자가 직접 설정하면 하이퍼 파라미터, 모델 혹은 데이터에 의해 결정되면 파라미터입니다.</a:t>
-            </a:r>
-            <a:endParaRPr lang="ko-KR" altLang="en-US"/>
+            <a:endParaRPr lang="ko-KR" altLang="en-US" dirty="0"/>
           </a:p>
         </p:txBody>
       </p:sp>
@@ -704,11 +740,14 @@
       </p:sp>
     </p:spTree>
   </p:cSld>
+  <p:clrMapOvr>
+    <a:masterClrMapping/>
+  </p:clrMapOvr>
 </p:notes>
 </file>
 
 <file path=ppt/notesSlides/notesSlide3.xml><?xml version="1.0" encoding="utf-8"?>
-<p:notes xmlns:r="http://schemas.openxmlformats.org/officeDocument/2006/relationships" xmlns:c="http://schemas.openxmlformats.org/drawingml/2006/chart" xmlns:a="http://schemas.openxmlformats.org/drawingml/2006/main" xmlns:dgm="http://schemas.openxmlformats.org/drawingml/2006/diagram" xmlns:dsp="http://schemas.microsoft.com/office/drawing/2008/diagram" xmlns:p="http://schemas.openxmlformats.org/presentationml/2006/main">
+<p:notes xmlns:a="http://schemas.openxmlformats.org/drawingml/2006/main" xmlns:r="http://schemas.openxmlformats.org/officeDocument/2006/relationships" xmlns:p="http://schemas.openxmlformats.org/presentationml/2006/main">
   <p:cSld>
     <p:spTree>
       <p:nvGrpSpPr>
@@ -734,7 +773,12 @@
             <p:ph type="sldImg" idx="2"/>
           </p:nvPr>
         </p:nvSpPr>
-        <p:spPr/>
+        <p:spPr>
+          <a:xfrm>
+            <a:off x="381000" y="685800"/>
+            <a:ext cx="6096000" cy="3429000"/>
+          </a:xfrm>
+        </p:spPr>
         <p:txBody>
           <a:bodyPr/>
           <a:lstStyle/>
@@ -765,10 +809,9 @@
               <a:defRPr/>
             </a:pPr>
             <a:r>
-              <a:rPr lang="ko-KR" altLang="en-US"/>
+              <a:rPr lang="ko-KR" altLang="en-US" dirty="0"/>
               <a:t>학습 : 검증 : 테스트 = 50 : 25 : 25</a:t>
             </a:r>
-            <a:endParaRPr lang="ko-KR" altLang="en-US"/>
           </a:p>
         </p:txBody>
       </p:sp>
@@ -803,11 +846,14 @@
       </p:sp>
     </p:spTree>
   </p:cSld>
+  <p:clrMapOvr>
+    <a:masterClrMapping/>
+  </p:clrMapOvr>
 </p:notes>
 </file>
 
 <file path=ppt/notesSlides/notesSlide4.xml><?xml version="1.0" encoding="utf-8"?>
-<p:notes xmlns:r="http://schemas.openxmlformats.org/officeDocument/2006/relationships" xmlns:c="http://schemas.openxmlformats.org/drawingml/2006/chart" xmlns:a="http://schemas.openxmlformats.org/drawingml/2006/main" xmlns:dgm="http://schemas.openxmlformats.org/drawingml/2006/diagram" xmlns:dsp="http://schemas.microsoft.com/office/drawing/2008/diagram" xmlns:p="http://schemas.openxmlformats.org/presentationml/2006/main">
+<p:notes xmlns:a="http://schemas.openxmlformats.org/drawingml/2006/main" xmlns:r="http://schemas.openxmlformats.org/officeDocument/2006/relationships" xmlns:p="http://schemas.openxmlformats.org/presentationml/2006/main">
   <p:cSld>
     <p:spTree>
       <p:nvGrpSpPr>
@@ -833,7 +879,12 @@
             <p:ph type="sldImg" idx="2"/>
           </p:nvPr>
         </p:nvSpPr>
-        <p:spPr/>
+        <p:spPr>
+          <a:xfrm>
+            <a:off x="381000" y="685800"/>
+            <a:ext cx="6096000" cy="3429000"/>
+          </a:xfrm>
+        </p:spPr>
         <p:txBody>
           <a:bodyPr/>
           <a:lstStyle/>
@@ -867,7 +918,6 @@
               <a:rPr lang="ko-KR" altLang="en-US"/>
               <a:t>학습 : 검증 : 테스트 = 50 : 25 : 25</a:t>
             </a:r>
-            <a:endParaRPr lang="ko-KR" altLang="en-US"/>
           </a:p>
         </p:txBody>
       </p:sp>
@@ -902,11 +952,14 @@
       </p:sp>
     </p:spTree>
   </p:cSld>
+  <p:clrMapOvr>
+    <a:masterClrMapping/>
+  </p:clrMapOvr>
 </p:notes>
 </file>
 
 <file path=ppt/notesSlides/notesSlide5.xml><?xml version="1.0" encoding="utf-8"?>
-<p:notes xmlns:r="http://schemas.openxmlformats.org/officeDocument/2006/relationships" xmlns:c="http://schemas.openxmlformats.org/drawingml/2006/chart" xmlns:a="http://schemas.openxmlformats.org/drawingml/2006/main" xmlns:dgm="http://schemas.openxmlformats.org/drawingml/2006/diagram" xmlns:dsp="http://schemas.microsoft.com/office/drawing/2008/diagram" xmlns:p="http://schemas.openxmlformats.org/presentationml/2006/main">
+<p:notes xmlns:a="http://schemas.openxmlformats.org/drawingml/2006/main" xmlns:r="http://schemas.openxmlformats.org/officeDocument/2006/relationships" xmlns:p="http://schemas.openxmlformats.org/presentationml/2006/main">
   <p:cSld>
     <p:spTree>
       <p:nvGrpSpPr>
@@ -932,7 +985,12 @@
             <p:ph type="sldImg" idx="2"/>
           </p:nvPr>
         </p:nvSpPr>
-        <p:spPr/>
+        <p:spPr>
+          <a:xfrm>
+            <a:off x="381000" y="685800"/>
+            <a:ext cx="6096000" cy="3429000"/>
+          </a:xfrm>
+        </p:spPr>
         <p:txBody>
           <a:bodyPr/>
           <a:lstStyle/>
@@ -966,7 +1024,6 @@
               <a:rPr lang="ko-KR" altLang="en-US"/>
               <a:t>학습 : 검증 : 테스트 = 50 : 25 : 25</a:t>
             </a:r>
-            <a:endParaRPr lang="ko-KR" altLang="en-US"/>
           </a:p>
         </p:txBody>
       </p:sp>
@@ -1001,11 +1058,14 @@
       </p:sp>
     </p:spTree>
   </p:cSld>
+  <p:clrMapOvr>
+    <a:masterClrMapping/>
+  </p:clrMapOvr>
 </p:notes>
 </file>
 
 <file path=ppt/notesSlides/notesSlide6.xml><?xml version="1.0" encoding="utf-8"?>
-<p:notes xmlns:r="http://schemas.openxmlformats.org/officeDocument/2006/relationships" xmlns:c="http://schemas.openxmlformats.org/drawingml/2006/chart" xmlns:a="http://schemas.openxmlformats.org/drawingml/2006/main" xmlns:dgm="http://schemas.openxmlformats.org/drawingml/2006/diagram" xmlns:dsp="http://schemas.microsoft.com/office/drawing/2008/diagram" xmlns:p="http://schemas.openxmlformats.org/presentationml/2006/main">
+<p:notes xmlns:a="http://schemas.openxmlformats.org/drawingml/2006/main" xmlns:r="http://schemas.openxmlformats.org/officeDocument/2006/relationships" xmlns:p="http://schemas.openxmlformats.org/presentationml/2006/main">
   <p:cSld>
     <p:spTree>
       <p:nvGrpSpPr>
@@ -1031,7 +1091,12 @@
             <p:ph type="sldImg" idx="2"/>
           </p:nvPr>
         </p:nvSpPr>
-        <p:spPr/>
+        <p:spPr>
+          <a:xfrm>
+            <a:off x="381000" y="685800"/>
+            <a:ext cx="6096000" cy="3429000"/>
+          </a:xfrm>
+        </p:spPr>
         <p:txBody>
           <a:bodyPr/>
           <a:lstStyle/>
@@ -1061,11 +1126,7 @@
             <a:pPr>
               <a:defRPr/>
             </a:pPr>
-            <a:r>
-              <a:rPr lang="ko-KR" altLang="en-US"/>
-              <a:t>학습 : 검증 : 테스트 = 50 : 25 : 25</a:t>
-            </a:r>
-            <a:endParaRPr lang="ko-KR" altLang="en-US"/>
+            <a:endParaRPr lang="ko-KR" altLang="en-US" dirty="0"/>
           </a:p>
         </p:txBody>
       </p:sp>
@@ -1100,11 +1161,125 @@
       </p:sp>
     </p:spTree>
   </p:cSld>
+  <p:clrMapOvr>
+    <a:masterClrMapping/>
+  </p:clrMapOvr>
+</p:notes>
+</file>
+
+<file path=ppt/notesSlides/notesSlide7.xml><?xml version="1.0" encoding="utf-8"?>
+<p:notes xmlns:a="http://schemas.openxmlformats.org/drawingml/2006/main" xmlns:r="http://schemas.openxmlformats.org/officeDocument/2006/relationships" xmlns:p="http://schemas.openxmlformats.org/presentationml/2006/main">
+  <p:cSld>
+    <p:spTree>
+      <p:nvGrpSpPr>
+        <p:cNvPr id="1" name=""/>
+        <p:cNvGrpSpPr/>
+        <p:nvPr/>
+      </p:nvGrpSpPr>
+      <p:grpSpPr>
+        <a:xfrm>
+          <a:off x="0" y="0"/>
+          <a:ext cx="0" cy="0"/>
+          <a:chOff x="0" y="0"/>
+          <a:chExt cx="0" cy="0"/>
+        </a:xfrm>
+      </p:grpSpPr>
+      <p:sp>
+        <p:nvSpPr>
+          <p:cNvPr id="2" name="슬라이드 이미지 개체 틀 3"/>
+          <p:cNvSpPr>
+            <a:spLocks noGrp="1" noRot="1" noChangeAspect="1" noTextEdit="1"/>
+          </p:cNvSpPr>
+          <p:nvPr>
+            <p:ph type="sldImg" idx="2"/>
+          </p:nvPr>
+        </p:nvSpPr>
+        <p:spPr>
+          <a:xfrm>
+            <a:off x="381000" y="685800"/>
+            <a:ext cx="6096000" cy="3429000"/>
+          </a:xfrm>
+        </p:spPr>
+        <p:txBody>
+          <a:bodyPr/>
+          <a:lstStyle/>
+          <a:p>
+            <a:pPr>
+              <a:defRPr/>
+            </a:pPr>
+            <a:endParaRPr lang="ko-KR" altLang="en-US"/>
+          </a:p>
+        </p:txBody>
+      </p:sp>
+      <p:sp>
+        <p:nvSpPr>
+          <p:cNvPr id="3" name="슬라이드 노트 개체 틀 4"/>
+          <p:cNvSpPr>
+            <a:spLocks noGrp="1"/>
+          </p:cNvSpPr>
+          <p:nvPr>
+            <p:ph type="body" sz="quarter" idx="3"/>
+          </p:nvPr>
+        </p:nvSpPr>
+        <p:spPr/>
+        <p:txBody>
+          <a:bodyPr/>
+          <a:lstStyle/>
+          <a:p>
+            <a:pPr>
+              <a:defRPr/>
+            </a:pPr>
+            <a:r>
+              <a:rPr lang="ko-KR" altLang="en-US"/>
+              <a:t>학습 : 검증 : 테스트 = 50 : 25 : 25</a:t>
+            </a:r>
+          </a:p>
+        </p:txBody>
+      </p:sp>
+      <p:sp>
+        <p:nvSpPr>
+          <p:cNvPr id="4" name="슬라이드 번호 개체 틀 6"/>
+          <p:cNvSpPr>
+            <a:spLocks noGrp="1"/>
+          </p:cNvSpPr>
+          <p:nvPr>
+            <p:ph type="sldNum" sz="quarter" idx="5"/>
+          </p:nvPr>
+        </p:nvSpPr>
+        <p:spPr/>
+        <p:txBody>
+          <a:bodyPr/>
+          <a:lstStyle/>
+          <a:p>
+            <a:pPr lvl="0">
+              <a:defRPr/>
+            </a:pPr>
+            <a:fld id="{09F4262C-968C-4EE9-8164-CE16364706B3}" type="slidenum">
+              <a:rPr lang="en-US" altLang="en-US"/>
+              <a:pPr lvl="0">
+                <a:defRPr/>
+              </a:pPr>
+              <a:t>9</a:t>
+            </a:fld>
+            <a:endParaRPr lang="en-US" altLang="en-US"/>
+          </a:p>
+        </p:txBody>
+      </p:sp>
+    </p:spTree>
+    <p:extLst>
+      <p:ext uri="{BB962C8B-B14F-4D97-AF65-F5344CB8AC3E}">
+        <p14:creationId xmlns:p14="http://schemas.microsoft.com/office/powerpoint/2010/main" val="502649004"/>
+      </p:ext>
+    </p:extLst>
+  </p:cSld>
+  <p:clrMapOvr>
+    <a:masterClrMapping/>
+  </p:clrMapOvr>
 </p:notes>
 </file>
 
 <file path=ppt/slideLayouts/slideLayout1.xml><?xml version="1.0" encoding="utf-8"?>
-<p:sldLayout xmlns:r="http://schemas.openxmlformats.org/officeDocument/2006/relationships" xmlns:c="http://schemas.openxmlformats.org/drawingml/2006/chart" xmlns:a="http://schemas.openxmlformats.org/drawingml/2006/main" xmlns:dgm="http://schemas.openxmlformats.org/drawingml/2006/diagram" xmlns:dsp="http://schemas.microsoft.com/office/drawing/2008/diagram" xmlns:p="http://schemas.openxmlformats.org/presentationml/2006/main" showMasterPhAnim="1" type="title" preserve="1">
+<p:sldLayout xmlns:a="http://schemas.openxmlformats.org/drawingml/2006/main" xmlns:r="http://schemas.openxmlformats.org/officeDocument/2006/relationships" xmlns:p="http://schemas.openxmlformats.org/presentationml/2006/main" type="title" preserve="1">
   <p:cSld name="제목 슬라이드">
     <p:spTree>
       <p:nvGrpSpPr>
@@ -1127,7 +1302,7 @@
             <a:spLocks noGrp="1"/>
           </p:cNvSpPr>
           <p:nvPr>
-            <p:ph type="ctrTitle" idx="0"/>
+            <p:ph type="ctrTitle"/>
           </p:nvPr>
         </p:nvSpPr>
         <p:spPr>
@@ -1141,10 +1316,9 @@
           <a:lstStyle/>
           <a:p>
             <a:r>
-              <a:rPr lang="ko-KR" altLang="en-US" smtClean="0"/>
+              <a:rPr lang="ko-KR" altLang="en-US"/>
               <a:t>마스터 제목 스타일 편집</a:t>
             </a:r>
-            <a:endParaRPr lang="ko-KR" altLang="en-US"/>
           </a:p>
         </p:txBody>
       </p:sp>
@@ -1260,10 +1434,9 @@
           </a:lstStyle>
           <a:p>
             <a:r>
-              <a:rPr lang="ko-KR" altLang="en-US" smtClean="0"/>
+              <a:rPr lang="ko-KR" altLang="en-US"/>
               <a:t>마스터 부제목 스타일 편집</a:t>
             </a:r>
-            <a:endParaRPr lang="ko-KR" altLang="en-US"/>
           </a:p>
         </p:txBody>
       </p:sp>
@@ -1285,7 +1458,7 @@
             <a:fld id="{D8D7A7C4-C82A-4D21-9AB0-F0C5A1D3EF09}" type="datetime1">
               <a:rPr lang="ko-KR" altLang="en-US" smtClean="0"/>
               <a:pPr/>
-              <a:t>2009-12-07</a:t>
+              <a:t>2021-08-02</a:t>
             </a:fld>
             <a:endParaRPr lang="ko-KR" altLang="en-US"/>
           </a:p>
@@ -1343,7 +1516,7 @@
 </file>
 
 <file path=ppt/slideLayouts/slideLayout10.xml><?xml version="1.0" encoding="utf-8"?>
-<p:sldLayout xmlns:r="http://schemas.openxmlformats.org/officeDocument/2006/relationships" xmlns:c="http://schemas.openxmlformats.org/drawingml/2006/chart" xmlns:a="http://schemas.openxmlformats.org/drawingml/2006/main" xmlns:dgm="http://schemas.openxmlformats.org/drawingml/2006/diagram" xmlns:dsp="http://schemas.microsoft.com/office/drawing/2008/diagram" xmlns:p="http://schemas.openxmlformats.org/presentationml/2006/main" showMasterPhAnim="1" type="objOnly" preserve="1">
+<p:sldLayout xmlns:a="http://schemas.openxmlformats.org/drawingml/2006/main" xmlns:r="http://schemas.openxmlformats.org/officeDocument/2006/relationships" xmlns:p="http://schemas.openxmlformats.org/presentationml/2006/main" type="objOnly" preserve="1">
   <p:cSld name="간지">
     <p:spTree>
       <p:nvGrpSpPr>
@@ -1366,7 +1539,7 @@
             <a:spLocks noGrp="1"/>
           </p:cNvSpPr>
           <p:nvPr>
-            <p:ph type="ctrTitle" idx="0"/>
+            <p:ph type="ctrTitle"/>
           </p:nvPr>
         </p:nvSpPr>
         <p:spPr>
@@ -1380,10 +1553,9 @@
           <a:lstStyle/>
           <a:p>
             <a:r>
-              <a:rPr lang="ko-KR" altLang="en-US" smtClean="0"/>
+              <a:rPr lang="ko-KR" altLang="en-US"/>
               <a:t>마스터 제목 스타일 편집</a:t>
             </a:r>
-            <a:endParaRPr lang="ko-KR" altLang="en-US"/>
           </a:p>
         </p:txBody>
       </p:sp>
@@ -1405,7 +1577,7 @@
             <a:fld id="{D8D7A7C4-C82A-4D21-9AB0-F0C5A1D3EF09}" type="datetimeFigureOut">
               <a:rPr lang="ko-KR" altLang="en-US" smtClean="0"/>
               <a:pPr/>
-              <a:t>2009-12-07</a:t>
+              <a:t>2021-08-02</a:t>
             </a:fld>
             <a:endParaRPr lang="ko-KR" altLang="en-US"/>
           </a:p>
@@ -1463,7 +1635,7 @@
 </file>
 
 <file path=ppt/slideLayouts/slideLayout11.xml><?xml version="1.0" encoding="utf-8"?>
-<p:sldLayout xmlns:r="http://schemas.openxmlformats.org/officeDocument/2006/relationships" xmlns:c="http://schemas.openxmlformats.org/drawingml/2006/chart" xmlns:a="http://schemas.openxmlformats.org/drawingml/2006/main" xmlns:dgm="http://schemas.openxmlformats.org/drawingml/2006/diagram" xmlns:dsp="http://schemas.microsoft.com/office/drawing/2008/diagram" xmlns:p="http://schemas.openxmlformats.org/presentationml/2006/main" showMasterPhAnim="1" type="clipArtAndTx" preserve="1">
+<p:sldLayout xmlns:a="http://schemas.openxmlformats.org/drawingml/2006/main" xmlns:r="http://schemas.openxmlformats.org/officeDocument/2006/relationships" xmlns:p="http://schemas.openxmlformats.org/presentationml/2006/main" type="clipArtAndTx" preserve="1">
   <p:cSld name="목차">
     <p:spTree>
       <p:nvGrpSpPr>
@@ -1486,7 +1658,7 @@
             <a:spLocks noGrp="1"/>
           </p:cNvSpPr>
           <p:nvPr>
-            <p:ph type="title" idx="0"/>
+            <p:ph type="title"/>
           </p:nvPr>
         </p:nvSpPr>
         <p:spPr>
@@ -1504,10 +1676,9 @@
           </a:lstStyle>
           <a:p>
             <a:r>
-              <a:rPr lang="ko-KR" altLang="en-US" smtClean="0"/>
+              <a:rPr lang="ko-KR" altLang="en-US"/>
               <a:t>마스터 제목 스타일 편집</a:t>
             </a:r>
-            <a:endParaRPr lang="ko-KR" altLang="en-US"/>
           </a:p>
         </p:txBody>
       </p:sp>
@@ -1554,42 +1725,37 @@
           <a:p>
             <a:pPr lvl="0"/>
             <a:r>
-              <a:rPr lang="ko-KR" altLang="en-US" smtClean="0"/>
+              <a:rPr lang="ko-KR" altLang="en-US"/>
               <a:t>첫째 목차</a:t>
             </a:r>
-            <a:endParaRPr lang="ko-KR" altLang="en-US"/>
           </a:p>
           <a:p>
             <a:pPr lvl="0"/>
             <a:r>
-              <a:rPr lang="ko-KR" altLang="en-US" smtClean="0"/>
+              <a:rPr lang="ko-KR" altLang="en-US"/>
               <a:t>둘째 목차</a:t>
             </a:r>
-            <a:endParaRPr lang="ko-KR" altLang="en-US"/>
           </a:p>
           <a:p>
             <a:pPr lvl="0"/>
             <a:r>
-              <a:rPr lang="ko-KR" altLang="en-US" smtClean="0"/>
+              <a:rPr lang="ko-KR" altLang="en-US"/>
               <a:t>셋째 목차</a:t>
             </a:r>
-            <a:endParaRPr lang="ko-KR" altLang="en-US"/>
           </a:p>
           <a:p>
             <a:pPr lvl="0"/>
             <a:r>
-              <a:rPr lang="ko-KR" altLang="en-US" smtClean="0"/>
+              <a:rPr lang="ko-KR" altLang="en-US"/>
               <a:t>넷째 목차</a:t>
             </a:r>
-            <a:endParaRPr lang="ko-KR" altLang="en-US"/>
           </a:p>
           <a:p>
             <a:pPr lvl="0"/>
             <a:r>
-              <a:rPr lang="ko-KR" altLang="en-US" smtClean="0"/>
+              <a:rPr lang="ko-KR" altLang="en-US"/>
               <a:t>다섯째 목차</a:t>
             </a:r>
-            <a:endParaRPr lang="ko-KR" altLang="en-US"/>
           </a:p>
         </p:txBody>
       </p:sp>
@@ -1611,7 +1777,7 @@
             <a:fld id="{D8D7A7C4-C82A-4D21-9AB0-F0C5A1D3EF09}" type="datetimeFigureOut">
               <a:rPr lang="ko-KR" altLang="en-US" smtClean="0"/>
               <a:pPr/>
-              <a:t>2009-12-07</a:t>
+              <a:t>2021-08-02</a:t>
             </a:fld>
             <a:endParaRPr lang="ko-KR" altLang="en-US"/>
           </a:p>
@@ -1669,7 +1835,7 @@
 </file>
 
 <file path=ppt/slideLayouts/slideLayout12.xml><?xml version="1.0" encoding="utf-8"?>
-<p:sldLayout xmlns:r="http://schemas.openxmlformats.org/officeDocument/2006/relationships" xmlns:c="http://schemas.openxmlformats.org/drawingml/2006/chart" xmlns:a="http://schemas.openxmlformats.org/drawingml/2006/main" xmlns:dgm="http://schemas.openxmlformats.org/drawingml/2006/diagram" xmlns:dsp="http://schemas.microsoft.com/office/drawing/2008/diagram" xmlns:p="http://schemas.openxmlformats.org/presentationml/2006/main" showMasterPhAnim="1" type="vertTitleAndTx" preserve="1">
+<p:sldLayout xmlns:a="http://schemas.openxmlformats.org/drawingml/2006/main" xmlns:r="http://schemas.openxmlformats.org/officeDocument/2006/relationships" xmlns:p="http://schemas.openxmlformats.org/presentationml/2006/main" type="vertTitleAndTx" preserve="1">
   <p:cSld name="세로 제목 및 본문">
     <p:spTree>
       <p:nvGrpSpPr>
@@ -1692,7 +1858,7 @@
             <a:spLocks noGrp="1"/>
           </p:cNvSpPr>
           <p:nvPr>
-            <p:ph type="title" orient="vert" idx="0"/>
+            <p:ph type="title" orient="vert"/>
           </p:nvPr>
         </p:nvSpPr>
         <p:spPr>
@@ -1706,10 +1872,9 @@
           <a:lstStyle/>
           <a:p>
             <a:r>
-              <a:rPr lang="ko-KR" altLang="en-US" smtClean="0"/>
+              <a:rPr lang="ko-KR" altLang="en-US"/>
               <a:t>마스터 제목 스타일 편집</a:t>
             </a:r>
-            <a:endParaRPr lang="ko-KR" altLang="en-US"/>
           </a:p>
         </p:txBody>
       </p:sp>
@@ -1735,38 +1900,37 @@
           <a:p>
             <a:pPr lvl="0"/>
             <a:r>
-              <a:rPr lang="ko-KR" altLang="en-US" smtClean="0"/>
+              <a:rPr lang="ko-KR" altLang="en-US"/>
               <a:t>마스터 텍스트 스타일을 편집합니다</a:t>
             </a:r>
           </a:p>
           <a:p>
             <a:pPr lvl="1"/>
             <a:r>
-              <a:rPr lang="ko-KR" altLang="en-US" smtClean="0"/>
+              <a:rPr lang="ko-KR" altLang="en-US"/>
               <a:t>둘째 수준</a:t>
             </a:r>
           </a:p>
           <a:p>
             <a:pPr lvl="2"/>
             <a:r>
-              <a:rPr lang="ko-KR" altLang="en-US" smtClean="0"/>
+              <a:rPr lang="ko-KR" altLang="en-US"/>
               <a:t>셋째 수준</a:t>
             </a:r>
           </a:p>
           <a:p>
             <a:pPr lvl="3"/>
             <a:r>
-              <a:rPr lang="ko-KR" altLang="en-US" smtClean="0"/>
+              <a:rPr lang="ko-KR" altLang="en-US"/>
               <a:t>넷째 수준</a:t>
             </a:r>
           </a:p>
           <a:p>
             <a:pPr lvl="4"/>
             <a:r>
-              <a:rPr lang="ko-KR" altLang="en-US" smtClean="0"/>
+              <a:rPr lang="ko-KR" altLang="en-US"/>
               <a:t>다섯째 수준</a:t>
             </a:r>
-            <a:endParaRPr lang="ko-KR" altLang="en-US"/>
           </a:p>
         </p:txBody>
       </p:sp>
@@ -1788,7 +1952,7 @@
             <a:fld id="{D8D7A7C4-C82A-4D21-9AB0-F0C5A1D3EF09}" type="datetimeFigureOut">
               <a:rPr lang="ko-KR" altLang="en-US" smtClean="0"/>
               <a:pPr/>
-              <a:t>2009-12-07</a:t>
+              <a:t>2021-08-02</a:t>
             </a:fld>
             <a:endParaRPr lang="ko-KR" altLang="en-US"/>
           </a:p>
@@ -1846,7 +2010,7 @@
 </file>
 
 <file path=ppt/slideLayouts/slideLayout2.xml><?xml version="1.0" encoding="utf-8"?>
-<p:sldLayout xmlns:r="http://schemas.openxmlformats.org/officeDocument/2006/relationships" xmlns:c="http://schemas.openxmlformats.org/drawingml/2006/chart" xmlns:a="http://schemas.openxmlformats.org/drawingml/2006/main" xmlns:dgm="http://schemas.openxmlformats.org/drawingml/2006/diagram" xmlns:dsp="http://schemas.microsoft.com/office/drawing/2008/diagram" xmlns:p="http://schemas.openxmlformats.org/presentationml/2006/main" showMasterPhAnim="1" type="obj" preserve="1">
+<p:sldLayout xmlns:a="http://schemas.openxmlformats.org/drawingml/2006/main" xmlns:r="http://schemas.openxmlformats.org/officeDocument/2006/relationships" xmlns:p="http://schemas.openxmlformats.org/presentationml/2006/main" type="obj" preserve="1">
   <p:cSld name="제목 및 내용">
     <p:spTree>
       <p:nvGrpSpPr>
@@ -1869,7 +2033,7 @@
             <a:spLocks noGrp="1"/>
           </p:cNvSpPr>
           <p:nvPr>
-            <p:ph type="title" idx="0"/>
+            <p:ph type="title"/>
           </p:nvPr>
         </p:nvSpPr>
         <p:spPr/>
@@ -1878,10 +2042,9 @@
           <a:lstStyle/>
           <a:p>
             <a:r>
-              <a:rPr lang="ko-KR" altLang="en-US" smtClean="0"/>
+              <a:rPr lang="ko-KR" altLang="en-US"/>
               <a:t>마스터 제목 스타일 편집</a:t>
             </a:r>
-            <a:endParaRPr lang="ko-KR" altLang="en-US"/>
           </a:p>
         </p:txBody>
       </p:sp>
@@ -1902,38 +2065,37 @@
           <a:p>
             <a:pPr lvl="0"/>
             <a:r>
-              <a:rPr lang="ko-KR" altLang="en-US" smtClean="0"/>
+              <a:rPr lang="ko-KR" altLang="en-US"/>
               <a:t>마스터 텍스트 스타일을 편집합니다</a:t>
             </a:r>
           </a:p>
           <a:p>
             <a:pPr lvl="1"/>
             <a:r>
-              <a:rPr lang="ko-KR" altLang="en-US" smtClean="0"/>
+              <a:rPr lang="ko-KR" altLang="en-US"/>
               <a:t>둘째 수준</a:t>
             </a:r>
           </a:p>
           <a:p>
             <a:pPr lvl="2"/>
             <a:r>
-              <a:rPr lang="ko-KR" altLang="en-US" smtClean="0"/>
+              <a:rPr lang="ko-KR" altLang="en-US"/>
               <a:t>셋째 수준</a:t>
             </a:r>
           </a:p>
           <a:p>
             <a:pPr lvl="3"/>
             <a:r>
-              <a:rPr lang="ko-KR" altLang="en-US" smtClean="0"/>
+              <a:rPr lang="ko-KR" altLang="en-US"/>
               <a:t>넷째 수준</a:t>
             </a:r>
           </a:p>
           <a:p>
             <a:pPr lvl="4"/>
             <a:r>
-              <a:rPr lang="ko-KR" altLang="en-US" smtClean="0"/>
+              <a:rPr lang="ko-KR" altLang="en-US"/>
               <a:t>다섯째 수준</a:t>
             </a:r>
-            <a:endParaRPr lang="ko-KR" altLang="en-US"/>
           </a:p>
         </p:txBody>
       </p:sp>
@@ -1955,7 +2117,7 @@
             <a:fld id="{D8D7A7C4-C82A-4D21-9AB0-F0C5A1D3EF09}" type="datetimeFigureOut">
               <a:rPr lang="ko-KR" altLang="en-US" smtClean="0"/>
               <a:pPr/>
-              <a:t>2009-12-07</a:t>
+              <a:t>2021-08-02</a:t>
             </a:fld>
             <a:endParaRPr lang="ko-KR" altLang="en-US"/>
           </a:p>
@@ -2013,7 +2175,7 @@
 </file>
 
 <file path=ppt/slideLayouts/slideLayout3.xml><?xml version="1.0" encoding="utf-8"?>
-<p:sldLayout xmlns:r="http://schemas.openxmlformats.org/officeDocument/2006/relationships" xmlns:c="http://schemas.openxmlformats.org/drawingml/2006/chart" xmlns:a="http://schemas.openxmlformats.org/drawingml/2006/main" xmlns:dgm="http://schemas.openxmlformats.org/drawingml/2006/diagram" xmlns:dsp="http://schemas.microsoft.com/office/drawing/2008/diagram" xmlns:p="http://schemas.openxmlformats.org/presentationml/2006/main" showMasterPhAnim="1" type="blank" preserve="1">
+<p:sldLayout xmlns:a="http://schemas.openxmlformats.org/drawingml/2006/main" xmlns:r="http://schemas.openxmlformats.org/officeDocument/2006/relationships" xmlns:p="http://schemas.openxmlformats.org/presentationml/2006/main" type="blank" preserve="1">
   <p:cSld name="빈 화면">
     <p:spTree>
       <p:nvGrpSpPr>
@@ -2047,7 +2209,7 @@
             <a:fld id="{D8D7A7C4-C82A-4D21-9AB0-F0C5A1D3EF09}" type="datetimeFigureOut">
               <a:rPr lang="ko-KR" altLang="en-US" smtClean="0"/>
               <a:pPr/>
-              <a:t>2009-12-07</a:t>
+              <a:t>2021-08-02</a:t>
             </a:fld>
             <a:endParaRPr lang="ko-KR" altLang="en-US"/>
           </a:p>
@@ -2105,7 +2267,7 @@
 </file>
 
 <file path=ppt/slideLayouts/slideLayout4.xml><?xml version="1.0" encoding="utf-8"?>
-<p:sldLayout xmlns:r="http://schemas.openxmlformats.org/officeDocument/2006/relationships" xmlns:c="http://schemas.openxmlformats.org/drawingml/2006/chart" xmlns:a="http://schemas.openxmlformats.org/drawingml/2006/main" xmlns:dgm="http://schemas.openxmlformats.org/drawingml/2006/diagram" xmlns:dsp="http://schemas.microsoft.com/office/drawing/2008/diagram" xmlns:p="http://schemas.openxmlformats.org/presentationml/2006/main" showMasterPhAnim="1" type="secHead" preserve="1">
+<p:sldLayout xmlns:a="http://schemas.openxmlformats.org/drawingml/2006/main" xmlns:r="http://schemas.openxmlformats.org/officeDocument/2006/relationships" xmlns:p="http://schemas.openxmlformats.org/presentationml/2006/main" type="secHead" preserve="1">
   <p:cSld name="구역 머리글">
     <p:spTree>
       <p:nvGrpSpPr>
@@ -2128,7 +2290,7 @@
             <a:spLocks noGrp="1"/>
           </p:cNvSpPr>
           <p:nvPr>
-            <p:ph type="title" idx="0"/>
+            <p:ph type="title"/>
           </p:nvPr>
         </p:nvSpPr>
         <p:spPr>
@@ -2146,10 +2308,9 @@
           </a:lstStyle>
           <a:p>
             <a:r>
-              <a:rPr lang="ko-KR" altLang="en-US" smtClean="0"/>
+              <a:rPr lang="ko-KR" altLang="en-US"/>
               <a:t>마스터 제목 스타일 편집</a:t>
             </a:r>
-            <a:endParaRPr lang="ko-KR" altLang="en-US"/>
           </a:p>
         </p:txBody>
       </p:sp>
@@ -2266,7 +2427,7 @@
           <a:p>
             <a:pPr lvl="0"/>
             <a:r>
-              <a:rPr lang="ko-KR" altLang="en-US" smtClean="0"/>
+              <a:rPr lang="ko-KR" altLang="en-US"/>
               <a:t>마스터 텍스트 스타일을 편집합니다</a:t>
             </a:r>
           </a:p>
@@ -2290,7 +2451,7 @@
             <a:fld id="{D8D7A7C4-C82A-4D21-9AB0-F0C5A1D3EF09}" type="datetimeFigureOut">
               <a:rPr lang="ko-KR" altLang="en-US" smtClean="0"/>
               <a:pPr/>
-              <a:t>2009-12-07</a:t>
+              <a:t>2021-08-02</a:t>
             </a:fld>
             <a:endParaRPr lang="ko-KR" altLang="en-US"/>
           </a:p>
@@ -2348,7 +2509,7 @@
 </file>
 
 <file path=ppt/slideLayouts/slideLayout5.xml><?xml version="1.0" encoding="utf-8"?>
-<p:sldLayout xmlns:r="http://schemas.openxmlformats.org/officeDocument/2006/relationships" xmlns:c="http://schemas.openxmlformats.org/drawingml/2006/chart" xmlns:a="http://schemas.openxmlformats.org/drawingml/2006/main" xmlns:dgm="http://schemas.openxmlformats.org/drawingml/2006/diagram" xmlns:dsp="http://schemas.microsoft.com/office/drawing/2008/diagram" xmlns:p="http://schemas.openxmlformats.org/presentationml/2006/main" showMasterPhAnim="1" type="twoObj" preserve="1">
+<p:sldLayout xmlns:a="http://schemas.openxmlformats.org/drawingml/2006/main" xmlns:r="http://schemas.openxmlformats.org/officeDocument/2006/relationships" xmlns:p="http://schemas.openxmlformats.org/presentationml/2006/main" type="twoObj" preserve="1">
   <p:cSld name="내용 2개">
     <p:spTree>
       <p:nvGrpSpPr>
@@ -2371,7 +2532,7 @@
             <a:spLocks noGrp="1"/>
           </p:cNvSpPr>
           <p:nvPr>
-            <p:ph type="title" idx="0"/>
+            <p:ph type="title"/>
           </p:nvPr>
         </p:nvSpPr>
         <p:spPr/>
@@ -2380,10 +2541,9 @@
           <a:lstStyle/>
           <a:p>
             <a:r>
-              <a:rPr lang="ko-KR" altLang="en-US" smtClean="0"/>
+              <a:rPr lang="ko-KR" altLang="en-US"/>
               <a:t>마스터 제목 스타일 편집</a:t>
             </a:r>
-            <a:endParaRPr lang="ko-KR" altLang="en-US"/>
           </a:p>
         </p:txBody>
       </p:sp>
@@ -2437,38 +2597,37 @@
           <a:p>
             <a:pPr lvl="0"/>
             <a:r>
-              <a:rPr lang="ko-KR" altLang="en-US" smtClean="0"/>
+              <a:rPr lang="ko-KR" altLang="en-US"/>
               <a:t>마스터 텍스트 스타일을 편집합니다</a:t>
             </a:r>
           </a:p>
           <a:p>
             <a:pPr lvl="1"/>
             <a:r>
-              <a:rPr lang="ko-KR" altLang="en-US" smtClean="0"/>
+              <a:rPr lang="ko-KR" altLang="en-US"/>
               <a:t>둘째 수준</a:t>
             </a:r>
           </a:p>
           <a:p>
             <a:pPr lvl="2"/>
             <a:r>
-              <a:rPr lang="ko-KR" altLang="en-US" smtClean="0"/>
+              <a:rPr lang="ko-KR" altLang="en-US"/>
               <a:t>셋째 수준</a:t>
             </a:r>
           </a:p>
           <a:p>
             <a:pPr lvl="3"/>
             <a:r>
-              <a:rPr lang="ko-KR" altLang="en-US" smtClean="0"/>
+              <a:rPr lang="ko-KR" altLang="en-US"/>
               <a:t>넷째 수준</a:t>
             </a:r>
           </a:p>
           <a:p>
             <a:pPr lvl="4"/>
             <a:r>
-              <a:rPr lang="ko-KR" altLang="en-US" smtClean="0"/>
+              <a:rPr lang="ko-KR" altLang="en-US"/>
               <a:t>다섯째 수준</a:t>
             </a:r>
-            <a:endParaRPr lang="ko-KR" altLang="en-US"/>
           </a:p>
         </p:txBody>
       </p:sp>
@@ -2522,38 +2681,37 @@
           <a:p>
             <a:pPr lvl="0"/>
             <a:r>
-              <a:rPr lang="ko-KR" altLang="en-US" smtClean="0"/>
+              <a:rPr lang="ko-KR" altLang="en-US"/>
               <a:t>마스터 텍스트 스타일을 편집합니다</a:t>
             </a:r>
           </a:p>
           <a:p>
             <a:pPr lvl="1"/>
             <a:r>
-              <a:rPr lang="ko-KR" altLang="en-US" smtClean="0"/>
+              <a:rPr lang="ko-KR" altLang="en-US"/>
               <a:t>둘째 수준</a:t>
             </a:r>
           </a:p>
           <a:p>
             <a:pPr lvl="2"/>
             <a:r>
-              <a:rPr lang="ko-KR" altLang="en-US" smtClean="0"/>
+              <a:rPr lang="ko-KR" altLang="en-US"/>
               <a:t>셋째 수준</a:t>
             </a:r>
           </a:p>
           <a:p>
             <a:pPr lvl="3"/>
             <a:r>
-              <a:rPr lang="ko-KR" altLang="en-US" smtClean="0"/>
+              <a:rPr lang="ko-KR" altLang="en-US"/>
               <a:t>넷째 수준</a:t>
             </a:r>
           </a:p>
           <a:p>
             <a:pPr lvl="4"/>
             <a:r>
-              <a:rPr lang="ko-KR" altLang="en-US" smtClean="0"/>
+              <a:rPr lang="ko-KR" altLang="en-US"/>
               <a:t>다섯째 수준</a:t>
             </a:r>
-            <a:endParaRPr lang="ko-KR" altLang="en-US"/>
           </a:p>
         </p:txBody>
       </p:sp>
@@ -2575,7 +2733,7 @@
             <a:fld id="{D8D7A7C4-C82A-4D21-9AB0-F0C5A1D3EF09}" type="datetimeFigureOut">
               <a:rPr lang="ko-KR" altLang="en-US" smtClean="0"/>
               <a:pPr/>
-              <a:t>2009-12-07</a:t>
+              <a:t>2021-08-02</a:t>
             </a:fld>
             <a:endParaRPr lang="ko-KR" altLang="en-US"/>
           </a:p>
@@ -2633,7 +2791,7 @@
 </file>
 
 <file path=ppt/slideLayouts/slideLayout6.xml><?xml version="1.0" encoding="utf-8"?>
-<p:sldLayout xmlns:r="http://schemas.openxmlformats.org/officeDocument/2006/relationships" xmlns:c="http://schemas.openxmlformats.org/drawingml/2006/chart" xmlns:a="http://schemas.openxmlformats.org/drawingml/2006/main" xmlns:dgm="http://schemas.openxmlformats.org/drawingml/2006/diagram" xmlns:dsp="http://schemas.microsoft.com/office/drawing/2008/diagram" xmlns:p="http://schemas.openxmlformats.org/presentationml/2006/main" showMasterPhAnim="1" type="titleOnly" preserve="1">
+<p:sldLayout xmlns:a="http://schemas.openxmlformats.org/drawingml/2006/main" xmlns:r="http://schemas.openxmlformats.org/officeDocument/2006/relationships" xmlns:p="http://schemas.openxmlformats.org/presentationml/2006/main" type="titleOnly" preserve="1">
   <p:cSld name="제목만">
     <p:spTree>
       <p:nvGrpSpPr>
@@ -2656,7 +2814,7 @@
             <a:spLocks noGrp="1"/>
           </p:cNvSpPr>
           <p:nvPr>
-            <p:ph type="title" idx="0"/>
+            <p:ph type="title"/>
           </p:nvPr>
         </p:nvSpPr>
         <p:spPr/>
@@ -2665,10 +2823,9 @@
           <a:lstStyle/>
           <a:p>
             <a:r>
-              <a:rPr lang="ko-KR" altLang="en-US" smtClean="0"/>
+              <a:rPr lang="ko-KR" altLang="en-US"/>
               <a:t>마스터 제목 스타일 편집</a:t>
             </a:r>
-            <a:endParaRPr lang="ko-KR" altLang="en-US"/>
           </a:p>
         </p:txBody>
       </p:sp>
@@ -2690,7 +2847,7 @@
             <a:fld id="{D8D7A7C4-C82A-4D21-9AB0-F0C5A1D3EF09}" type="datetimeFigureOut">
               <a:rPr lang="ko-KR" altLang="en-US" smtClean="0"/>
               <a:pPr/>
-              <a:t>2009-12-07</a:t>
+              <a:t>2021-08-02</a:t>
             </a:fld>
             <a:endParaRPr lang="ko-KR" altLang="en-US"/>
           </a:p>
@@ -2748,7 +2905,7 @@
 </file>
 
 <file path=ppt/slideLayouts/slideLayout7.xml><?xml version="1.0" encoding="utf-8"?>
-<p:sldLayout xmlns:r="http://schemas.openxmlformats.org/officeDocument/2006/relationships" xmlns:c="http://schemas.openxmlformats.org/drawingml/2006/chart" xmlns:a="http://schemas.openxmlformats.org/drawingml/2006/main" xmlns:dgm="http://schemas.openxmlformats.org/drawingml/2006/diagram" xmlns:dsp="http://schemas.microsoft.com/office/drawing/2008/diagram" xmlns:p="http://schemas.openxmlformats.org/presentationml/2006/main" showMasterPhAnim="1" type="tbl" preserve="1">
+<p:sldLayout xmlns:a="http://schemas.openxmlformats.org/drawingml/2006/main" xmlns:r="http://schemas.openxmlformats.org/officeDocument/2006/relationships" xmlns:p="http://schemas.openxmlformats.org/presentationml/2006/main" type="tbl" preserve="1">
   <p:cSld name="표">
     <p:spTree>
       <p:nvGrpSpPr>
@@ -2771,7 +2928,7 @@
             <a:spLocks noGrp="1"/>
           </p:cNvSpPr>
           <p:nvPr>
-            <p:ph type="title" idx="0"/>
+            <p:ph type="title"/>
           </p:nvPr>
         </p:nvSpPr>
         <p:spPr/>
@@ -2780,10 +2937,9 @@
           <a:lstStyle/>
           <a:p>
             <a:r>
-              <a:rPr lang="ko-KR" altLang="en-US" smtClean="0"/>
+              <a:rPr lang="ko-KR" altLang="en-US"/>
               <a:t>마스터 제목 스타일 편집</a:t>
             </a:r>
-            <a:endParaRPr lang="ko-KR" altLang="en-US"/>
           </a:p>
         </p:txBody>
       </p:sp>
@@ -2814,10 +2970,9 @@
           </a:lstStyle>
           <a:p>
             <a:r>
-              <a:rPr lang="ko-KR" altLang="en-US" smtClean="0"/>
+              <a:rPr lang="ko-KR" altLang="en-US"/>
               <a:t>표를 추가하려면 아이콘을 클릭하십시오</a:t>
             </a:r>
-            <a:endParaRPr lang="ko-KR" altLang="en-US"/>
           </a:p>
         </p:txBody>
       </p:sp>
@@ -2839,7 +2994,7 @@
             <a:fld id="{D8D7A7C4-C82A-4D21-9AB0-F0C5A1D3EF09}" type="datetimeFigureOut">
               <a:rPr lang="ko-KR" altLang="en-US" smtClean="0"/>
               <a:pPr/>
-              <a:t>2009-12-07</a:t>
+              <a:t>2021-08-02</a:t>
             </a:fld>
             <a:endParaRPr lang="ko-KR" altLang="en-US"/>
           </a:p>
@@ -2897,7 +3052,7 @@
 </file>
 
 <file path=ppt/slideLayouts/slideLayout8.xml><?xml version="1.0" encoding="utf-8"?>
-<p:sldLayout xmlns:r="http://schemas.openxmlformats.org/officeDocument/2006/relationships" xmlns:c="http://schemas.openxmlformats.org/drawingml/2006/chart" xmlns:a="http://schemas.openxmlformats.org/drawingml/2006/main" xmlns:dgm="http://schemas.openxmlformats.org/drawingml/2006/diagram" xmlns:dsp="http://schemas.microsoft.com/office/drawing/2008/diagram" xmlns:p="http://schemas.openxmlformats.org/presentationml/2006/main" showMasterPhAnim="1" matchingName="내용 4개" type="fourObj" preserve="1">
+<p:sldLayout xmlns:a="http://schemas.openxmlformats.org/drawingml/2006/main" xmlns:r="http://schemas.openxmlformats.org/officeDocument/2006/relationships" xmlns:p="http://schemas.openxmlformats.org/presentationml/2006/main" matchingName="내용 4개" type="fourObj" preserve="1">
   <p:cSld name="내용 4개">
     <p:spTree>
       <p:nvGrpSpPr>
@@ -2920,7 +3075,7 @@
             <a:spLocks noGrp="1"/>
           </p:cNvSpPr>
           <p:nvPr>
-            <p:ph type="title" idx="0"/>
+            <p:ph type="title"/>
           </p:nvPr>
         </p:nvSpPr>
         <p:spPr/>
@@ -2935,7 +3090,6 @@
               <a:rPr lang="ko-KR" altLang="en-US"/>
               <a:t>마스터 제목 스타일 편집</a:t>
             </a:r>
-            <a:endParaRPr lang="ko-KR" altLang="en-US"/>
           </a:p>
         </p:txBody>
       </p:sp>
@@ -2994,7 +3148,6 @@
               <a:rPr lang="ko-KR" altLang="en-US"/>
               <a:t>마스터 텍스트 스타일을 편집합니다</a:t>
             </a:r>
-            <a:endParaRPr lang="ko-KR" altLang="en-US"/>
           </a:p>
           <a:p>
             <a:pPr lvl="1">
@@ -3004,7 +3157,6 @@
               <a:rPr lang="ko-KR" altLang="en-US"/>
               <a:t>둘째 수준</a:t>
             </a:r>
-            <a:endParaRPr lang="ko-KR" altLang="en-US"/>
           </a:p>
           <a:p>
             <a:pPr lvl="2">
@@ -3014,7 +3166,6 @@
               <a:rPr lang="ko-KR" altLang="en-US"/>
               <a:t>셋째 수준</a:t>
             </a:r>
-            <a:endParaRPr lang="ko-KR" altLang="en-US"/>
           </a:p>
           <a:p>
             <a:pPr lvl="3">
@@ -3024,7 +3175,6 @@
               <a:rPr lang="ko-KR" altLang="en-US"/>
               <a:t>넷째 수준</a:t>
             </a:r>
-            <a:endParaRPr lang="ko-KR" altLang="en-US"/>
           </a:p>
           <a:p>
             <a:pPr lvl="4">
@@ -3034,7 +3184,6 @@
               <a:rPr lang="ko-KR" altLang="en-US"/>
               <a:t>다섯째 수준</a:t>
             </a:r>
-            <a:endParaRPr lang="ko-KR" altLang="en-US"/>
           </a:p>
         </p:txBody>
       </p:sp>
@@ -3093,7 +3242,6 @@
               <a:rPr lang="ko-KR" altLang="en-US"/>
               <a:t>마스터 텍스트 스타일을 편집합니다</a:t>
             </a:r>
-            <a:endParaRPr lang="ko-KR" altLang="en-US"/>
           </a:p>
           <a:p>
             <a:pPr lvl="1">
@@ -3103,7 +3251,6 @@
               <a:rPr lang="ko-KR" altLang="en-US"/>
               <a:t>둘째 수준</a:t>
             </a:r>
-            <a:endParaRPr lang="ko-KR" altLang="en-US"/>
           </a:p>
           <a:p>
             <a:pPr lvl="2">
@@ -3113,7 +3260,6 @@
               <a:rPr lang="ko-KR" altLang="en-US"/>
               <a:t>셋째 수준</a:t>
             </a:r>
-            <a:endParaRPr lang="ko-KR" altLang="en-US"/>
           </a:p>
           <a:p>
             <a:pPr lvl="3">
@@ -3123,7 +3269,6 @@
               <a:rPr lang="ko-KR" altLang="en-US"/>
               <a:t>넷째 수준</a:t>
             </a:r>
-            <a:endParaRPr lang="ko-KR" altLang="en-US"/>
           </a:p>
           <a:p>
             <a:pPr lvl="4">
@@ -3133,7 +3278,6 @@
               <a:rPr lang="ko-KR" altLang="en-US"/>
               <a:t>다섯째 수준</a:t>
             </a:r>
-            <a:endParaRPr lang="ko-KR" altLang="en-US"/>
           </a:p>
         </p:txBody>
       </p:sp>
@@ -3192,7 +3336,6 @@
               <a:rPr lang="ko-KR" altLang="en-US"/>
               <a:t>마스터 텍스트 스타일을 편집합니다</a:t>
             </a:r>
-            <a:endParaRPr lang="ko-KR" altLang="en-US"/>
           </a:p>
           <a:p>
             <a:pPr lvl="1">
@@ -3202,7 +3345,6 @@
               <a:rPr lang="ko-KR" altLang="en-US"/>
               <a:t>둘째 수준</a:t>
             </a:r>
-            <a:endParaRPr lang="ko-KR" altLang="en-US"/>
           </a:p>
           <a:p>
             <a:pPr lvl="2">
@@ -3212,7 +3354,6 @@
               <a:rPr lang="ko-KR" altLang="en-US"/>
               <a:t>셋째 수준</a:t>
             </a:r>
-            <a:endParaRPr lang="ko-KR" altLang="en-US"/>
           </a:p>
           <a:p>
             <a:pPr lvl="3">
@@ -3222,7 +3363,6 @@
               <a:rPr lang="ko-KR" altLang="en-US"/>
               <a:t>넷째 수준</a:t>
             </a:r>
-            <a:endParaRPr lang="ko-KR" altLang="en-US"/>
           </a:p>
           <a:p>
             <a:pPr lvl="4">
@@ -3232,7 +3372,6 @@
               <a:rPr lang="ko-KR" altLang="en-US"/>
               <a:t>다섯째 수준</a:t>
             </a:r>
-            <a:endParaRPr lang="ko-KR" altLang="en-US"/>
           </a:p>
         </p:txBody>
       </p:sp>
@@ -3291,7 +3430,6 @@
               <a:rPr lang="ko-KR" altLang="en-US"/>
               <a:t>마스터 텍스트 스타일을 편집합니다</a:t>
             </a:r>
-            <a:endParaRPr lang="ko-KR" altLang="en-US"/>
           </a:p>
           <a:p>
             <a:pPr lvl="1">
@@ -3301,7 +3439,6 @@
               <a:rPr lang="ko-KR" altLang="en-US"/>
               <a:t>둘째 수준</a:t>
             </a:r>
-            <a:endParaRPr lang="ko-KR" altLang="en-US"/>
           </a:p>
           <a:p>
             <a:pPr lvl="2">
@@ -3311,7 +3448,6 @@
               <a:rPr lang="ko-KR" altLang="en-US"/>
               <a:t>셋째 수준</a:t>
             </a:r>
-            <a:endParaRPr lang="ko-KR" altLang="en-US"/>
           </a:p>
           <a:p>
             <a:pPr lvl="3">
@@ -3321,7 +3457,6 @@
               <a:rPr lang="ko-KR" altLang="en-US"/>
               <a:t>넷째 수준</a:t>
             </a:r>
-            <a:endParaRPr lang="ko-KR" altLang="en-US"/>
           </a:p>
           <a:p>
             <a:pPr lvl="4">
@@ -3331,7 +3466,6 @@
               <a:rPr lang="ko-KR" altLang="en-US"/>
               <a:t>다섯째 수준</a:t>
             </a:r>
-            <a:endParaRPr lang="ko-KR" altLang="en-US"/>
           </a:p>
         </p:txBody>
       </p:sp>
@@ -3373,9 +3507,9 @@
                 <a:spcPct val="0"/>
               </a:spcAft>
               <a:buNone/>
-              <a:defRPr xmlns:mc="http://schemas.openxmlformats.org/markup-compatibility/2006" xmlns:hp="http://schemas.haansoft.com/office/presentation/8.0" kumimoji="1" lang="ko-KR" altLang="en-US" sz="1200" b="0" i="0" baseline="0" mc:Ignorable="hp" hp:hslEmbossed="0">
-                <a:solidFill>
-                  <a:srgbClr val="8c8c8c">
+              <a:defRPr kumimoji="1" lang="ko-KR" altLang="en-US" sz="1200" b="0" i="0" baseline="0">
+                <a:solidFill>
+                  <a:srgbClr val="8C8C8C">
                     <a:alpha val="100000"/>
                   </a:srgbClr>
                 </a:solidFill>
@@ -3399,9 +3533,9 @@
               <a:defRPr/>
             </a:pPr>
             <a:fld id="{D8D7A7C4-C82A-4D21-9AB0-F0C5A1D3EF09}" type="datetime1">
-              <a:rPr xmlns:mc="http://schemas.openxmlformats.org/markup-compatibility/2006" xmlns:hp="http://schemas.haansoft.com/office/presentation/8.0" kumimoji="1" lang="ko-KR" altLang="en-US" sz="1200" b="0" i="0" baseline="0" mc:Ignorable="hp" hp:hslEmbossed="0">
-                <a:solidFill>
-                  <a:srgbClr val="8c8c8c">
+              <a:rPr kumimoji="1" lang="ko-KR" altLang="en-US" sz="1200" b="0" i="0" baseline="0">
+                <a:solidFill>
+                  <a:srgbClr val="8C8C8C">
                     <a:alpha val="100000"/>
                   </a:srgbClr>
                 </a:solidFill>
@@ -3421,11 +3555,11 @@
                 <a:buNone/>
                 <a:defRPr/>
               </a:pPr>
-              <a:t>2021-07-10</a:t>
+              <a:t>2021-08-02</a:t>
             </a:fld>
-            <a:endParaRPr xmlns:mc="http://schemas.openxmlformats.org/markup-compatibility/2006" xmlns:hp="http://schemas.haansoft.com/office/presentation/8.0" kumimoji="1" lang="ko-KR" altLang="en-US" sz="1200" b="0" i="0" baseline="0" mc:Ignorable="hp" hp:hslEmbossed="0">
+            <a:endParaRPr kumimoji="1" lang="ko-KR" altLang="en-US" sz="1200" b="0" i="0" baseline="0">
               <a:solidFill>
-                <a:srgbClr val="8c8c8c">
+                <a:srgbClr val="8C8C8C">
                   <a:alpha val="100000"/>
                 </a:srgbClr>
               </a:solidFill>
@@ -3473,9 +3607,9 @@
                 <a:spcPct val="0"/>
               </a:spcAft>
               <a:buNone/>
-              <a:defRPr xmlns:mc="http://schemas.openxmlformats.org/markup-compatibility/2006" xmlns:hp="http://schemas.haansoft.com/office/presentation/8.0" kumimoji="1" lang="ko-KR" altLang="en-US" sz="1200" b="0" i="0" baseline="0" mc:Ignorable="hp" hp:hslEmbossed="0">
-                <a:solidFill>
-                  <a:srgbClr val="8c8c8c">
+              <a:defRPr kumimoji="1" lang="ko-KR" altLang="en-US" sz="1200" b="0" i="0" baseline="0">
+                <a:solidFill>
+                  <a:srgbClr val="8C8C8C">
                     <a:alpha val="100000"/>
                   </a:srgbClr>
                 </a:solidFill>
@@ -3498,21 +3632,9 @@
               <a:buNone/>
               <a:defRPr/>
             </a:pPr>
-            <a:r>
-              <a:rPr xmlns:mc="http://schemas.openxmlformats.org/markup-compatibility/2006" xmlns:hp="http://schemas.haansoft.com/office/presentation/8.0" kumimoji="1" lang="ko-KR" altLang="en-US" sz="1200" b="0" i="0" baseline="0" mc:Ignorable="hp" hp:hslEmbossed="0">
-                <a:solidFill>
-                  <a:srgbClr val="8c8c8c">
-                    <a:alpha val="100000"/>
-                  </a:srgbClr>
-                </a:solidFill>
-                <a:latin typeface="함초롬돋움"/>
-                <a:ea typeface="함초롬돋움"/>
-              </a:rPr>
-              <a:t/>
-            </a:r>
-            <a:endParaRPr xmlns:mc="http://schemas.openxmlformats.org/markup-compatibility/2006" xmlns:hp="http://schemas.haansoft.com/office/presentation/8.0" kumimoji="1" lang="ko-KR" altLang="en-US" sz="1200" b="0" i="0" baseline="0" mc:Ignorable="hp" hp:hslEmbossed="0">
+            <a:endParaRPr kumimoji="1" lang="ko-KR" altLang="en-US" sz="1200" b="0" i="0" baseline="0">
               <a:solidFill>
-                <a:srgbClr val="8c8c8c">
+                <a:srgbClr val="8C8C8C">
                   <a:alpha val="100000"/>
                 </a:srgbClr>
               </a:solidFill>
@@ -3560,9 +3682,9 @@
                 <a:spcPct val="0"/>
               </a:spcAft>
               <a:buNone/>
-              <a:defRPr xmlns:mc="http://schemas.openxmlformats.org/markup-compatibility/2006" xmlns:hp="http://schemas.haansoft.com/office/presentation/8.0" kumimoji="1" lang="ko-KR" altLang="en-US" sz="1200" b="0" i="0" baseline="0" mc:Ignorable="hp" hp:hslEmbossed="0">
-                <a:solidFill>
-                  <a:srgbClr val="8c8c8c">
+              <a:defRPr kumimoji="1" lang="ko-KR" altLang="en-US" sz="1200" b="0" i="0" baseline="0">
+                <a:solidFill>
+                  <a:srgbClr val="8C8C8C">
                     <a:alpha val="100000"/>
                   </a:srgbClr>
                 </a:solidFill>
@@ -3586,9 +3708,9 @@
               <a:defRPr/>
             </a:pPr>
             <a:fld id="{1A0B375A-6ED1-4E7A-AFF2-92A891478FF5}" type="slidenum">
-              <a:rPr xmlns:mc="http://schemas.openxmlformats.org/markup-compatibility/2006" xmlns:hp="http://schemas.haansoft.com/office/presentation/8.0" kumimoji="1" lang="ko-KR" altLang="en-US" sz="1200" b="0" i="0" baseline="0" mc:Ignorable="hp" hp:hslEmbossed="0">
-                <a:solidFill>
-                  <a:srgbClr val="8c8c8c">
+              <a:rPr kumimoji="1" lang="ko-KR" altLang="en-US" sz="1200" b="0" i="0" baseline="0">
+                <a:solidFill>
+                  <a:srgbClr val="8C8C8C">
                     <a:alpha val="100000"/>
                   </a:srgbClr>
                 </a:solidFill>
@@ -3610,9 +3732,9 @@
               </a:pPr>
               <a:t>‹#›</a:t>
             </a:fld>
-            <a:endParaRPr xmlns:mc="http://schemas.openxmlformats.org/markup-compatibility/2006" xmlns:hp="http://schemas.haansoft.com/office/presentation/8.0" kumimoji="1" lang="ko-KR" altLang="en-US" sz="1200" b="0" i="0" baseline="0" mc:Ignorable="hp" hp:hslEmbossed="0">
+            <a:endParaRPr kumimoji="1" lang="ko-KR" altLang="en-US" sz="1200" b="0" i="0" baseline="0">
               <a:solidFill>
-                <a:srgbClr val="8c8c8c">
+                <a:srgbClr val="8C8C8C">
                   <a:alpha val="100000"/>
                 </a:srgbClr>
               </a:solidFill>
@@ -3627,12 +3749,12 @@
   <p:clrMapOvr>
     <a:masterClrMapping/>
   </p:clrMapOvr>
-  <p:transition xmlns:mc="http://schemas.openxmlformats.org/markup-compatibility/2006" xmlns:hp="http://schemas.haansoft.com/office/presentation/8.0" mc:Ignorable="hp" hp:hslDur="500"/>
+  <p:transition/>
 </p:sldLayout>
 </file>
 
 <file path=ppt/slideLayouts/slideLayout9.xml><?xml version="1.0" encoding="utf-8"?>
-<p:sldLayout xmlns:r="http://schemas.openxmlformats.org/officeDocument/2006/relationships" xmlns:c="http://schemas.openxmlformats.org/drawingml/2006/chart" xmlns:a="http://schemas.openxmlformats.org/drawingml/2006/main" xmlns:dgm="http://schemas.openxmlformats.org/drawingml/2006/diagram" xmlns:dsp="http://schemas.microsoft.com/office/drawing/2008/diagram" xmlns:p="http://schemas.openxmlformats.org/presentationml/2006/main" showMasterPhAnim="1" type="picTx" preserve="1">
+<p:sldLayout xmlns:a="http://schemas.openxmlformats.org/drawingml/2006/main" xmlns:r="http://schemas.openxmlformats.org/officeDocument/2006/relationships" xmlns:p="http://schemas.openxmlformats.org/presentationml/2006/main" type="picTx" preserve="1">
   <p:cSld name="그림 및 설명">
     <p:spTree>
       <p:nvGrpSpPr>
@@ -3655,7 +3777,7 @@
             <a:spLocks noGrp="1"/>
           </p:cNvSpPr>
           <p:nvPr>
-            <p:ph type="title" idx="0"/>
+            <p:ph type="title"/>
           </p:nvPr>
         </p:nvSpPr>
         <p:spPr>
@@ -3673,10 +3795,9 @@
           </a:lstStyle>
           <a:p>
             <a:r>
-              <a:rPr lang="ko-KR" altLang="en-US" smtClean="0"/>
+              <a:rPr lang="ko-KR" altLang="en-US"/>
               <a:t>마스터 제목 스타일 편집</a:t>
             </a:r>
-            <a:endParaRPr lang="ko-KR" altLang="en-US"/>
           </a:p>
         </p:txBody>
       </p:sp>
@@ -3704,10 +3825,9 @@
           <a:p>
             <a:pPr lvl="0"/>
             <a:r>
-              <a:rPr lang="ko-KR" altLang="en-US" smtClean="0"/>
+              <a:rPr lang="ko-KR" altLang="en-US"/>
               <a:t>그림을 추가하려면 아이콘을 클릭하십시오</a:t>
             </a:r>
-            <a:endParaRPr lang="ko-KR" altLang="en-US"/>
           </a:p>
         </p:txBody>
       </p:sp>
@@ -3761,7 +3881,7 @@
           <a:p>
             <a:pPr lvl="0"/>
             <a:r>
-              <a:rPr lang="ko-KR" altLang="en-US" smtClean="0"/>
+              <a:rPr lang="ko-KR" altLang="en-US"/>
               <a:t>마스터 텍스트 스타일을 편집합니다</a:t>
             </a:r>
           </a:p>
@@ -3785,7 +3905,7 @@
             <a:fld id="{D8D7A7C4-C82A-4D21-9AB0-F0C5A1D3EF09}" type="datetimeFigureOut">
               <a:rPr lang="ko-KR" altLang="en-US" smtClean="0"/>
               <a:pPr/>
-              <a:t>2009-12-07</a:t>
+              <a:t>2021-08-02</a:t>
             </a:fld>
             <a:endParaRPr lang="ko-KR" altLang="en-US"/>
           </a:p>
@@ -3843,15 +3963,16 @@
 </file>
 
 <file path=ppt/slideMasters/slideMaster1.xml><?xml version="1.0" encoding="utf-8"?>
-<p:sldMaster xmlns:r="http://schemas.openxmlformats.org/officeDocument/2006/relationships" xmlns:c="http://schemas.openxmlformats.org/drawingml/2006/chart" xmlns:a="http://schemas.openxmlformats.org/drawingml/2006/main" xmlns:dgm="http://schemas.openxmlformats.org/drawingml/2006/diagram" xmlns:dsp="http://schemas.microsoft.com/office/drawing/2008/diagram" xmlns:p="http://schemas.openxmlformats.org/presentationml/2006/main">
+<p:sldMaster xmlns:a="http://schemas.openxmlformats.org/drawingml/2006/main" xmlns:r="http://schemas.openxmlformats.org/officeDocument/2006/relationships" xmlns:p="http://schemas.openxmlformats.org/presentationml/2006/main">
   <p:cSld name="제목 및 내용">
     <p:bg>
-      <p:bgPr shadeToTitle="0">
+      <p:bgPr>
         <a:solidFill>
-          <a:srgbClr val="ffffff">
+          <a:srgbClr val="FFFFFF">
             <a:alpha val="100000"/>
           </a:srgbClr>
         </a:solidFill>
+        <a:effectLst/>
       </p:bgPr>
     </p:bg>
     <p:spTree>
@@ -3875,7 +3996,7 @@
             <a:spLocks noGrp="1"/>
           </p:cNvSpPr>
           <p:nvPr>
-            <p:ph type="title" idx="0"/>
+            <p:ph type="title"/>
           </p:nvPr>
         </p:nvSpPr>
         <p:spPr>
@@ -3913,7 +4034,7 @@
               <a:defRPr/>
             </a:pPr>
             <a:r>
-              <a:rPr xmlns:mc="http://schemas.openxmlformats.org/markup-compatibility/2006" xmlns:hp="http://schemas.haansoft.com/office/presentation/8.0" kumimoji="0" lang="ko-KR" altLang="en-US" sz="4400" b="0" i="0" baseline="0" mc:Ignorable="hp" hp:hslEmbossed="0">
+              <a:rPr kumimoji="0" lang="ko-KR" altLang="en-US" sz="4400" b="0" i="0" baseline="0">
                 <a:solidFill>
                   <a:schemeClr val="tx2"/>
                 </a:solidFill>
@@ -3922,13 +4043,6 @@
               </a:rPr>
               <a:t>마스터 제목 스타일 편집</a:t>
             </a:r>
-            <a:endParaRPr xmlns:mc="http://schemas.openxmlformats.org/markup-compatibility/2006" xmlns:hp="http://schemas.haansoft.com/office/presentation/8.0" kumimoji="0" lang="ko-KR" altLang="en-US" sz="4400" b="0" i="0" baseline="0" mc:Ignorable="hp" hp:hslEmbossed="0">
-              <a:solidFill>
-                <a:schemeClr val="tx2"/>
-              </a:solidFill>
-              <a:latin typeface="Arial"/>
-              <a:sym typeface="Arial"/>
-            </a:endParaRPr>
           </a:p>
         </p:txBody>
       </p:sp>
@@ -3982,7 +4096,7 @@
               <a:defRPr/>
             </a:pPr>
             <a:r>
-              <a:rPr xmlns:mc="http://schemas.openxmlformats.org/markup-compatibility/2006" xmlns:hp="http://schemas.haansoft.com/office/presentation/8.0" kumimoji="0" lang="ko-KR" altLang="en-US" sz="3200" b="0" i="0" baseline="0" mc:Ignorable="hp" hp:hslEmbossed="0">
+              <a:rPr kumimoji="0" lang="ko-KR" altLang="en-US" sz="3200" b="0" i="0" baseline="0">
                 <a:solidFill>
                   <a:schemeClr val="tx1"/>
                 </a:solidFill>
@@ -3991,13 +4105,6 @@
               </a:rPr>
               <a:t>마스터 텍스트 스타일을 편집합니다</a:t>
             </a:r>
-            <a:endParaRPr xmlns:mc="http://schemas.openxmlformats.org/markup-compatibility/2006" xmlns:hp="http://schemas.haansoft.com/office/presentation/8.0" kumimoji="0" lang="ko-KR" altLang="en-US" sz="3200" b="0" i="0" baseline="0" mc:Ignorable="hp" hp:hslEmbossed="0">
-              <a:solidFill>
-                <a:schemeClr val="tx1"/>
-              </a:solidFill>
-              <a:latin typeface="Arial"/>
-              <a:sym typeface="Arial"/>
-            </a:endParaRPr>
           </a:p>
           <a:p>
             <a:pPr marL="342945" lvl="0" indent="-342945" algn="l" rtl="0" eaLnBrk="0" latinLnBrk="1" hangingPunct="0">
@@ -4019,7 +4126,7 @@
               <a:defRPr/>
             </a:pPr>
             <a:r>
-              <a:rPr xmlns:mc="http://schemas.openxmlformats.org/markup-compatibility/2006" xmlns:hp="http://schemas.haansoft.com/office/presentation/8.0" kumimoji="0" lang="ko-KR" altLang="en-US" sz="3200" b="0" i="0" baseline="0" mc:Ignorable="hp" hp:hslEmbossed="0">
+              <a:rPr kumimoji="0" lang="ko-KR" altLang="en-US" sz="3200" b="0" i="0" baseline="0">
                 <a:solidFill>
                   <a:schemeClr val="tx1"/>
                 </a:solidFill>
@@ -4028,13 +4135,6 @@
               </a:rPr>
               <a:t>둘째 수준</a:t>
             </a:r>
-            <a:endParaRPr xmlns:mc="http://schemas.openxmlformats.org/markup-compatibility/2006" xmlns:hp="http://schemas.haansoft.com/office/presentation/8.0" kumimoji="0" lang="ko-KR" altLang="en-US" sz="3200" b="0" i="0" baseline="0" mc:Ignorable="hp" hp:hslEmbossed="0">
-              <a:solidFill>
-                <a:schemeClr val="tx1"/>
-              </a:solidFill>
-              <a:latin typeface="Arial"/>
-              <a:sym typeface="Arial"/>
-            </a:endParaRPr>
           </a:p>
           <a:p>
             <a:pPr marL="342945" lvl="0" indent="-342945" algn="l" rtl="0" eaLnBrk="0" latinLnBrk="1" hangingPunct="0">
@@ -4056,7 +4156,7 @@
               <a:defRPr/>
             </a:pPr>
             <a:r>
-              <a:rPr xmlns:mc="http://schemas.openxmlformats.org/markup-compatibility/2006" xmlns:hp="http://schemas.haansoft.com/office/presentation/8.0" kumimoji="0" lang="ko-KR" altLang="en-US" sz="3200" b="0" i="0" baseline="0" mc:Ignorable="hp" hp:hslEmbossed="0">
+              <a:rPr kumimoji="0" lang="ko-KR" altLang="en-US" sz="3200" b="0" i="0" baseline="0">
                 <a:solidFill>
                   <a:schemeClr val="tx1"/>
                 </a:solidFill>
@@ -4065,13 +4165,6 @@
               </a:rPr>
               <a:t>셋째 수준</a:t>
             </a:r>
-            <a:endParaRPr xmlns:mc="http://schemas.openxmlformats.org/markup-compatibility/2006" xmlns:hp="http://schemas.haansoft.com/office/presentation/8.0" kumimoji="0" lang="ko-KR" altLang="en-US" sz="3200" b="0" i="0" baseline="0" mc:Ignorable="hp" hp:hslEmbossed="0">
-              <a:solidFill>
-                <a:schemeClr val="tx1"/>
-              </a:solidFill>
-              <a:latin typeface="Arial"/>
-              <a:sym typeface="Arial"/>
-            </a:endParaRPr>
           </a:p>
           <a:p>
             <a:pPr marL="342945" lvl="0" indent="-342945" algn="l" rtl="0" eaLnBrk="0" latinLnBrk="1" hangingPunct="0">
@@ -4093,7 +4186,7 @@
               <a:defRPr/>
             </a:pPr>
             <a:r>
-              <a:rPr xmlns:mc="http://schemas.openxmlformats.org/markup-compatibility/2006" xmlns:hp="http://schemas.haansoft.com/office/presentation/8.0" kumimoji="0" lang="ko-KR" altLang="en-US" sz="3200" b="0" i="0" baseline="0" mc:Ignorable="hp" hp:hslEmbossed="0">
+              <a:rPr kumimoji="0" lang="ko-KR" altLang="en-US" sz="3200" b="0" i="0" baseline="0">
                 <a:solidFill>
                   <a:schemeClr val="tx1"/>
                 </a:solidFill>
@@ -4102,13 +4195,6 @@
               </a:rPr>
               <a:t>넷째 수준</a:t>
             </a:r>
-            <a:endParaRPr xmlns:mc="http://schemas.openxmlformats.org/markup-compatibility/2006" xmlns:hp="http://schemas.haansoft.com/office/presentation/8.0" kumimoji="0" lang="ko-KR" altLang="en-US" sz="3200" b="0" i="0" baseline="0" mc:Ignorable="hp" hp:hslEmbossed="0">
-              <a:solidFill>
-                <a:schemeClr val="tx1"/>
-              </a:solidFill>
-              <a:latin typeface="Arial"/>
-              <a:sym typeface="Arial"/>
-            </a:endParaRPr>
           </a:p>
           <a:p>
             <a:pPr marL="342945" lvl="0" indent="-342945" algn="l" rtl="0" eaLnBrk="0" latinLnBrk="1" hangingPunct="0">
@@ -4130,7 +4216,7 @@
               <a:defRPr/>
             </a:pPr>
             <a:r>
-              <a:rPr xmlns:mc="http://schemas.openxmlformats.org/markup-compatibility/2006" xmlns:hp="http://schemas.haansoft.com/office/presentation/8.0" kumimoji="0" lang="ko-KR" altLang="en-US" sz="3200" b="0" i="0" baseline="0" mc:Ignorable="hp" hp:hslEmbossed="0">
+              <a:rPr kumimoji="0" lang="ko-KR" altLang="en-US" sz="3200" b="0" i="0" baseline="0">
                 <a:solidFill>
                   <a:schemeClr val="tx1"/>
                 </a:solidFill>
@@ -4139,13 +4225,6 @@
               </a:rPr>
               <a:t>다섯째 수준</a:t>
             </a:r>
-            <a:endParaRPr xmlns:mc="http://schemas.openxmlformats.org/markup-compatibility/2006" xmlns:hp="http://schemas.haansoft.com/office/presentation/8.0" kumimoji="0" lang="ko-KR" altLang="en-US" sz="3200" b="0" i="0" baseline="0" mc:Ignorable="hp" hp:hslEmbossed="0">
-              <a:solidFill>
-                <a:schemeClr val="tx1"/>
-              </a:solidFill>
-              <a:latin typeface="Arial"/>
-              <a:sym typeface="Arial"/>
-            </a:endParaRPr>
           </a:p>
         </p:txBody>
       </p:sp>
@@ -4190,9 +4269,9 @@
                 <a:spcPct val="0"/>
               </a:spcAft>
               <a:buNone/>
-              <a:defRPr xmlns:mc="http://schemas.openxmlformats.org/markup-compatibility/2006" xmlns:hp="http://schemas.haansoft.com/office/presentation/8.0" kumimoji="1" lang="ko-KR" altLang="en-US" sz="1200" b="0" i="0" baseline="0" mc:Ignorable="hp" hp:hslEmbossed="0">
-                <a:solidFill>
-                  <a:srgbClr val="8c8c8c">
+              <a:defRPr kumimoji="1" lang="ko-KR" altLang="en-US" sz="1200" b="0" i="0" baseline="0">
+                <a:solidFill>
+                  <a:srgbClr val="8C8C8C">
                     <a:alpha val="100000"/>
                   </a:srgbClr>
                 </a:solidFill>
@@ -4216,9 +4295,9 @@
               <a:defRPr/>
             </a:pPr>
             <a:fld id="{D422D86A-5F52-4165-8473-F1B836277586}" type="datetime1">
-              <a:rPr xmlns:mc="http://schemas.openxmlformats.org/markup-compatibility/2006" xmlns:hp="http://schemas.haansoft.com/office/presentation/8.0" kumimoji="1" lang="ko-KR" altLang="en-US" sz="1200" b="0" i="0" baseline="0" mc:Ignorable="hp" hp:hslEmbossed="0">
-                <a:solidFill>
-                  <a:srgbClr val="8c8c8c">
+              <a:rPr kumimoji="1" lang="ko-KR" altLang="en-US" sz="1200" b="0" i="0" baseline="0">
+                <a:solidFill>
+                  <a:srgbClr val="8C8C8C">
                     <a:alpha val="100000"/>
                   </a:srgbClr>
                 </a:solidFill>
@@ -4238,11 +4317,11 @@
                 <a:buNone/>
                 <a:defRPr/>
               </a:pPr>
-              <a:t>2021-07-10</a:t>
+              <a:t>2021-08-02</a:t>
             </a:fld>
-            <a:endParaRPr xmlns:mc="http://schemas.openxmlformats.org/markup-compatibility/2006" xmlns:hp="http://schemas.haansoft.com/office/presentation/8.0" kumimoji="1" lang="ko-KR" altLang="en-US" sz="1200" b="0" i="0" baseline="0" mc:Ignorable="hp" hp:hslEmbossed="0">
+            <a:endParaRPr kumimoji="1" lang="ko-KR" altLang="en-US" sz="1200" b="0" i="0" baseline="0">
               <a:solidFill>
-                <a:srgbClr val="8c8c8c">
+                <a:srgbClr val="8C8C8C">
                   <a:alpha val="100000"/>
                 </a:srgbClr>
               </a:solidFill>
@@ -4293,9 +4372,9 @@
                 <a:spcPct val="0"/>
               </a:spcAft>
               <a:buNone/>
-              <a:defRPr xmlns:mc="http://schemas.openxmlformats.org/markup-compatibility/2006" xmlns:hp="http://schemas.haansoft.com/office/presentation/8.0" kumimoji="1" lang="ko-KR" altLang="en-US" sz="1200" b="0" i="0" baseline="0" mc:Ignorable="hp" hp:hslEmbossed="0">
-                <a:solidFill>
-                  <a:srgbClr val="8c8c8c">
+              <a:defRPr kumimoji="1" lang="ko-KR" altLang="en-US" sz="1200" b="0" i="0" baseline="0">
+                <a:solidFill>
+                  <a:srgbClr val="8C8C8C">
                     <a:alpha val="100000"/>
                   </a:srgbClr>
                 </a:solidFill>
@@ -4318,21 +4397,9 @@
               <a:buNone/>
               <a:defRPr/>
             </a:pPr>
-            <a:r>
-              <a:rPr xmlns:mc="http://schemas.openxmlformats.org/markup-compatibility/2006" xmlns:hp="http://schemas.haansoft.com/office/presentation/8.0" kumimoji="1" lang="ko-KR" altLang="en-US" sz="1200" b="0" i="0" baseline="0" mc:Ignorable="hp" hp:hslEmbossed="0">
-                <a:solidFill>
-                  <a:srgbClr val="8c8c8c">
-                    <a:alpha val="100000"/>
-                  </a:srgbClr>
-                </a:solidFill>
-                <a:latin typeface="함초롬돋움"/>
-                <a:ea typeface="함초롬돋움"/>
-              </a:rPr>
-              <a:t/>
-            </a:r>
-            <a:endParaRPr xmlns:mc="http://schemas.openxmlformats.org/markup-compatibility/2006" xmlns:hp="http://schemas.haansoft.com/office/presentation/8.0" kumimoji="1" lang="ko-KR" altLang="en-US" sz="1200" b="0" i="0" baseline="0" mc:Ignorable="hp" hp:hslEmbossed="0">
+            <a:endParaRPr kumimoji="1" lang="ko-KR" altLang="en-US" sz="1200" b="0" i="0" baseline="0">
               <a:solidFill>
-                <a:srgbClr val="8c8c8c">
+                <a:srgbClr val="8C8C8C">
                   <a:alpha val="100000"/>
                 </a:srgbClr>
               </a:solidFill>
@@ -4383,9 +4450,9 @@
                 <a:spcPct val="0"/>
               </a:spcAft>
               <a:buNone/>
-              <a:defRPr xmlns:mc="http://schemas.openxmlformats.org/markup-compatibility/2006" xmlns:hp="http://schemas.haansoft.com/office/presentation/8.0" kumimoji="1" lang="ko-KR" altLang="en-US" sz="1200" b="0" i="0" baseline="0" mc:Ignorable="hp" hp:hslEmbossed="0">
-                <a:solidFill>
-                  <a:srgbClr val="8c8c8c">
+              <a:defRPr kumimoji="1" lang="ko-KR" altLang="en-US" sz="1200" b="0" i="0" baseline="0">
+                <a:solidFill>
+                  <a:srgbClr val="8C8C8C">
                     <a:alpha val="100000"/>
                   </a:srgbClr>
                 </a:solidFill>
@@ -4409,9 +4476,9 @@
               <a:defRPr/>
             </a:pPr>
             <a:fld id="{DD4310FE-EDF7-4C05-912F-1B73F66CC5CE}" type="slidenum">
-              <a:rPr xmlns:mc="http://schemas.openxmlformats.org/markup-compatibility/2006" xmlns:hp="http://schemas.haansoft.com/office/presentation/8.0" kumimoji="1" lang="ko-KR" altLang="en-US" sz="1200" b="0" i="0" baseline="0" mc:Ignorable="hp" hp:hslEmbossed="0">
-                <a:solidFill>
-                  <a:srgbClr val="8c8c8c">
+              <a:rPr kumimoji="1" lang="ko-KR" altLang="en-US" sz="1200" b="0" i="0" baseline="0">
+                <a:solidFill>
+                  <a:srgbClr val="8C8C8C">
                     <a:alpha val="100000"/>
                   </a:srgbClr>
                 </a:solidFill>
@@ -4433,9 +4500,9 @@
               </a:pPr>
               <a:t>‹#›</a:t>
             </a:fld>
-            <a:endParaRPr xmlns:mc="http://schemas.openxmlformats.org/markup-compatibility/2006" xmlns:hp="http://schemas.haansoft.com/office/presentation/8.0" kumimoji="1" lang="ko-KR" altLang="en-US" sz="1200" b="0" i="0" baseline="0" mc:Ignorable="hp" hp:hslEmbossed="0">
+            <a:endParaRPr kumimoji="1" lang="ko-KR" altLang="en-US" sz="1200" b="0" i="0" baseline="0">
               <a:solidFill>
-                <a:srgbClr val="8c8c8c">
+                <a:srgbClr val="8C8C8C">
                   <a:alpha val="100000"/>
                 </a:srgbClr>
               </a:solidFill>
@@ -4462,7 +4529,7 @@
     <p:sldLayoutId id="2147483728" r:id="rId11"/>
     <p:sldLayoutId id="2147483729" r:id="rId12"/>
   </p:sldLayoutIdLst>
-  <p:transition xmlns:mc="http://schemas.openxmlformats.org/markup-compatibility/2006" xmlns:hp="http://schemas.haansoft.com/office/presentation/8.0" mc:Ignorable="hp" hp:hslDur="500"/>
+  <p:transition/>
   <p:txStyles>
     <p:titleStyle>
       <a:lvl1pPr algn="ctr" rtl="0" fontAlgn="base" latinLnBrk="1">
@@ -4928,7 +4995,7 @@
 </file>
 
 <file path=ppt/slides/slide1.xml><?xml version="1.0" encoding="utf-8"?>
-<p:sld xmlns:r="http://schemas.openxmlformats.org/officeDocument/2006/relationships" xmlns:c="http://schemas.openxmlformats.org/drawingml/2006/chart" xmlns:a="http://schemas.openxmlformats.org/drawingml/2006/main" xmlns:dgm="http://schemas.openxmlformats.org/drawingml/2006/diagram" xmlns:dsp="http://schemas.microsoft.com/office/drawing/2008/diagram" xmlns:p="http://schemas.openxmlformats.org/presentationml/2006/main">
+<p:sld xmlns:a="http://schemas.openxmlformats.org/drawingml/2006/main" xmlns:r="http://schemas.openxmlformats.org/officeDocument/2006/relationships" xmlns:p="http://schemas.openxmlformats.org/presentationml/2006/main">
   <p:cSld>
     <p:spTree>
       <p:nvGrpSpPr>
@@ -4946,7 +5013,7 @@
       </p:grpSpPr>
       <p:sp>
         <p:nvSpPr>
-          <p:cNvPr id="2050" name=""/>
+          <p:cNvPr id="2050" name="TextBox 2049"/>
           <p:cNvSpPr txBox="1"/>
           <p:nvPr/>
         </p:nvSpPr>
@@ -4969,6 +5036,7 @@
           <a:bodyPr vert="horz" wrap="none" lIns="91440" tIns="45720" rIns="91440" bIns="45720" anchor="t">
             <a:noAutofit/>
           </a:bodyPr>
+          <a:lstStyle/>
           <a:p>
             <a:pPr marL="0" lvl="0" indent="0" algn="l" rtl="0" eaLnBrk="1" latinLnBrk="1" hangingPunct="1">
               <a:lnSpc>
@@ -4983,7 +5051,7 @@
               <a:buNone/>
               <a:defRPr/>
             </a:pPr>
-            <a:endParaRPr xmlns:mc="http://schemas.openxmlformats.org/markup-compatibility/2006" xmlns:hp="http://schemas.haansoft.com/office/presentation/8.0" kumimoji="1" lang="ko-KR" altLang="en-US" sz="1200" b="0" i="0" baseline="0" mc:Ignorable="hp" hp:hslEmbossed="0">
+            <a:endParaRPr kumimoji="1" lang="ko-KR" altLang="en-US" sz="1200" b="0" i="0" baseline="0">
               <a:solidFill>
                 <a:schemeClr val="tx1"/>
               </a:solidFill>
@@ -4995,7 +5063,7 @@
       </p:sp>
       <p:sp>
         <p:nvSpPr>
-          <p:cNvPr id="2051" name=""/>
+          <p:cNvPr id="2051" name="자유형: 도형 2050"/>
           <p:cNvSpPr/>
           <p:nvPr/>
         </p:nvSpPr>
@@ -5033,6 +5101,7 @@
               <a:gd name="T23" fmla="*/ 306 w 306"/>
               <a:gd name="T24" fmla="*/ 316 h 316"/>
             </a:gdLst>
+            <a:ahLst/>
             <a:cxnLst>
               <a:cxn ang="T2">
                 <a:pos x="T0" y="T1"/>
@@ -5114,6 +5183,7 @@
           <a:bodyPr vert="horz" wrap="none" lIns="91440" tIns="45720" rIns="91440" bIns="45720" anchor="t">
             <a:noAutofit/>
           </a:bodyPr>
+          <a:lstStyle/>
           <a:p>
             <a:pPr lvl="0" algn="l">
               <a:buNone/>
@@ -5129,7 +5199,7 @@
       </p:sp>
       <p:sp>
         <p:nvSpPr>
-          <p:cNvPr id="2052" name=""/>
+          <p:cNvPr id="2052" name="TextBox 2051"/>
           <p:cNvSpPr txBox="1"/>
           <p:nvPr/>
         </p:nvSpPr>
@@ -5152,6 +5222,7 @@
           <a:bodyPr vert="horz" wrap="square" lIns="91440" tIns="45720" rIns="91440" bIns="45720" anchor="ctr">
             <a:noAutofit/>
           </a:bodyPr>
+          <a:lstStyle/>
           <a:p>
             <a:pPr marL="0" lvl="0" indent="0" algn="ctr" defTabSz="912932" rtl="0" eaLnBrk="1" latinLnBrk="1" hangingPunct="1">
               <a:lnSpc>
@@ -5167,9 +5238,9 @@
               <a:defRPr/>
             </a:pPr>
             <a:r>
-              <a:rPr xmlns:mc="http://schemas.openxmlformats.org/markup-compatibility/2006" xmlns:hp="http://schemas.haansoft.com/office/presentation/8.0" kumimoji="1" lang="ko-KR" altLang="en-US" sz="4600" b="1" i="0" baseline="0" mc:Ignorable="hp" hp:hslEmbossed="0">
-                <a:solidFill>
-                  <a:srgbClr val="c75252">
+              <a:rPr kumimoji="1" lang="ko-KR" altLang="en-US" sz="4600" b="1" i="0" baseline="0">
+                <a:solidFill>
+                  <a:srgbClr val="C75252">
                     <a:alpha val="100000"/>
                   </a:srgbClr>
                 </a:solidFill>
@@ -5179,9 +5250,9 @@
               <a:t>&lt; 하이퍼 파라미터 최적화</a:t>
             </a:r>
             <a:r>
-              <a:rPr xmlns:mc="http://schemas.openxmlformats.org/markup-compatibility/2006" xmlns:hp="http://schemas.haansoft.com/office/presentation/8.0" kumimoji="1" lang="en-US" altLang="ko-KR" sz="4600" b="1" i="0" baseline="0" mc:Ignorable="hp" hp:hslEmbossed="0">
-                <a:solidFill>
-                  <a:srgbClr val="c75252">
+              <a:rPr kumimoji="1" lang="en-US" altLang="ko-KR" sz="4600" b="1" i="0" baseline="0">
+                <a:solidFill>
+                  <a:srgbClr val="C75252">
                     <a:alpha val="100000"/>
                   </a:srgbClr>
                 </a:solidFill>
@@ -5191,9 +5262,9 @@
               <a:t> </a:t>
             </a:r>
             <a:r>
-              <a:rPr xmlns:mc="http://schemas.openxmlformats.org/markup-compatibility/2006" xmlns:hp="http://schemas.haansoft.com/office/presentation/8.0" kumimoji="1" lang="ko-KR" altLang="en-US" sz="4600" b="1" i="0" baseline="0" mc:Ignorable="hp" hp:hslEmbossed="0">
-                <a:solidFill>
-                  <a:srgbClr val="c75252">
+              <a:rPr kumimoji="1" lang="ko-KR" altLang="en-US" sz="4600" b="1" i="0" baseline="0">
+                <a:solidFill>
+                  <a:srgbClr val="C75252">
                     <a:alpha val="100000"/>
                   </a:srgbClr>
                 </a:solidFill>
@@ -5202,15 +5273,6 @@
               </a:rPr>
               <a:t>&gt;</a:t>
             </a:r>
-            <a:endParaRPr xmlns:mc="http://schemas.openxmlformats.org/markup-compatibility/2006" xmlns:hp="http://schemas.haansoft.com/office/presentation/8.0" kumimoji="1" lang="ko-KR" altLang="en-US" sz="4600" b="1" i="0" baseline="0" mc:Ignorable="hp" hp:hslEmbossed="0">
-              <a:solidFill>
-                <a:srgbClr val="c75252">
-                  <a:alpha val="100000"/>
-                </a:srgbClr>
-              </a:solidFill>
-              <a:latin typeface="함초롬돋움"/>
-              <a:ea typeface="함초롬돋움"/>
-            </a:endParaRPr>
           </a:p>
         </p:txBody>
       </p:sp>
@@ -5219,19 +5281,19 @@
   <p:clrMapOvr>
     <a:masterClrMapping/>
   </p:clrMapOvr>
-  <mc:AlternateContent xmlns:mc="http://schemas.openxmlformats.org/markup-compatibility/2006">
-    <mc:Choice xmlns:p14="http://schemas.microsoft.com/office/powerpoint/2010/main" Requires="p14">
-      <p:transition xmlns:mc="http://schemas.openxmlformats.org/markup-compatibility/2006" xmlns:p14="http://schemas.microsoft.com/office/powerpoint/2010/main" mc:Ignorable="p14" p14:dur="500"/>
+  <mc:AlternateContent xmlns:mc="http://schemas.openxmlformats.org/markup-compatibility/2006" xmlns:p14="http://schemas.microsoft.com/office/powerpoint/2010/main">
+    <mc:Choice Requires="p14">
+      <p:transition/>
     </mc:Choice>
-    <mc:Fallback>
+    <mc:Fallback xmlns="" xmlns:c="http://schemas.openxmlformats.org/drawingml/2006/chart" xmlns:dgm="http://schemas.openxmlformats.org/drawingml/2006/diagram" xmlns:dsp="http://schemas.microsoft.com/office/drawing/2008/diagram">
       <p:transition/>
     </mc:Fallback>
   </mc:AlternateContent>
 </p:sld>
 </file>
 
-<file path=ppt/slides/slide2.xml><?xml version="1.0" encoding="utf-8"?>
-<p:sld xmlns:r="http://schemas.openxmlformats.org/officeDocument/2006/relationships" xmlns:c="http://schemas.openxmlformats.org/drawingml/2006/chart" xmlns:a="http://schemas.openxmlformats.org/drawingml/2006/main" xmlns:dgm="http://schemas.openxmlformats.org/drawingml/2006/diagram" xmlns:dsp="http://schemas.microsoft.com/office/drawing/2008/diagram" xmlns:p="http://schemas.openxmlformats.org/presentationml/2006/main">
+<file path=ppt/slides/slide10.xml><?xml version="1.0" encoding="utf-8"?>
+<p:sld xmlns:a="http://schemas.openxmlformats.org/drawingml/2006/main" xmlns:r="http://schemas.openxmlformats.org/officeDocument/2006/relationships" xmlns:p="http://schemas.openxmlformats.org/presentationml/2006/main">
   <p:cSld>
     <p:spTree>
       <p:nvGrpSpPr>
@@ -5249,7 +5311,7 @@
       </p:grpSpPr>
       <p:sp>
         <p:nvSpPr>
-          <p:cNvPr id="5122" name=""/>
+          <p:cNvPr id="8194" name="TextBox 8193"/>
           <p:cNvSpPr txBox="1"/>
           <p:nvPr/>
         </p:nvSpPr>
@@ -5272,6 +5334,7 @@
           <a:bodyPr vert="horz" wrap="square" lIns="91440" tIns="45720" rIns="91440" bIns="45720" anchor="ctr">
             <a:spAutoFit/>
           </a:bodyPr>
+          <a:lstStyle/>
           <a:p>
             <a:pPr marL="0" lvl="0" indent="0" algn="ctr" defTabSz="912932" rtl="0" eaLnBrk="1" latinLnBrk="0" hangingPunct="1">
               <a:lnSpc>
@@ -5287,32 +5350,23 @@
               <a:defRPr/>
             </a:pPr>
             <a:r>
-              <a:rPr xmlns:mc="http://schemas.openxmlformats.org/markup-compatibility/2006" xmlns:hp="http://schemas.haansoft.com/office/presentation/8.0" kumimoji="1" lang="ko-KR" altLang="en-US" sz="3600" b="1" i="0" baseline="0" mc:Ignorable="hp" hp:hslEmbossed="0">
-                <a:solidFill>
-                  <a:srgbClr val="ff7c80">
+              <a:rPr kumimoji="1" lang="ko-KR" altLang="en-US" sz="3600" b="1" i="0" baseline="0">
+                <a:solidFill>
+                  <a:srgbClr val="FF7C80">
                     <a:alpha val="100000"/>
                   </a:srgbClr>
                 </a:solidFill>
                 <a:latin typeface="야놀자 야체 B"/>
                 <a:ea typeface="굴림"/>
               </a:rPr>
-              <a:t>개   요</a:t>
-            </a:r>
-            <a:endParaRPr xmlns:mc="http://schemas.openxmlformats.org/markup-compatibility/2006" xmlns:hp="http://schemas.haansoft.com/office/presentation/8.0" kumimoji="1" lang="ko-KR" altLang="en-US" sz="3600" b="1" i="0" baseline="0" mc:Ignorable="hp" hp:hslEmbossed="0">
-              <a:solidFill>
-                <a:srgbClr val="ff7c80">
-                  <a:alpha val="100000"/>
-                </a:srgbClr>
-              </a:solidFill>
-              <a:latin typeface="야놀자 야체 B"/>
-              <a:ea typeface="굴림"/>
-            </a:endParaRPr>
-          </a:p>
-        </p:txBody>
-      </p:sp>
-      <p:sp>
-        <p:nvSpPr>
-          <p:cNvPr id="5123" name=""/>
+              <a:t>결론</a:t>
+            </a:r>
+          </a:p>
+        </p:txBody>
+      </p:sp>
+      <p:sp>
+        <p:nvSpPr>
+          <p:cNvPr id="8195" name="자유형: 도형 8194"/>
           <p:cNvSpPr/>
           <p:nvPr/>
         </p:nvSpPr>
@@ -5350,6 +5404,7 @@
               <a:gd name="T23" fmla="*/ 306 w 306"/>
               <a:gd name="T24" fmla="*/ 316 h 316"/>
             </a:gdLst>
+            <a:ahLst/>
             <a:cxnLst>
               <a:cxn ang="T2">
                 <a:pos x="T0" y="T1"/>
@@ -5431,6 +5486,7 @@
           <a:bodyPr vert="horz" wrap="none" lIns="91440" tIns="45720" rIns="91440" bIns="45720" anchor="t">
             <a:noAutofit/>
           </a:bodyPr>
+          <a:lstStyle/>
           <a:p>
             <a:pPr lvl="0" algn="l">
               <a:buNone/>
@@ -5446,7 +5502,7 @@
       </p:sp>
       <p:sp>
         <p:nvSpPr>
-          <p:cNvPr id="5124" name="내용 개체 틀 2"/>
+          <p:cNvPr id="8196" name="내용 개체 틀 2"/>
           <p:cNvSpPr>
             <a:spLocks noGrp="1"/>
           </p:cNvSpPr>
@@ -5456,8 +5512,8 @@
         </p:nvSpPr>
         <p:spPr>
           <a:xfrm>
-            <a:off x="747564" y="1915769"/>
-            <a:ext cx="10691455" cy="3455327"/>
+            <a:off x="756783" y="1554710"/>
+            <a:ext cx="10678434" cy="3709368"/>
           </a:xfrm>
         </p:spPr>
         <p:txBody>
@@ -5468,7 +5524,7 @@
           <a:p>
             <a:pPr marL="347708" lvl="0" indent="-347708" algn="l" defTabSz="912932" rtl="0" eaLnBrk="1" latinLnBrk="1" hangingPunct="1">
               <a:lnSpc>
-                <a:spcPct val="200000"/>
+                <a:spcPct val="250000"/>
               </a:lnSpc>
               <a:spcBef>
                 <a:spcPct val="20000"/>
@@ -5487,37 +5543,70 @@
               <a:defRPr/>
             </a:pPr>
             <a:r>
-              <a:rPr xmlns:mc="http://schemas.openxmlformats.org/markup-compatibility/2006" xmlns:hp="http://schemas.haansoft.com/office/presentation/8.0" kumimoji="0" lang="ko-KR" altLang="en-US" sz="1800" b="0" i="0" u="none" strike="noStrike" kern="1200" cap="none" spc="0" normalizeH="0" baseline="0" mc:Ignorable="hp" hp:hslEmbossed="0">
-                <a:solidFill>
-                  <a:srgbClr val="000000"/>
-                </a:solidFill>
-                <a:latin typeface="Arial"/>
-                <a:sym typeface="Arial"/>
-              </a:rPr>
-              <a:t>지난 시간에는 손실함수를 구하는 과정에서 가중치 매개변수의 최적값을 탐색하는 방법에 대해 학습을 진행하였다</a:t>
-            </a:r>
-            <a:r>
-              <a:rPr xmlns:mc="http://schemas.openxmlformats.org/markup-compatibility/2006" xmlns:hp="http://schemas.haansoft.com/office/presentation/8.0" kumimoji="0" lang="en-US" altLang="ko-KR" sz="1800" b="0" i="0" u="none" strike="noStrike" kern="1200" cap="none" spc="0" normalizeH="0" baseline="0" mc:Ignorable="hp" hp:hslEmbossed="0">
-                <a:solidFill>
-                  <a:srgbClr val="000000"/>
-                </a:solidFill>
-                <a:latin typeface="Arial"/>
-                <a:sym typeface="Arial"/>
-              </a:rPr>
-              <a:t>.</a:t>
-            </a:r>
-            <a:endParaRPr xmlns:mc="http://schemas.openxmlformats.org/markup-compatibility/2006" xmlns:hp="http://schemas.haansoft.com/office/presentation/8.0" kumimoji="0" lang="en-US" altLang="ko-KR" sz="1800" b="0" i="0" u="none" strike="noStrike" kern="1200" cap="none" spc="0" normalizeH="0" baseline="0" mc:Ignorable="hp" hp:hslEmbossed="0">
-              <a:solidFill>
-                <a:srgbClr val="000000"/>
-              </a:solidFill>
-              <a:latin typeface="Arial"/>
-              <a:sym typeface="Arial"/>
-            </a:endParaRPr>
+              <a:rPr kumimoji="0" lang="ko-KR" altLang="en-US" sz="2000" b="0" i="0" baseline="0" dirty="0">
+                <a:solidFill>
+                  <a:srgbClr val="333333">
+                    <a:alpha val="100000"/>
+                  </a:srgbClr>
+                </a:solidFill>
+                <a:latin typeface="Noto Sans KR"/>
+                <a:sym typeface="Arial"/>
+              </a:rPr>
+              <a:t>신경망을 구성하는데 있어서 가중치 매개변수</a:t>
+            </a:r>
+            <a:r>
+              <a:rPr kumimoji="0" lang="en-US" altLang="ko-KR" sz="2000" b="0" i="0" baseline="0" dirty="0">
+                <a:solidFill>
+                  <a:srgbClr val="333333">
+                    <a:alpha val="100000"/>
+                  </a:srgbClr>
+                </a:solidFill>
+                <a:latin typeface="Noto Sans KR"/>
+                <a:sym typeface="Arial"/>
+              </a:rPr>
+              <a:t>,</a:t>
+            </a:r>
+            <a:r>
+              <a:rPr kumimoji="0" lang="ko-KR" altLang="en-US" sz="2000" b="0" i="0" baseline="0" dirty="0">
+                <a:solidFill>
+                  <a:srgbClr val="333333">
+                    <a:alpha val="100000"/>
+                  </a:srgbClr>
+                </a:solidFill>
+                <a:latin typeface="Noto Sans KR"/>
+                <a:sym typeface="Arial"/>
+              </a:rPr>
+              <a:t> </a:t>
+            </a:r>
+            <a:r>
+              <a:rPr kumimoji="0" lang="ko-KR" altLang="en-US" sz="2000" b="0" i="0" baseline="0" dirty="0" err="1">
+                <a:solidFill>
+                  <a:srgbClr val="333333">
+                    <a:alpha val="100000"/>
+                  </a:srgbClr>
+                </a:solidFill>
+                <a:latin typeface="Noto Sans KR"/>
+                <a:sym typeface="Arial"/>
+              </a:rPr>
+              <a:t>하이퍼</a:t>
+            </a:r>
+            <a:r>
+              <a:rPr kumimoji="0" lang="ko-KR" altLang="en-US" sz="2000" b="0" i="0" baseline="0" dirty="0">
+                <a:solidFill>
+                  <a:srgbClr val="333333">
+                    <a:alpha val="100000"/>
+                  </a:srgbClr>
+                </a:solidFill>
+                <a:latin typeface="Noto Sans KR"/>
+                <a:sym typeface="Arial"/>
+              </a:rPr>
+              <a:t> 파라미터들 여러가지 요소가 필요</a:t>
+            </a:r>
           </a:p>
           <a:p>
             <a:pPr marL="347708" lvl="0" indent="-347708" algn="l" defTabSz="912932" rtl="0" eaLnBrk="1" latinLnBrk="1" hangingPunct="1">
               <a:lnSpc>
-                <a:spcPct val="200000"/>
+                <a:spcPct val="250000"/>
               </a:lnSpc>
               <a:spcBef>
                 <a:spcPct val="20000"/>
@@ -5535,18 +5624,23 @@
               <a:buChar char="•"/>
               <a:defRPr/>
             </a:pPr>
-            <a:endParaRPr xmlns:mc="http://schemas.openxmlformats.org/markup-compatibility/2006" xmlns:hp="http://schemas.haansoft.com/office/presentation/8.0" kumimoji="0" lang="en-US" altLang="ko-KR" sz="1800" b="0" i="0" u="none" strike="noStrike" kern="1200" cap="none" spc="0" normalizeH="0" baseline="0" mc:Ignorable="hp" hp:hslEmbossed="0">
-              <a:solidFill>
-                <a:srgbClr val="000000"/>
-              </a:solidFill>
-              <a:latin typeface="Arial"/>
-              <a:sym typeface="Arial"/>
-            </a:endParaRPr>
+            <a:r>
+              <a:rPr kumimoji="0" lang="ko-KR" altLang="en-US" sz="2000" b="0" i="0" baseline="0" dirty="0">
+                <a:solidFill>
+                  <a:srgbClr val="333333">
+                    <a:alpha val="100000"/>
+                  </a:srgbClr>
+                </a:solidFill>
+                <a:latin typeface="Noto Sans KR"/>
+                <a:sym typeface="Arial"/>
+              </a:rPr>
+              <a:t>결과적인 목표는 최적화된 모델을 만드는데 목적을 두고 있다</a:t>
+            </a:r>
           </a:p>
           <a:p>
             <a:pPr marL="347708" lvl="0" indent="-347708" algn="l" defTabSz="912932" rtl="0" eaLnBrk="1" latinLnBrk="1" hangingPunct="1">
               <a:lnSpc>
-                <a:spcPct val="200000"/>
+                <a:spcPct val="250000"/>
               </a:lnSpc>
               <a:spcBef>
                 <a:spcPct val="20000"/>
@@ -5565,22 +5659,101 @@
               <a:defRPr/>
             </a:pPr>
             <a:r>
-              <a:rPr xmlns:mc="http://schemas.openxmlformats.org/markup-compatibility/2006" xmlns:hp="http://schemas.haansoft.com/office/presentation/8.0" kumimoji="0" lang="ko-KR" altLang="en-US" sz="1800" b="0" i="0" u="none" strike="noStrike" kern="1200" cap="none" spc="0" normalizeH="0" baseline="0" mc:Ignorable="hp" hp:hslEmbossed="0">
-                <a:solidFill>
-                  <a:srgbClr val="000000"/>
-                </a:solidFill>
-                <a:latin typeface="Arial"/>
-                <a:sym typeface="Arial"/>
-              </a:rPr>
-              <a:t>신경망에서 사용되는 데이터에 해당되는 하이퍼 파라미터의 값을 최적화시켜 신경망에 적절한 값이 들어갈 수 있도록 하는 방법을 학습 진행</a:t>
-            </a:r>
-            <a:endParaRPr xmlns:mc="http://schemas.openxmlformats.org/markup-compatibility/2006" xmlns:hp="http://schemas.haansoft.com/office/presentation/8.0" kumimoji="0" lang="ko-KR" altLang="en-US" sz="1800" b="0" i="0" u="none" strike="noStrike" kern="1200" cap="none" spc="0" normalizeH="0" baseline="0" mc:Ignorable="hp" hp:hslEmbossed="0">
-              <a:solidFill>
-                <a:srgbClr val="000000"/>
-              </a:solidFill>
-              <a:latin typeface="Arial"/>
-              <a:sym typeface="Arial"/>
-            </a:endParaRPr>
+              <a:rPr kumimoji="0" lang="ko-KR" altLang="en-US" sz="2000" b="0" i="0" baseline="0" dirty="0">
+                <a:solidFill>
+                  <a:srgbClr val="333333">
+                    <a:alpha val="100000"/>
+                  </a:srgbClr>
+                </a:solidFill>
+                <a:latin typeface="Noto Sans KR"/>
+                <a:sym typeface="Arial"/>
+              </a:rPr>
+              <a:t>이번에 학습한 </a:t>
+            </a:r>
+            <a:r>
+              <a:rPr kumimoji="0" lang="ko-KR" altLang="en-US" sz="2000" b="0" i="0" baseline="0" dirty="0" err="1">
+                <a:solidFill>
+                  <a:srgbClr val="333333">
+                    <a:alpha val="100000"/>
+                  </a:srgbClr>
+                </a:solidFill>
+                <a:latin typeface="Noto Sans KR"/>
+                <a:sym typeface="Arial"/>
+              </a:rPr>
+              <a:t>하이퍼</a:t>
+            </a:r>
+            <a:r>
+              <a:rPr kumimoji="0" lang="ko-KR" altLang="en-US" sz="2000" b="0" i="0" baseline="0" dirty="0">
+                <a:solidFill>
+                  <a:srgbClr val="333333">
+                    <a:alpha val="100000"/>
+                  </a:srgbClr>
+                </a:solidFill>
+                <a:latin typeface="Noto Sans KR"/>
+                <a:sym typeface="Arial"/>
+              </a:rPr>
+              <a:t> 파라미터에 대한 개념을 이해하고 이후</a:t>
+            </a:r>
+            <a:r>
+              <a:rPr kumimoji="0" lang="en-US" altLang="ko-KR" sz="2000" b="0" i="0" baseline="0" dirty="0">
+                <a:solidFill>
+                  <a:srgbClr val="333333">
+                    <a:alpha val="100000"/>
+                  </a:srgbClr>
+                </a:solidFill>
+                <a:latin typeface="Noto Sans KR"/>
+                <a:sym typeface="Arial"/>
+              </a:rPr>
+              <a:t>,</a:t>
+            </a:r>
+            <a:r>
+              <a:rPr kumimoji="0" lang="ko-KR" altLang="en-US" sz="2000" b="0" i="0" baseline="0" dirty="0">
+                <a:solidFill>
+                  <a:srgbClr val="333333">
+                    <a:alpha val="100000"/>
+                  </a:srgbClr>
+                </a:solidFill>
+                <a:latin typeface="Noto Sans KR"/>
+                <a:sym typeface="Arial"/>
+              </a:rPr>
+              <a:t> 모델링 작업에 있어서 조금은 도움이 </a:t>
+            </a:r>
+            <a:r>
+              <a:rPr kumimoji="0" lang="ko-KR" altLang="en-US" sz="2000" b="0" i="0" baseline="0" dirty="0" err="1">
+                <a:solidFill>
+                  <a:srgbClr val="333333">
+                    <a:alpha val="100000"/>
+                  </a:srgbClr>
+                </a:solidFill>
+                <a:latin typeface="Noto Sans KR"/>
+                <a:sym typeface="Arial"/>
+              </a:rPr>
+              <a:t>될것이라</a:t>
+            </a:r>
+            <a:r>
+              <a:rPr kumimoji="0" lang="ko-KR" altLang="en-US" sz="2000" b="0" i="0" baseline="0" dirty="0">
+                <a:solidFill>
+                  <a:srgbClr val="333333">
+                    <a:alpha val="100000"/>
+                  </a:srgbClr>
+                </a:solidFill>
+                <a:latin typeface="Noto Sans KR"/>
+                <a:sym typeface="Arial"/>
+              </a:rPr>
+              <a:t> 생각한다</a:t>
+            </a:r>
+            <a:r>
+              <a:rPr kumimoji="0" lang="en-US" altLang="ko-KR" sz="2000" b="0" i="0" baseline="0" dirty="0">
+                <a:solidFill>
+                  <a:srgbClr val="333333">
+                    <a:alpha val="100000"/>
+                  </a:srgbClr>
+                </a:solidFill>
+                <a:latin typeface="Noto Sans KR"/>
+                <a:sym typeface="Arial"/>
+              </a:rPr>
+              <a:t>.</a:t>
+            </a:r>
           </a:p>
         </p:txBody>
       </p:sp>
@@ -5589,19 +5762,19 @@
   <p:clrMapOvr>
     <a:masterClrMapping/>
   </p:clrMapOvr>
-  <mc:AlternateContent xmlns:mc="http://schemas.openxmlformats.org/markup-compatibility/2006">
-    <mc:Choice xmlns:p14="http://schemas.microsoft.com/office/powerpoint/2010/main" Requires="p14">
-      <p:transition xmlns:mc="http://schemas.openxmlformats.org/markup-compatibility/2006" xmlns:p14="http://schemas.microsoft.com/office/powerpoint/2010/main" mc:Ignorable="p14" p14:dur="500"/>
+  <mc:AlternateContent xmlns:mc="http://schemas.openxmlformats.org/markup-compatibility/2006" xmlns:p14="http://schemas.microsoft.com/office/powerpoint/2010/main">
+    <mc:Choice Requires="p14">
+      <p:transition/>
     </mc:Choice>
-    <mc:Fallback>
+    <mc:Fallback xmlns="" xmlns:c="http://schemas.openxmlformats.org/drawingml/2006/chart" xmlns:dgm="http://schemas.openxmlformats.org/drawingml/2006/diagram" xmlns:dsp="http://schemas.microsoft.com/office/drawing/2008/diagram">
       <p:transition/>
     </mc:Fallback>
   </mc:AlternateContent>
 </p:sld>
 </file>
 
-<file path=ppt/slides/slide3.xml><?xml version="1.0" encoding="utf-8"?>
-<p:sld xmlns:r="http://schemas.openxmlformats.org/officeDocument/2006/relationships" xmlns:c="http://schemas.openxmlformats.org/drawingml/2006/chart" xmlns:a="http://schemas.openxmlformats.org/drawingml/2006/main" xmlns:dgm="http://schemas.openxmlformats.org/drawingml/2006/diagram" xmlns:dsp="http://schemas.microsoft.com/office/drawing/2008/diagram" xmlns:p="http://schemas.openxmlformats.org/presentationml/2006/main">
+<file path=ppt/slides/slide2.xml><?xml version="1.0" encoding="utf-8"?>
+<p:sld xmlns:a="http://schemas.openxmlformats.org/drawingml/2006/main" xmlns:r="http://schemas.openxmlformats.org/officeDocument/2006/relationships" xmlns:p="http://schemas.openxmlformats.org/presentationml/2006/main">
   <p:cSld>
     <p:spTree>
       <p:nvGrpSpPr>
@@ -5619,7 +5792,7 @@
       </p:grpSpPr>
       <p:sp>
         <p:nvSpPr>
-          <p:cNvPr id="4098" name=""/>
+          <p:cNvPr id="5122" name="TextBox 5121"/>
           <p:cNvSpPr txBox="1"/>
           <p:nvPr/>
         </p:nvSpPr>
@@ -5642,6 +5815,7 @@
           <a:bodyPr vert="horz" wrap="square" lIns="91440" tIns="45720" rIns="91440" bIns="45720" anchor="ctr">
             <a:spAutoFit/>
           </a:bodyPr>
+          <a:lstStyle/>
           <a:p>
             <a:pPr marL="0" lvl="0" indent="0" algn="ctr" defTabSz="912932" rtl="0" eaLnBrk="1" latinLnBrk="0" hangingPunct="1">
               <a:lnSpc>
@@ -5657,32 +5831,23 @@
               <a:defRPr/>
             </a:pPr>
             <a:r>
-              <a:rPr xmlns:mc="http://schemas.openxmlformats.org/markup-compatibility/2006" xmlns:hp="http://schemas.haansoft.com/office/presentation/8.0" kumimoji="1" lang="ko-KR" altLang="en-US" sz="3600" b="1" i="0" baseline="0" mc:Ignorable="hp" hp:hslEmbossed="0">
-                <a:solidFill>
-                  <a:srgbClr val="ff7c80">
+              <a:rPr kumimoji="1" lang="ko-KR" altLang="en-US" sz="3600" b="1" i="0" baseline="0">
+                <a:solidFill>
+                  <a:srgbClr val="FF7C80">
                     <a:alpha val="100000"/>
                   </a:srgbClr>
                 </a:solidFill>
                 <a:latin typeface="야놀자 야체 B"/>
                 <a:ea typeface="굴림"/>
               </a:rPr>
-              <a:t>하이퍼 파라미터</a:t>
-            </a:r>
-            <a:endParaRPr xmlns:mc="http://schemas.openxmlformats.org/markup-compatibility/2006" xmlns:hp="http://schemas.haansoft.com/office/presentation/8.0" kumimoji="1" lang="ko-KR" altLang="en-US" sz="3600" b="1" i="0" baseline="0" mc:Ignorable="hp" hp:hslEmbossed="0">
-              <a:solidFill>
-                <a:srgbClr val="ff7c80">
-                  <a:alpha val="100000"/>
-                </a:srgbClr>
-              </a:solidFill>
-              <a:latin typeface="야놀자 야체 B"/>
-              <a:ea typeface="굴림"/>
-            </a:endParaRPr>
-          </a:p>
-        </p:txBody>
-      </p:sp>
-      <p:sp>
-        <p:nvSpPr>
-          <p:cNvPr id="4099" name=""/>
+              <a:t>개   요</a:t>
+            </a:r>
+          </a:p>
+        </p:txBody>
+      </p:sp>
+      <p:sp>
+        <p:nvSpPr>
+          <p:cNvPr id="5123" name="자유형: 도형 5122"/>
           <p:cNvSpPr/>
           <p:nvPr/>
         </p:nvSpPr>
@@ -5720,6 +5885,357 @@
               <a:gd name="T23" fmla="*/ 306 w 306"/>
               <a:gd name="T24" fmla="*/ 316 h 316"/>
             </a:gdLst>
+            <a:ahLst/>
+            <a:cxnLst>
+              <a:cxn ang="T2">
+                <a:pos x="T0" y="T1"/>
+              </a:cxn>
+              <a:cxn ang="T5">
+                <a:pos x="T3" y="T4"/>
+              </a:cxn>
+              <a:cxn ang="T8">
+                <a:pos x="T6" y="T7"/>
+              </a:cxn>
+              <a:cxn ang="T11">
+                <a:pos x="T9" y="T10"/>
+              </a:cxn>
+              <a:cxn ang="T14">
+                <a:pos x="T12" y="T13"/>
+              </a:cxn>
+              <a:cxn ang="T17">
+                <a:pos x="T15" y="T16"/>
+              </a:cxn>
+              <a:cxn ang="T20">
+                <a:pos x="T18" y="T19"/>
+              </a:cxn>
+            </a:cxnLst>
+            <a:rect l="T21" t="T22" r="T23" b="T24"/>
+            <a:pathLst>
+              <a:path w="306" h="316">
+                <a:moveTo>
+                  <a:pt x="48" y="190"/>
+                </a:moveTo>
+                <a:cubicBezTo>
+                  <a:pt x="54" y="147"/>
+                  <a:pt x="42" y="82"/>
+                  <a:pt x="72" y="55"/>
+                </a:cubicBezTo>
+                <a:cubicBezTo>
+                  <a:pt x="102" y="27"/>
+                  <a:pt x="196" y="0"/>
+                  <a:pt x="230" y="25"/>
+                </a:cubicBezTo>
+                <a:cubicBezTo>
+                  <a:pt x="264" y="50"/>
+                  <a:pt x="306" y="142"/>
+                  <a:pt x="275" y="203"/>
+                </a:cubicBezTo>
+                <a:cubicBezTo>
+                  <a:pt x="244" y="265"/>
+                  <a:pt x="76" y="316"/>
+                  <a:pt x="38" y="314"/>
+                </a:cubicBezTo>
+                <a:cubicBezTo>
+                  <a:pt x="0" y="311"/>
+                  <a:pt x="42" y="233"/>
+                  <a:pt x="48" y="190"/>
+                </a:cubicBezTo>
+                <a:lnTo>
+                  <a:pt x="48" y="190"/>
+                </a:lnTo>
+                <a:close/>
+              </a:path>
+            </a:pathLst>
+          </a:custGeom>
+          <a:blipFill rotWithShape="1">
+            <a:blip r:embed="rId2">
+              <a:alphaModFix/>
+              <a:lum/>
+            </a:blip>
+            <a:srcRect/>
+            <a:stretch>
+              <a:fillRect/>
+            </a:stretch>
+          </a:blipFill>
+          <a:ln w="9525" cap="flat" cmpd="sng" algn="ctr">
+            <a:noFill/>
+            <a:prstDash val="solid"/>
+            <a:round/>
+          </a:ln>
+        </p:spPr>
+        <p:txBody>
+          <a:bodyPr vert="horz" wrap="none" lIns="91440" tIns="45720" rIns="91440" bIns="45720" anchor="t">
+            <a:noAutofit/>
+          </a:bodyPr>
+          <a:lstStyle/>
+          <a:p>
+            <a:pPr lvl="0" algn="l">
+              <a:buNone/>
+              <a:defRPr/>
+            </a:pPr>
+            <a:endParaRPr lang="ko-KR" altLang="en-US">
+              <a:solidFill>
+                <a:schemeClr val="tx1"/>
+              </a:solidFill>
+            </a:endParaRPr>
+          </a:p>
+        </p:txBody>
+      </p:sp>
+      <p:sp>
+        <p:nvSpPr>
+          <p:cNvPr id="5124" name="내용 개체 틀 2"/>
+          <p:cNvSpPr>
+            <a:spLocks noGrp="1"/>
+          </p:cNvSpPr>
+          <p:nvPr>
+            <p:ph sz="half" idx="1"/>
+          </p:nvPr>
+        </p:nvSpPr>
+        <p:spPr>
+          <a:xfrm>
+            <a:off x="747564" y="1915769"/>
+            <a:ext cx="10691455" cy="3455327"/>
+          </a:xfrm>
+        </p:spPr>
+        <p:txBody>
+          <a:bodyPr vert="horz" wrap="square" lIns="91440" tIns="45720" rIns="91440" bIns="45720" anchor="t">
+            <a:noAutofit/>
+          </a:bodyPr>
+          <a:lstStyle/>
+          <a:p>
+            <a:pPr marL="347708" lvl="0" indent="-347708" algn="l" defTabSz="912932" rtl="0" eaLnBrk="1" latinLnBrk="1" hangingPunct="1">
+              <a:lnSpc>
+                <a:spcPct val="200000"/>
+              </a:lnSpc>
+              <a:spcBef>
+                <a:spcPct val="20000"/>
+              </a:spcBef>
+              <a:spcAft>
+                <a:spcPct val="0"/>
+              </a:spcAft>
+              <a:buClr>
+                <a:srgbClr val="000000">
+                  <a:alpha val="100000"/>
+                </a:srgbClr>
+              </a:buClr>
+              <a:buSzPct val="100000"/>
+              <a:buFont typeface="Arial"/>
+              <a:buChar char="•"/>
+              <a:defRPr/>
+            </a:pPr>
+            <a:r>
+              <a:rPr kumimoji="0" lang="ko-KR" altLang="en-US" sz="1800" b="0" i="0" u="none" strike="noStrike" kern="1200" cap="none" spc="0" normalizeH="0" baseline="0">
+                <a:solidFill>
+                  <a:srgbClr val="000000"/>
+                </a:solidFill>
+                <a:latin typeface="Arial"/>
+                <a:sym typeface="Arial"/>
+              </a:rPr>
+              <a:t>지난 시간에는 손실함수를 구하는 과정에서 가중치 매개변수의 최적값을 탐색하는 방법에 대해 학습을 진행하였다</a:t>
+            </a:r>
+            <a:r>
+              <a:rPr kumimoji="0" lang="en-US" altLang="ko-KR" sz="1800" b="0" i="0" u="none" strike="noStrike" kern="1200" cap="none" spc="0" normalizeH="0" baseline="0">
+                <a:solidFill>
+                  <a:srgbClr val="000000"/>
+                </a:solidFill>
+                <a:latin typeface="Arial"/>
+                <a:sym typeface="Arial"/>
+              </a:rPr>
+              <a:t>.</a:t>
+            </a:r>
+          </a:p>
+          <a:p>
+            <a:pPr marL="347708" lvl="0" indent="-347708" algn="l" defTabSz="912932" rtl="0" eaLnBrk="1" latinLnBrk="1" hangingPunct="1">
+              <a:lnSpc>
+                <a:spcPct val="200000"/>
+              </a:lnSpc>
+              <a:spcBef>
+                <a:spcPct val="20000"/>
+              </a:spcBef>
+              <a:spcAft>
+                <a:spcPct val="0"/>
+              </a:spcAft>
+              <a:buClr>
+                <a:srgbClr val="000000">
+                  <a:alpha val="100000"/>
+                </a:srgbClr>
+              </a:buClr>
+              <a:buSzPct val="100000"/>
+              <a:buFont typeface="Arial"/>
+              <a:buChar char="•"/>
+              <a:defRPr/>
+            </a:pPr>
+            <a:endParaRPr kumimoji="0" lang="en-US" altLang="ko-KR" sz="1800" b="0" i="0" u="none" strike="noStrike" kern="1200" cap="none" spc="0" normalizeH="0" baseline="0">
+              <a:solidFill>
+                <a:srgbClr val="000000"/>
+              </a:solidFill>
+              <a:latin typeface="Arial"/>
+              <a:sym typeface="Arial"/>
+            </a:endParaRPr>
+          </a:p>
+          <a:p>
+            <a:pPr marL="347708" lvl="0" indent="-347708" algn="l" defTabSz="912932" rtl="0" eaLnBrk="1" latinLnBrk="1" hangingPunct="1">
+              <a:lnSpc>
+                <a:spcPct val="200000"/>
+              </a:lnSpc>
+              <a:spcBef>
+                <a:spcPct val="20000"/>
+              </a:spcBef>
+              <a:spcAft>
+                <a:spcPct val="0"/>
+              </a:spcAft>
+              <a:buClr>
+                <a:srgbClr val="000000">
+                  <a:alpha val="100000"/>
+                </a:srgbClr>
+              </a:buClr>
+              <a:buSzPct val="100000"/>
+              <a:buFont typeface="Arial"/>
+              <a:buChar char="•"/>
+              <a:defRPr/>
+            </a:pPr>
+            <a:r>
+              <a:rPr kumimoji="0" lang="ko-KR" altLang="en-US" sz="1800" b="0" i="0" u="none" strike="noStrike" kern="1200" cap="none" spc="0" normalizeH="0" baseline="0">
+                <a:solidFill>
+                  <a:srgbClr val="000000"/>
+                </a:solidFill>
+                <a:latin typeface="Arial"/>
+                <a:sym typeface="Arial"/>
+              </a:rPr>
+              <a:t>신경망에서 사용되는 데이터에 해당되는 하이퍼 파라미터의 값을 최적화시켜 신경망에 적절한 값이 들어갈 수 있도록 하는 방법을 학습 진행</a:t>
+            </a:r>
+          </a:p>
+        </p:txBody>
+      </p:sp>
+    </p:spTree>
+  </p:cSld>
+  <p:clrMapOvr>
+    <a:masterClrMapping/>
+  </p:clrMapOvr>
+  <mc:AlternateContent xmlns:mc="http://schemas.openxmlformats.org/markup-compatibility/2006" xmlns:p14="http://schemas.microsoft.com/office/powerpoint/2010/main">
+    <mc:Choice Requires="p14">
+      <p:transition/>
+    </mc:Choice>
+    <mc:Fallback xmlns="" xmlns:c="http://schemas.openxmlformats.org/drawingml/2006/chart" xmlns:dgm="http://schemas.openxmlformats.org/drawingml/2006/diagram" xmlns:dsp="http://schemas.microsoft.com/office/drawing/2008/diagram">
+      <p:transition/>
+    </mc:Fallback>
+  </mc:AlternateContent>
+</p:sld>
+</file>
+
+<file path=ppt/slides/slide3.xml><?xml version="1.0" encoding="utf-8"?>
+<p:sld xmlns:a="http://schemas.openxmlformats.org/drawingml/2006/main" xmlns:r="http://schemas.openxmlformats.org/officeDocument/2006/relationships" xmlns:p="http://schemas.openxmlformats.org/presentationml/2006/main">
+  <p:cSld>
+    <p:spTree>
+      <p:nvGrpSpPr>
+        <p:cNvPr id="1" name=""/>
+        <p:cNvGrpSpPr/>
+        <p:nvPr/>
+      </p:nvGrpSpPr>
+      <p:grpSpPr>
+        <a:xfrm>
+          <a:off x="0" y="0"/>
+          <a:ext cx="0" cy="0"/>
+          <a:chOff x="0" y="0"/>
+          <a:chExt cx="0" cy="0"/>
+        </a:xfrm>
+      </p:grpSpPr>
+      <p:sp>
+        <p:nvSpPr>
+          <p:cNvPr id="4098" name="TextBox 4097"/>
+          <p:cNvSpPr txBox="1"/>
+          <p:nvPr/>
+        </p:nvSpPr>
+        <p:spPr>
+          <a:xfrm>
+            <a:off x="3247407" y="365045"/>
+            <a:ext cx="5691769" cy="646032"/>
+          </a:xfrm>
+          <a:prstGeom prst="rect">
+            <a:avLst/>
+          </a:prstGeom>
+          <a:noFill/>
+          <a:ln w="9525" cap="flat" cmpd="sng" algn="ctr">
+            <a:noFill/>
+            <a:prstDash val="solid"/>
+            <a:round/>
+          </a:ln>
+        </p:spPr>
+        <p:txBody>
+          <a:bodyPr vert="horz" wrap="square" lIns="91440" tIns="45720" rIns="91440" bIns="45720" anchor="ctr">
+            <a:spAutoFit/>
+          </a:bodyPr>
+          <a:lstStyle/>
+          <a:p>
+            <a:pPr marL="0" lvl="0" indent="0" algn="ctr" defTabSz="912932" rtl="0" eaLnBrk="1" latinLnBrk="0" hangingPunct="1">
+              <a:lnSpc>
+                <a:spcPct val="100000"/>
+              </a:lnSpc>
+              <a:spcBef>
+                <a:spcPct val="0"/>
+              </a:spcBef>
+              <a:spcAft>
+                <a:spcPct val="0"/>
+              </a:spcAft>
+              <a:buNone/>
+              <a:defRPr/>
+            </a:pPr>
+            <a:r>
+              <a:rPr kumimoji="1" lang="ko-KR" altLang="en-US" sz="3600" b="1" i="0" baseline="0">
+                <a:solidFill>
+                  <a:srgbClr val="FF7C80">
+                    <a:alpha val="100000"/>
+                  </a:srgbClr>
+                </a:solidFill>
+                <a:latin typeface="야놀자 야체 B"/>
+                <a:ea typeface="굴림"/>
+              </a:rPr>
+              <a:t>하이퍼 파라미터</a:t>
+            </a:r>
+          </a:p>
+        </p:txBody>
+      </p:sp>
+      <p:sp>
+        <p:nvSpPr>
+          <p:cNvPr id="4099" name="자유형: 도형 4098"/>
+          <p:cNvSpPr/>
+          <p:nvPr/>
+        </p:nvSpPr>
+        <p:spPr>
+          <a:xfrm>
+            <a:off x="11626288" y="246043"/>
+            <a:ext cx="485724" cy="501520"/>
+          </a:xfrm>
+          <a:custGeom>
+            <a:avLst/>
+            <a:gdLst>
+              <a:gd name="T0" fmla="*/ 10664 w 306"/>
+              <a:gd name="T1" fmla="*/ -26055 h 316"/>
+              <a:gd name="T2" fmla="*/ 0 60000 65536"/>
+              <a:gd name="T3" fmla="*/ -16772 w 306"/>
+              <a:gd name="T4" fmla="*/ 21777 h 316"/>
+              <a:gd name="T5" fmla="*/ 0 60000 65536"/>
+              <a:gd name="T6" fmla="*/ -28091 w 306"/>
+              <a:gd name="T7" fmla="*/ -25848 h 316"/>
+              <a:gd name="T8" fmla="*/ 0 60000 65536"/>
+              <a:gd name="T9" fmla="*/ -22189 w 306"/>
+              <a:gd name="T10" fmla="*/ -5417 h 316"/>
+              <a:gd name="T11" fmla="*/ 0 60000 65536"/>
+              <a:gd name="T12" fmla="*/ -5211 w 306"/>
+              <a:gd name="T13" fmla="*/ -25813 h 316"/>
+              <a:gd name="T14" fmla="*/ 0 60000 65536"/>
+              <a:gd name="T15" fmla="*/ 10664 w 306"/>
+              <a:gd name="T16" fmla="*/ -26055 h 316"/>
+              <a:gd name="T17" fmla="*/ 0 60000 65536"/>
+              <a:gd name="T18" fmla="*/ 10664 w 306"/>
+              <a:gd name="T19" fmla="*/ -26055 h 316"/>
+              <a:gd name="T20" fmla="*/ 0 60000 65536"/>
+              <a:gd name="T21" fmla="*/ 0 w 306"/>
+              <a:gd name="T22" fmla="*/ 0 h 316"/>
+              <a:gd name="T23" fmla="*/ 306 w 306"/>
+              <a:gd name="T24" fmla="*/ 316 h 316"/>
+            </a:gdLst>
+            <a:ahLst/>
             <a:cxnLst>
               <a:cxn ang="T2">
                 <a:pos x="T0" y="T1"/>
@@ -5801,6 +6317,7 @@
           <a:bodyPr vert="horz" wrap="none" lIns="91440" tIns="45720" rIns="91440" bIns="45720" anchor="t">
             <a:noAutofit/>
           </a:bodyPr>
+          <a:lstStyle/>
           <a:p>
             <a:pPr lvl="0" algn="l">
               <a:buNone/>
@@ -5857,7 +6374,7 @@
               <a:defRPr/>
             </a:pPr>
             <a:r>
-              <a:rPr xmlns:mc="http://schemas.openxmlformats.org/markup-compatibility/2006" xmlns:hp="http://schemas.haansoft.com/office/presentation/8.0" kumimoji="1" lang="ko-KR" altLang="en-US" sz="2100" b="0" i="0" baseline="0" mc:Ignorable="hp" hp:hslEmbossed="0">
+              <a:rPr kumimoji="1" lang="ko-KR" altLang="en-US" sz="2100" b="0" i="0" baseline="0">
                 <a:solidFill>
                   <a:srgbClr val="000000">
                     <a:alpha val="100000"/>
@@ -5869,7 +6386,7 @@
               <a:t>파라미터</a:t>
             </a:r>
             <a:r>
-              <a:rPr xmlns:mc="http://schemas.openxmlformats.org/markup-compatibility/2006" xmlns:hp="http://schemas.haansoft.com/office/presentation/8.0" kumimoji="1" lang="en-US" altLang="ko-KR" sz="2100" b="0" i="0" baseline="0" mc:Ignorable="hp" hp:hslEmbossed="0">
+              <a:rPr kumimoji="1" lang="en-US" altLang="ko-KR" sz="2100" b="0" i="0" baseline="0">
                 <a:solidFill>
                   <a:srgbClr val="000000">
                     <a:alpha val="100000"/>
@@ -5881,7 +6398,7 @@
               <a:t>(Parameter)</a:t>
             </a:r>
             <a:r>
-              <a:rPr xmlns:mc="http://schemas.openxmlformats.org/markup-compatibility/2006" xmlns:hp="http://schemas.haansoft.com/office/presentation/8.0" kumimoji="1" lang="ko-KR" altLang="en-US" sz="2100" b="0" i="0" baseline="0" mc:Ignorable="hp" hp:hslEmbossed="0">
+              <a:rPr kumimoji="1" lang="ko-KR" altLang="en-US" sz="2100" b="0" i="0" baseline="0">
                 <a:solidFill>
                   <a:srgbClr val="000000">
                     <a:alpha val="100000"/>
@@ -5893,7 +6410,7 @@
               <a:t> </a:t>
             </a:r>
             <a:r>
-              <a:rPr xmlns:mc="http://schemas.openxmlformats.org/markup-compatibility/2006" xmlns:hp="http://schemas.haansoft.com/office/presentation/8.0" kumimoji="1" lang="en-US" altLang="ko-KR" sz="2100" b="0" i="0" baseline="0" mc:Ignorable="hp" hp:hslEmbossed="0">
+              <a:rPr kumimoji="1" lang="en-US" altLang="ko-KR" sz="2100" b="0" i="0" baseline="0">
                 <a:solidFill>
                   <a:srgbClr val="000000">
                     <a:alpha val="100000"/>
@@ -5905,7 +6422,7 @@
               <a:t>:</a:t>
             </a:r>
             <a:r>
-              <a:rPr xmlns:mc="http://schemas.openxmlformats.org/markup-compatibility/2006" xmlns:hp="http://schemas.haansoft.com/office/presentation/8.0" kumimoji="1" lang="ko-KR" altLang="en-US" sz="2100" b="0" i="0" baseline="0" mc:Ignorable="hp" hp:hslEmbossed="0">
+              <a:rPr kumimoji="1" lang="ko-KR" altLang="en-US" sz="2100" b="0" i="0" baseline="0">
                 <a:solidFill>
                   <a:srgbClr val="000000">
                     <a:alpha val="100000"/>
@@ -5917,7 +6434,7 @@
               <a:t> 모델 내부에서 결정되는 변수</a:t>
             </a:r>
             <a:r>
-              <a:rPr xmlns:mc="http://schemas.openxmlformats.org/markup-compatibility/2006" xmlns:hp="http://schemas.haansoft.com/office/presentation/8.0" kumimoji="1" lang="en-US" altLang="ko-KR" sz="2100" b="0" i="0" baseline="0" mc:Ignorable="hp" hp:hslEmbossed="0">
+              <a:rPr kumimoji="1" lang="en-US" altLang="ko-KR" sz="2100" b="0" i="0" baseline="0">
                 <a:solidFill>
                   <a:srgbClr val="000000">
                     <a:alpha val="100000"/>
@@ -5929,7 +6446,7 @@
               <a:t>,</a:t>
             </a:r>
             <a:r>
-              <a:rPr xmlns:mc="http://schemas.openxmlformats.org/markup-compatibility/2006" xmlns:hp="http://schemas.haansoft.com/office/presentation/8.0" kumimoji="1" lang="ko-KR" altLang="en-US" sz="2100" b="0" i="0" baseline="0" mc:Ignorable="hp" hp:hslEmbossed="0">
+              <a:rPr kumimoji="1" lang="ko-KR" altLang="en-US" sz="2100" b="0" i="0" baseline="0">
                 <a:solidFill>
                   <a:srgbClr val="000000">
                     <a:alpha val="100000"/>
@@ -5940,15 +6457,6 @@
               </a:rPr>
               <a:t> 데이터로부터 결정되는 값</a:t>
             </a:r>
-            <a:endParaRPr xmlns:mc="http://schemas.openxmlformats.org/markup-compatibility/2006" xmlns:hp="http://schemas.haansoft.com/office/presentation/8.0" kumimoji="1" lang="ko-KR" altLang="en-US" sz="2100" b="0" i="0" baseline="0" mc:Ignorable="hp" hp:hslEmbossed="0">
-              <a:solidFill>
-                <a:srgbClr val="000000">
-                  <a:alpha val="100000"/>
-                </a:srgbClr>
-              </a:solidFill>
-              <a:latin typeface="함초롬돋움"/>
-              <a:sym typeface="Arial"/>
-            </a:endParaRPr>
           </a:p>
           <a:p>
             <a:pPr marL="347708" lvl="0" indent="-347708" algn="l" defTabSz="912932" rtl="0" eaLnBrk="1" latinLnBrk="1" hangingPunct="1">
@@ -5972,7 +6480,7 @@
               <a:defRPr/>
             </a:pPr>
             <a:r>
-              <a:rPr xmlns:mc="http://schemas.openxmlformats.org/markup-compatibility/2006" xmlns:hp="http://schemas.haansoft.com/office/presentation/8.0" kumimoji="1" lang="en-US" altLang="ko-KR" sz="1800" b="0" i="0" baseline="0" mc:Ignorable="hp" hp:hslEmbossed="0">
+              <a:rPr kumimoji="1" lang="en-US" altLang="ko-KR" sz="1800" b="0" i="0" baseline="0">
                 <a:solidFill>
                   <a:srgbClr val="000000">
                     <a:alpha val="100000"/>
@@ -5984,7 +6492,7 @@
               <a:t>-</a:t>
             </a:r>
             <a:r>
-              <a:rPr xmlns:mc="http://schemas.openxmlformats.org/markup-compatibility/2006" xmlns:hp="http://schemas.haansoft.com/office/presentation/8.0" kumimoji="1" lang="ko-KR" altLang="en-US" sz="1800" b="0" i="0" baseline="0" mc:Ignorable="hp" hp:hslEmbossed="0">
+              <a:rPr kumimoji="1" lang="ko-KR" altLang="en-US" sz="1800" b="0" i="0" baseline="0">
                 <a:solidFill>
                   <a:srgbClr val="000000">
                     <a:alpha val="100000"/>
@@ -5996,7 +6504,7 @@
               <a:t> 	데이터를 통해 구해지며</a:t>
             </a:r>
             <a:r>
-              <a:rPr xmlns:mc="http://schemas.openxmlformats.org/markup-compatibility/2006" xmlns:hp="http://schemas.haansoft.com/office/presentation/8.0" kumimoji="1" lang="en-US" altLang="ko-KR" sz="1800" b="0" i="0" baseline="0" mc:Ignorable="hp" hp:hslEmbossed="0">
+              <a:rPr kumimoji="1" lang="en-US" altLang="ko-KR" sz="1800" b="0" i="0" baseline="0">
                 <a:solidFill>
                   <a:srgbClr val="000000">
                     <a:alpha val="100000"/>
@@ -6008,7 +6516,7 @@
               <a:t>,</a:t>
             </a:r>
             <a:r>
-              <a:rPr xmlns:mc="http://schemas.openxmlformats.org/markup-compatibility/2006" xmlns:hp="http://schemas.haansoft.com/office/presentation/8.0" kumimoji="1" lang="ko-KR" altLang="en-US" sz="1800" b="0" i="0" baseline="0" mc:Ignorable="hp" hp:hslEmbossed="0">
+              <a:rPr kumimoji="1" lang="ko-KR" altLang="en-US" sz="1800" b="0" i="0" baseline="0">
                 <a:solidFill>
                   <a:srgbClr val="000000">
                     <a:alpha val="100000"/>
@@ -6020,7 +6528,7 @@
               <a:t> 모델 내부적으로 모델링에 의해 자동으로 결정되는 값</a:t>
             </a:r>
             <a:r>
-              <a:rPr xmlns:mc="http://schemas.openxmlformats.org/markup-compatibility/2006" xmlns:hp="http://schemas.haansoft.com/office/presentation/8.0" kumimoji="1" lang="en-US" altLang="ko-KR" sz="1800" b="0" i="0" baseline="0" mc:Ignorable="hp" hp:hslEmbossed="0">
+              <a:rPr kumimoji="1" lang="en-US" altLang="ko-KR" sz="1800" b="0" i="0" baseline="0">
                 <a:solidFill>
                   <a:srgbClr val="000000">
                     <a:alpha val="100000"/>
@@ -6031,15 +6539,6 @@
               </a:rPr>
               <a:t>, </a:t>
             </a:r>
-            <a:endParaRPr xmlns:mc="http://schemas.openxmlformats.org/markup-compatibility/2006" xmlns:hp="http://schemas.haansoft.com/office/presentation/8.0" kumimoji="1" lang="en-US" altLang="ko-KR" sz="1800" b="0" i="0" baseline="0" mc:Ignorable="hp" hp:hslEmbossed="0">
-              <a:solidFill>
-                <a:srgbClr val="000000">
-                  <a:alpha val="100000"/>
-                </a:srgbClr>
-              </a:solidFill>
-              <a:latin typeface="함초롬돋움"/>
-              <a:sym typeface="Arial"/>
-            </a:endParaRPr>
           </a:p>
           <a:p>
             <a:pPr marL="347708" lvl="0" indent="-347708" algn="l" defTabSz="912932" rtl="0" eaLnBrk="1" latinLnBrk="1" hangingPunct="1">
@@ -6063,7 +6562,7 @@
               <a:defRPr/>
             </a:pPr>
             <a:r>
-              <a:rPr xmlns:mc="http://schemas.openxmlformats.org/markup-compatibility/2006" xmlns:hp="http://schemas.haansoft.com/office/presentation/8.0" kumimoji="1" lang="ko-KR" altLang="en-US" sz="1800" b="0" i="0" baseline="0" mc:Ignorable="hp" hp:hslEmbossed="0">
+              <a:rPr kumimoji="1" lang="ko-KR" altLang="en-US" sz="1800" b="0" i="0" baseline="0">
                 <a:solidFill>
                   <a:srgbClr val="000000">
                     <a:alpha val="100000"/>
@@ -6075,7 +6574,7 @@
               <a:t>	사용자에 의해 조정되지 않는다</a:t>
             </a:r>
             <a:r>
-              <a:rPr xmlns:mc="http://schemas.openxmlformats.org/markup-compatibility/2006" xmlns:hp="http://schemas.haansoft.com/office/presentation/8.0" kumimoji="1" lang="en-US" altLang="ko-KR" sz="1800" b="0" i="0" baseline="0" mc:Ignorable="hp" hp:hslEmbossed="0">
+              <a:rPr kumimoji="1" lang="en-US" altLang="ko-KR" sz="1800" b="0" i="0" baseline="0">
                 <a:solidFill>
                   <a:srgbClr val="000000">
                     <a:alpha val="100000"/>
@@ -6086,15 +6585,6 @@
               </a:rPr>
               <a:t>.</a:t>
             </a:r>
-            <a:endParaRPr xmlns:mc="http://schemas.openxmlformats.org/markup-compatibility/2006" xmlns:hp="http://schemas.haansoft.com/office/presentation/8.0" kumimoji="1" lang="en-US" altLang="ko-KR" sz="1800" b="0" i="0" baseline="0" mc:Ignorable="hp" hp:hslEmbossed="0">
-              <a:solidFill>
-                <a:srgbClr val="000000">
-                  <a:alpha val="100000"/>
-                </a:srgbClr>
-              </a:solidFill>
-              <a:latin typeface="함초롬돋움"/>
-              <a:sym typeface="Arial"/>
-            </a:endParaRPr>
           </a:p>
           <a:p>
             <a:pPr marL="347708" lvl="0" indent="-347708" algn="l" defTabSz="912932" rtl="0" eaLnBrk="1" latinLnBrk="1" hangingPunct="1">
@@ -6117,7 +6607,7 @@
               <a:buNone/>
               <a:defRPr/>
             </a:pPr>
-            <a:endParaRPr xmlns:mc="http://schemas.openxmlformats.org/markup-compatibility/2006" xmlns:hp="http://schemas.haansoft.com/office/presentation/8.0" kumimoji="1" lang="en-US" altLang="ko-KR" sz="1800" b="0" i="0" baseline="0" mc:Ignorable="hp" hp:hslEmbossed="0">
+            <a:endParaRPr kumimoji="1" lang="en-US" altLang="ko-KR" sz="1800" b="0" i="0" baseline="0">
               <a:solidFill>
                 <a:srgbClr val="000000">
                   <a:alpha val="100000"/>
@@ -6149,7 +6639,7 @@
               <a:defRPr/>
             </a:pPr>
             <a:r>
-              <a:rPr xmlns:mc="http://schemas.openxmlformats.org/markup-compatibility/2006" xmlns:hp="http://schemas.haansoft.com/office/presentation/8.0" kumimoji="1" lang="ko-KR" altLang="en-US" sz="2100" b="0" i="0" baseline="0" mc:Ignorable="hp" hp:hslEmbossed="0">
+              <a:rPr kumimoji="1" lang="ko-KR" altLang="en-US" sz="2100" b="0" i="0" baseline="0">
                 <a:solidFill>
                   <a:srgbClr val="000000">
                     <a:alpha val="100000"/>
@@ -6161,7 +6651,7 @@
               <a:t>하이퍼 파라미터</a:t>
             </a:r>
             <a:r>
-              <a:rPr xmlns:mc="http://schemas.openxmlformats.org/markup-compatibility/2006" xmlns:hp="http://schemas.haansoft.com/office/presentation/8.0" kumimoji="1" lang="en-US" altLang="ko-KR" sz="2100" b="0" i="0" baseline="0" mc:Ignorable="hp" hp:hslEmbossed="0">
+              <a:rPr kumimoji="1" lang="en-US" altLang="ko-KR" sz="2100" b="0" i="0" baseline="0">
                 <a:solidFill>
                   <a:srgbClr val="000000">
                     <a:alpha val="100000"/>
@@ -6173,7 +6663,7 @@
               <a:t>(Hyper parameter)</a:t>
             </a:r>
             <a:r>
-              <a:rPr xmlns:mc="http://schemas.openxmlformats.org/markup-compatibility/2006" xmlns:hp="http://schemas.haansoft.com/office/presentation/8.0" kumimoji="1" lang="ko-KR" altLang="en-US" sz="2100" b="0" i="0" baseline="0" mc:Ignorable="hp" hp:hslEmbossed="0">
+              <a:rPr kumimoji="1" lang="ko-KR" altLang="en-US" sz="2100" b="0" i="0" baseline="0">
                 <a:solidFill>
                   <a:srgbClr val="000000">
                     <a:alpha val="100000"/>
@@ -6185,7 +6675,7 @@
               <a:t> </a:t>
             </a:r>
             <a:r>
-              <a:rPr xmlns:mc="http://schemas.openxmlformats.org/markup-compatibility/2006" xmlns:hp="http://schemas.haansoft.com/office/presentation/8.0" kumimoji="1" lang="en-US" altLang="ko-KR" sz="2100" b="0" i="0" baseline="0" mc:Ignorable="hp" hp:hslEmbossed="0">
+              <a:rPr kumimoji="1" lang="en-US" altLang="ko-KR" sz="2100" b="0" i="0" baseline="0">
                 <a:solidFill>
                   <a:srgbClr val="000000">
                     <a:alpha val="100000"/>
@@ -6197,7 +6687,7 @@
               <a:t>:</a:t>
             </a:r>
             <a:r>
-              <a:rPr xmlns:mc="http://schemas.openxmlformats.org/markup-compatibility/2006" xmlns:hp="http://schemas.haansoft.com/office/presentation/8.0" kumimoji="1" lang="ko-KR" altLang="en-US" sz="2100" b="0" i="0" baseline="0" mc:Ignorable="hp" hp:hslEmbossed="0">
+              <a:rPr kumimoji="1" lang="ko-KR" altLang="en-US" sz="2100" b="0" i="0" baseline="0">
                 <a:solidFill>
                   <a:srgbClr val="000000">
                     <a:alpha val="100000"/>
@@ -6208,7 +6698,7 @@
               </a:rPr>
               <a:t> 모델링 할 때 사용자가 직접 세팅해주는 값</a:t>
             </a:r>
-            <a:endParaRPr xmlns:mc="http://schemas.openxmlformats.org/markup-compatibility/2006" xmlns:hp="http://schemas.haansoft.com/office/presentation/8.0" kumimoji="1" lang="ko-KR" altLang="en-US" sz="1800" b="0" i="0" baseline="0" mc:Ignorable="hp" hp:hslEmbossed="0">
+            <a:endParaRPr kumimoji="1" lang="ko-KR" altLang="en-US" sz="1800" b="0" i="0" baseline="0">
               <a:solidFill>
                 <a:srgbClr val="000000">
                   <a:alpha val="100000"/>
@@ -6240,7 +6730,7 @@
               <a:defRPr/>
             </a:pPr>
             <a:r>
-              <a:rPr xmlns:mc="http://schemas.openxmlformats.org/markup-compatibility/2006" xmlns:hp="http://schemas.haansoft.com/office/presentation/8.0" kumimoji="1" lang="en-US" altLang="ko-KR" sz="1800" b="0" i="0" baseline="0" mc:Ignorable="hp" hp:hslEmbossed="0">
+              <a:rPr kumimoji="1" lang="en-US" altLang="ko-KR" sz="1800" b="0" i="0" baseline="0">
                 <a:solidFill>
                   <a:srgbClr val="000000">
                     <a:alpha val="100000"/>
@@ -6252,7 +6742,7 @@
               <a:t>-</a:t>
             </a:r>
             <a:r>
-              <a:rPr xmlns:mc="http://schemas.openxmlformats.org/markup-compatibility/2006" xmlns:hp="http://schemas.haansoft.com/office/presentation/8.0" kumimoji="1" lang="ko-KR" altLang="en-US" sz="1800" b="0" i="0" baseline="0" mc:Ignorable="hp" hp:hslEmbossed="0">
+              <a:rPr kumimoji="1" lang="ko-KR" altLang="en-US" sz="1800" b="0" i="0" baseline="0">
                 <a:solidFill>
                   <a:srgbClr val="000000">
                     <a:alpha val="100000"/>
@@ -6264,7 +6754,7 @@
               <a:t>	</a:t>
             </a:r>
             <a:r>
-              <a:rPr xmlns:mc="http://schemas.openxmlformats.org/markup-compatibility/2006" xmlns:hp="http://schemas.haansoft.com/office/presentation/8.0" kumimoji="1" lang="en-US" altLang="ko-KR" sz="1800" b="0" i="0" baseline="0" mc:Ignorable="hp" hp:hslEmbossed="0">
+              <a:rPr kumimoji="1" lang="en-US" altLang="ko-KR" sz="1800" b="0" i="0" baseline="0">
                 <a:solidFill>
                   <a:srgbClr val="000000">
                     <a:alpha val="100000"/>
@@ -6276,7 +6766,7 @@
               <a:t>l</a:t>
             </a:r>
             <a:r>
-              <a:rPr xmlns:mc="http://schemas.openxmlformats.org/markup-compatibility/2006" xmlns:hp="http://schemas.haansoft.com/office/presentation/8.0" kumimoji="1" lang="ko-KR" altLang="en-US" sz="1800" b="0" i="0" baseline="0" mc:Ignorable="hp" hp:hslEmbossed="0">
+              <a:rPr kumimoji="1" lang="ko-KR" altLang="en-US" sz="1800" b="0" i="0" baseline="0">
                 <a:solidFill>
                   <a:srgbClr val="000000">
                     <a:alpha val="100000"/>
@@ -6288,7 +6778,7 @@
               <a:t>earning rate</a:t>
             </a:r>
             <a:r>
-              <a:rPr xmlns:mc="http://schemas.openxmlformats.org/markup-compatibility/2006" xmlns:hp="http://schemas.haansoft.com/office/presentation/8.0" kumimoji="1" lang="en-US" altLang="ko-KR" sz="1800" b="0" i="0" baseline="0" mc:Ignorable="hp" hp:hslEmbossed="0">
+              <a:rPr kumimoji="1" lang="en-US" altLang="ko-KR" sz="1800" b="0" i="0" baseline="0">
                 <a:solidFill>
                   <a:srgbClr val="000000">
                     <a:alpha val="100000"/>
@@ -6300,7 +6790,7 @@
               <a:t>(</a:t>
             </a:r>
             <a:r>
-              <a:rPr xmlns:mc="http://schemas.openxmlformats.org/markup-compatibility/2006" xmlns:hp="http://schemas.haansoft.com/office/presentation/8.0" kumimoji="1" lang="ko-KR" altLang="en-US" sz="1800" b="0" i="0" baseline="0" mc:Ignorable="hp" hp:hslEmbossed="0">
+              <a:rPr kumimoji="1" lang="ko-KR" altLang="en-US" sz="1800" b="0" i="0" baseline="0">
                 <a:solidFill>
                   <a:srgbClr val="000000">
                     <a:alpha val="100000"/>
@@ -6312,7 +6802,7 @@
               <a:t>학습률</a:t>
             </a:r>
             <a:r>
-              <a:rPr xmlns:mc="http://schemas.openxmlformats.org/markup-compatibility/2006" xmlns:hp="http://schemas.haansoft.com/office/presentation/8.0" kumimoji="1" lang="en-US" altLang="ko-KR" sz="1800" b="0" i="0" baseline="0" mc:Ignorable="hp" hp:hslEmbossed="0">
+              <a:rPr kumimoji="1" lang="en-US" altLang="ko-KR" sz="1800" b="0" i="0" baseline="0">
                 <a:solidFill>
                   <a:srgbClr val="000000">
                     <a:alpha val="100000"/>
@@ -6324,7 +6814,7 @@
               <a:t>)</a:t>
             </a:r>
             <a:r>
-              <a:rPr xmlns:mc="http://schemas.openxmlformats.org/markup-compatibility/2006" xmlns:hp="http://schemas.haansoft.com/office/presentation/8.0" kumimoji="1" lang="ko-KR" altLang="en-US" sz="1800" b="0" i="0" baseline="0" mc:Ignorable="hp" hp:hslEmbossed="0">
+              <a:rPr kumimoji="1" lang="ko-KR" altLang="en-US" sz="1800" b="0" i="0" baseline="0">
                 <a:solidFill>
                   <a:srgbClr val="000000">
                     <a:alpha val="100000"/>
@@ -6335,15 +6825,6 @@
               </a:rPr>
               <a:t>, sigma 값, KNN에서의 K값 등등 굉장히 많습니다.</a:t>
             </a:r>
-            <a:endParaRPr xmlns:mc="http://schemas.openxmlformats.org/markup-compatibility/2006" xmlns:hp="http://schemas.haansoft.com/office/presentation/8.0" kumimoji="1" lang="ko-KR" altLang="en-US" sz="1800" b="0" i="0" baseline="0" mc:Ignorable="hp" hp:hslEmbossed="0">
-              <a:solidFill>
-                <a:srgbClr val="000000">
-                  <a:alpha val="100000"/>
-                </a:srgbClr>
-              </a:solidFill>
-              <a:latin typeface="함초롬돋움"/>
-              <a:sym typeface="Arial"/>
-            </a:endParaRPr>
           </a:p>
           <a:p>
             <a:pPr marL="347708" lvl="0" indent="-347708" algn="l" defTabSz="912932" rtl="0" eaLnBrk="1" latinLnBrk="1" hangingPunct="1">
@@ -6367,7 +6848,7 @@
               <a:defRPr/>
             </a:pPr>
             <a:r>
-              <a:rPr xmlns:mc="http://schemas.openxmlformats.org/markup-compatibility/2006" xmlns:hp="http://schemas.haansoft.com/office/presentation/8.0" kumimoji="1" lang="en-US" altLang="ko-KR" sz="1800" b="0" i="0" baseline="0" mc:Ignorable="hp" hp:hslEmbossed="0">
+              <a:rPr kumimoji="1" lang="en-US" altLang="ko-KR" sz="1800" b="0" i="0" baseline="0">
                 <a:solidFill>
                   <a:srgbClr val="000000">
                     <a:alpha val="100000"/>
@@ -6379,7 +6860,7 @@
               <a:t>-</a:t>
             </a:r>
             <a:r>
-              <a:rPr xmlns:mc="http://schemas.openxmlformats.org/markup-compatibility/2006" xmlns:hp="http://schemas.haansoft.com/office/presentation/8.0" kumimoji="1" lang="ko-KR" altLang="en-US" sz="1800" b="0" i="0" baseline="0" mc:Ignorable="hp" hp:hslEmbossed="0">
+              <a:rPr kumimoji="1" lang="ko-KR" altLang="en-US" sz="1800" b="0" i="0" baseline="0">
                 <a:solidFill>
                   <a:srgbClr val="000000">
                     <a:alpha val="100000"/>
@@ -6391,7 +6872,7 @@
               <a:t>	하이퍼 파라미터는 정해진 최적의 값이 없어</a:t>
             </a:r>
             <a:r>
-              <a:rPr xmlns:mc="http://schemas.openxmlformats.org/markup-compatibility/2006" xmlns:hp="http://schemas.haansoft.com/office/presentation/8.0" kumimoji="1" lang="en-US" altLang="ko-KR" sz="1800" b="0" i="0" baseline="0" mc:Ignorable="hp" hp:hslEmbossed="0">
+              <a:rPr kumimoji="1" lang="en-US" altLang="ko-KR" sz="1800" b="0" i="0" baseline="0">
                 <a:solidFill>
                   <a:srgbClr val="000000">
                     <a:alpha val="100000"/>
@@ -6403,7 +6884,7 @@
               <a:t>,</a:t>
             </a:r>
             <a:r>
-              <a:rPr xmlns:mc="http://schemas.openxmlformats.org/markup-compatibility/2006" xmlns:hp="http://schemas.haansoft.com/office/presentation/8.0" kumimoji="1" lang="ko-KR" altLang="en-US" sz="1800" b="0" i="0" baseline="0" mc:Ignorable="hp" hp:hslEmbossed="0">
+              <a:rPr kumimoji="1" lang="ko-KR" altLang="en-US" sz="1800" b="0" i="0" baseline="0">
                 <a:solidFill>
                   <a:srgbClr val="000000">
                     <a:alpha val="100000"/>
@@ -6414,15 +6895,6 @@
               </a:rPr>
               <a:t> 자동으로 하이퍼 파라미터를 선택해주는 라이브러리도 있기는 하지만 휴리스틱한 방법이나 경험 법칙(rules of thumb)에 의해 결정하는 경우가 많습니다.</a:t>
             </a:r>
-            <a:endParaRPr xmlns:mc="http://schemas.openxmlformats.org/markup-compatibility/2006" xmlns:hp="http://schemas.haansoft.com/office/presentation/8.0" kumimoji="1" lang="ko-KR" altLang="en-US" sz="1800" b="0" i="0" baseline="0" mc:Ignorable="hp" hp:hslEmbossed="0">
-              <a:solidFill>
-                <a:srgbClr val="000000">
-                  <a:alpha val="100000"/>
-                </a:srgbClr>
-              </a:solidFill>
-              <a:latin typeface="함초롬돋움"/>
-              <a:sym typeface="Arial"/>
-            </a:endParaRPr>
           </a:p>
         </p:txBody>
       </p:sp>
@@ -6431,11 +6903,11 @@
   <p:clrMapOvr>
     <a:masterClrMapping/>
   </p:clrMapOvr>
-  <mc:AlternateContent xmlns:mc="http://schemas.openxmlformats.org/markup-compatibility/2006">
-    <mc:Choice xmlns:p14="http://schemas.microsoft.com/office/powerpoint/2010/main" Requires="p14">
-      <p:transition xmlns:mc="http://schemas.openxmlformats.org/markup-compatibility/2006" xmlns:p14="http://schemas.microsoft.com/office/powerpoint/2010/main" mc:Ignorable="p14" p14:dur="500"/>
+  <mc:AlternateContent xmlns:mc="http://schemas.openxmlformats.org/markup-compatibility/2006" xmlns:p14="http://schemas.microsoft.com/office/powerpoint/2010/main">
+    <mc:Choice Requires="p14">
+      <p:transition/>
     </mc:Choice>
-    <mc:Fallback>
+    <mc:Fallback xmlns="" xmlns:c="http://schemas.openxmlformats.org/drawingml/2006/chart" xmlns:dgm="http://schemas.openxmlformats.org/drawingml/2006/diagram" xmlns:dsp="http://schemas.microsoft.com/office/drawing/2008/diagram">
       <p:transition/>
     </mc:Fallback>
   </mc:AlternateContent>
@@ -6443,7 +6915,7 @@
 </file>
 
 <file path=ppt/slides/slide4.xml><?xml version="1.0" encoding="utf-8"?>
-<p:sld xmlns:r="http://schemas.openxmlformats.org/officeDocument/2006/relationships" xmlns:c="http://schemas.openxmlformats.org/drawingml/2006/chart" xmlns:a="http://schemas.openxmlformats.org/drawingml/2006/main" xmlns:dgm="http://schemas.openxmlformats.org/drawingml/2006/diagram" xmlns:dsp="http://schemas.microsoft.com/office/drawing/2008/diagram" xmlns:p="http://schemas.openxmlformats.org/presentationml/2006/main">
+<p:sld xmlns:a="http://schemas.openxmlformats.org/drawingml/2006/main" xmlns:r="http://schemas.openxmlformats.org/officeDocument/2006/relationships" xmlns:p="http://schemas.openxmlformats.org/presentationml/2006/main">
   <p:cSld>
     <p:spTree>
       <p:nvGrpSpPr>
@@ -6461,7 +6933,7 @@
       </p:grpSpPr>
       <p:sp>
         <p:nvSpPr>
-          <p:cNvPr id="4098" name=""/>
+          <p:cNvPr id="4098" name="TextBox 4097"/>
           <p:cNvSpPr txBox="1"/>
           <p:nvPr/>
         </p:nvSpPr>
@@ -6484,6 +6956,7 @@
           <a:bodyPr vert="horz" wrap="square" lIns="91440" tIns="45720" rIns="91440" bIns="45720" anchor="ctr">
             <a:spAutoFit/>
           </a:bodyPr>
+          <a:lstStyle/>
           <a:p>
             <a:pPr marL="0" lvl="0" indent="0" algn="ctr" defTabSz="912932" rtl="0" eaLnBrk="1" latinLnBrk="0" hangingPunct="1">
               <a:lnSpc>
@@ -6499,9 +6972,9 @@
               <a:defRPr/>
             </a:pPr>
             <a:r>
-              <a:rPr xmlns:mc="http://schemas.openxmlformats.org/markup-compatibility/2006" xmlns:hp="http://schemas.haansoft.com/office/presentation/8.0" kumimoji="1" lang="ko-KR" altLang="en-US" sz="3600" b="1" i="0" baseline="0" mc:Ignorable="hp" hp:hslEmbossed="0">
-                <a:solidFill>
-                  <a:srgbClr val="ff7c80">
+              <a:rPr kumimoji="1" lang="ko-KR" altLang="en-US" sz="3600" b="1" i="0" baseline="0">
+                <a:solidFill>
+                  <a:srgbClr val="FF7C80">
                     <a:alpha val="100000"/>
                   </a:srgbClr>
                 </a:solidFill>
@@ -6510,21 +6983,12 @@
               </a:rPr>
               <a:t>하이퍼 파라미터</a:t>
             </a:r>
-            <a:endParaRPr xmlns:mc="http://schemas.openxmlformats.org/markup-compatibility/2006" xmlns:hp="http://schemas.haansoft.com/office/presentation/8.0" kumimoji="1" lang="ko-KR" altLang="en-US" sz="3600" b="1" i="0" baseline="0" mc:Ignorable="hp" hp:hslEmbossed="0">
-              <a:solidFill>
-                <a:srgbClr val="ff7c80">
-                  <a:alpha val="100000"/>
-                </a:srgbClr>
-              </a:solidFill>
-              <a:latin typeface="야놀자 야체 B"/>
-              <a:ea typeface="굴림"/>
-            </a:endParaRPr>
-          </a:p>
-        </p:txBody>
-      </p:sp>
-      <p:sp>
-        <p:nvSpPr>
-          <p:cNvPr id="4099" name=""/>
+          </a:p>
+        </p:txBody>
+      </p:sp>
+      <p:sp>
+        <p:nvSpPr>
+          <p:cNvPr id="4099" name="자유형: 도형 4098"/>
           <p:cNvSpPr/>
           <p:nvPr/>
         </p:nvSpPr>
@@ -6562,6 +7026,7 @@
               <a:gd name="T23" fmla="*/ 306 w 306"/>
               <a:gd name="T24" fmla="*/ 316 h 316"/>
             </a:gdLst>
+            <a:ahLst/>
             <a:cxnLst>
               <a:cxn ang="T2">
                 <a:pos x="T0" y="T1"/>
@@ -6643,6 +7108,7 @@
           <a:bodyPr vert="horz" wrap="none" lIns="91440" tIns="45720" rIns="91440" bIns="45720" anchor="t">
             <a:noAutofit/>
           </a:bodyPr>
+          <a:lstStyle/>
           <a:p>
             <a:pPr lvl="0" algn="l">
               <a:buNone/>
@@ -6699,18 +7165,42 @@
               <a:defRPr/>
             </a:pPr>
             <a:r>
-              <a:rPr xmlns:mc="http://schemas.openxmlformats.org/markup-compatibility/2006" xmlns:hp="http://schemas.haansoft.com/office/presentation/8.0" kumimoji="1" lang="ko-KR" altLang="en-US" sz="1800" b="0" i="0" baseline="0" mc:Ignorable="hp" hp:hslEmbossed="0">
-                <a:solidFill>
-                  <a:srgbClr val="000000">
-                    <a:alpha val="100000"/>
-                  </a:srgbClr>
-                </a:solidFill>
-                <a:latin typeface="함초롬돋움"/>
-                <a:sym typeface="Arial"/>
-              </a:rPr>
-              <a:t>신경망에는 다수의 하이퍼 파라미터가 등장</a:t>
-            </a:r>
-            <a:endParaRPr xmlns:mc="http://schemas.openxmlformats.org/markup-compatibility/2006" xmlns:hp="http://schemas.haansoft.com/office/presentation/8.0" kumimoji="1" lang="en-US" altLang="ko-KR" sz="1800" b="0" i="0" baseline="0" mc:Ignorable="hp" hp:hslEmbossed="0">
+              <a:rPr kumimoji="1" lang="ko-KR" altLang="en-US" sz="1800" b="0" i="0" baseline="0" dirty="0">
+                <a:solidFill>
+                  <a:srgbClr val="000000">
+                    <a:alpha val="100000"/>
+                  </a:srgbClr>
+                </a:solidFill>
+                <a:latin typeface="함초롬돋움"/>
+                <a:sym typeface="Arial"/>
+              </a:rPr>
+              <a:t>신경망에는 다수의 </a:t>
+            </a:r>
+            <a:r>
+              <a:rPr kumimoji="1" lang="ko-KR" altLang="en-US" sz="1800" b="0" i="0" baseline="0" dirty="0" err="1">
+                <a:solidFill>
+                  <a:srgbClr val="000000">
+                    <a:alpha val="100000"/>
+                  </a:srgbClr>
+                </a:solidFill>
+                <a:latin typeface="함초롬돋움"/>
+                <a:sym typeface="Arial"/>
+              </a:rPr>
+              <a:t>하이퍼</a:t>
+            </a:r>
+            <a:r>
+              <a:rPr kumimoji="1" lang="ko-KR" altLang="en-US" sz="1800" b="0" i="0" baseline="0" dirty="0">
+                <a:solidFill>
+                  <a:srgbClr val="000000">
+                    <a:alpha val="100000"/>
+                  </a:srgbClr>
+                </a:solidFill>
+                <a:latin typeface="함초롬돋움"/>
+                <a:sym typeface="Arial"/>
+              </a:rPr>
+              <a:t> 파라미터가 등장</a:t>
+            </a:r>
+            <a:endParaRPr kumimoji="1" lang="en-US" altLang="ko-KR" sz="1800" b="0" i="0" baseline="0" dirty="0">
               <a:solidFill>
                 <a:srgbClr val="000000">
                   <a:alpha val="100000"/>
@@ -6742,7 +7232,7 @@
               <a:defRPr/>
             </a:pPr>
             <a:r>
-              <a:rPr xmlns:mc="http://schemas.openxmlformats.org/markup-compatibility/2006" xmlns:hp="http://schemas.haansoft.com/office/presentation/8.0" kumimoji="1" lang="ko-KR" altLang="en-US" sz="1800" b="0" i="0" baseline="0" mc:Ignorable="hp" hp:hslEmbossed="0">
+              <a:rPr kumimoji="1" lang="ko-KR" altLang="en-US" sz="1800" b="0" i="0" baseline="0" dirty="0">
                 <a:solidFill>
                   <a:srgbClr val="000000">
                     <a:alpha val="100000"/>
@@ -6754,7 +7244,7 @@
               <a:t>	</a:t>
             </a:r>
             <a:r>
-              <a:rPr xmlns:mc="http://schemas.openxmlformats.org/markup-compatibility/2006" xmlns:hp="http://schemas.haansoft.com/office/presentation/8.0" kumimoji="1" lang="en-US" altLang="ko-KR" sz="1800" b="0" i="0" baseline="0" mc:Ignorable="hp" hp:hslEmbossed="0">
+              <a:rPr kumimoji="1" lang="en-US" altLang="ko-KR" sz="1800" b="0" i="0" baseline="0" dirty="0">
                 <a:solidFill>
                   <a:srgbClr val="000000">
                     <a:alpha val="100000"/>
@@ -6766,19 +7256,31 @@
               <a:t>(</a:t>
             </a:r>
             <a:r>
-              <a:rPr xmlns:mc="http://schemas.openxmlformats.org/markup-compatibility/2006" xmlns:hp="http://schemas.haansoft.com/office/presentation/8.0" kumimoji="1" lang="ko-KR" altLang="en-US" sz="1800" b="0" i="0" baseline="0" mc:Ignorable="hp" hp:hslEmbossed="0">
-                <a:solidFill>
-                  <a:srgbClr val="000000">
-                    <a:alpha val="100000"/>
-                  </a:srgbClr>
-                </a:solidFill>
-                <a:latin typeface="함초롬돋움"/>
-                <a:sym typeface="Arial"/>
-              </a:rPr>
-              <a:t> 뉴런수</a:t>
-            </a:r>
-            <a:r>
-              <a:rPr xmlns:mc="http://schemas.openxmlformats.org/markup-compatibility/2006" xmlns:hp="http://schemas.haansoft.com/office/presentation/8.0" kumimoji="1" lang="en-US" altLang="ko-KR" sz="1800" b="0" i="0" baseline="0" mc:Ignorable="hp" hp:hslEmbossed="0">
+              <a:rPr kumimoji="1" lang="ko-KR" altLang="en-US" sz="1800" b="0" i="0" baseline="0" dirty="0">
+                <a:solidFill>
+                  <a:srgbClr val="000000">
+                    <a:alpha val="100000"/>
+                  </a:srgbClr>
+                </a:solidFill>
+                <a:latin typeface="함초롬돋움"/>
+                <a:sym typeface="Arial"/>
+              </a:rPr>
+              <a:t> </a:t>
+            </a:r>
+            <a:r>
+              <a:rPr kumimoji="1" lang="ko-KR" altLang="en-US" sz="1800" b="0" i="0" baseline="0" dirty="0" err="1">
+                <a:solidFill>
+                  <a:srgbClr val="000000">
+                    <a:alpha val="100000"/>
+                  </a:srgbClr>
+                </a:solidFill>
+                <a:latin typeface="함초롬돋움"/>
+                <a:sym typeface="Arial"/>
+              </a:rPr>
+              <a:t>뉴런수</a:t>
+            </a:r>
+            <a:r>
+              <a:rPr kumimoji="1" lang="en-US" altLang="ko-KR" sz="1800" b="0" i="0" baseline="0" dirty="0">
                 <a:solidFill>
                   <a:srgbClr val="000000">
                     <a:alpha val="100000"/>
@@ -6790,7 +7292,7 @@
               <a:t>,</a:t>
             </a:r>
             <a:r>
-              <a:rPr xmlns:mc="http://schemas.openxmlformats.org/markup-compatibility/2006" xmlns:hp="http://schemas.haansoft.com/office/presentation/8.0" kumimoji="1" lang="ko-KR" altLang="en-US" sz="1800" b="0" i="0" baseline="0" mc:Ignorable="hp" hp:hslEmbossed="0">
+              <a:rPr kumimoji="1" lang="ko-KR" altLang="en-US" sz="1800" b="0" i="0" baseline="0" dirty="0">
                 <a:solidFill>
                   <a:srgbClr val="000000">
                     <a:alpha val="100000"/>
@@ -6802,7 +7304,7 @@
               <a:t> 배치 크기</a:t>
             </a:r>
             <a:r>
-              <a:rPr xmlns:mc="http://schemas.openxmlformats.org/markup-compatibility/2006" xmlns:hp="http://schemas.haansoft.com/office/presentation/8.0" kumimoji="1" lang="en-US" altLang="ko-KR" sz="1800" b="0" i="0" baseline="0" mc:Ignorable="hp" hp:hslEmbossed="0">
+              <a:rPr kumimoji="1" lang="en-US" altLang="ko-KR" sz="1800" b="0" i="0" baseline="0" dirty="0">
                 <a:solidFill>
                   <a:srgbClr val="000000">
                     <a:alpha val="100000"/>
@@ -6814,19 +7316,55 @@
               <a:t>,</a:t>
             </a:r>
             <a:r>
-              <a:rPr xmlns:mc="http://schemas.openxmlformats.org/markup-compatibility/2006" xmlns:hp="http://schemas.haansoft.com/office/presentation/8.0" kumimoji="1" lang="ko-KR" altLang="en-US" sz="1800" b="0" i="0" baseline="0" mc:Ignorable="hp" hp:hslEmbossed="0">
-                <a:solidFill>
-                  <a:srgbClr val="000000">
-                    <a:alpha val="100000"/>
-                  </a:srgbClr>
-                </a:solidFill>
-                <a:latin typeface="함초롬돋움"/>
-                <a:sym typeface="Arial"/>
-              </a:rPr>
-              <a:t> 매개변수 갱신시의 학습률과 가중치 감소 등</a:t>
-            </a:r>
-            <a:r>
-              <a:rPr xmlns:mc="http://schemas.openxmlformats.org/markup-compatibility/2006" xmlns:hp="http://schemas.haansoft.com/office/presentation/8.0" kumimoji="1" lang="en-US" altLang="ko-KR" sz="1800" b="0" i="0" baseline="0" mc:Ignorable="hp" hp:hslEmbossed="0">
+              <a:rPr kumimoji="1" lang="ko-KR" altLang="en-US" sz="1800" b="0" i="0" baseline="0" dirty="0">
+                <a:solidFill>
+                  <a:srgbClr val="000000">
+                    <a:alpha val="100000"/>
+                  </a:srgbClr>
+                </a:solidFill>
+                <a:latin typeface="함초롬돋움"/>
+                <a:sym typeface="Arial"/>
+              </a:rPr>
+              <a:t> 매개변수 갱신시의 </a:t>
+            </a:r>
+            <a:r>
+              <a:rPr kumimoji="1" lang="ko-KR" altLang="en-US" sz="1800" b="0" i="0" baseline="0" dirty="0" err="1">
+                <a:solidFill>
+                  <a:srgbClr val="000000">
+                    <a:alpha val="100000"/>
+                  </a:srgbClr>
+                </a:solidFill>
+                <a:latin typeface="함초롬돋움"/>
+                <a:sym typeface="Arial"/>
+              </a:rPr>
+              <a:t>학습률</a:t>
+            </a:r>
+            <a:r>
+              <a:rPr kumimoji="1" lang="en-US" altLang="ko-KR" sz="1800" b="0" i="0" baseline="0" dirty="0">
+                <a:solidFill>
+                  <a:srgbClr val="000000">
+                    <a:alpha val="100000"/>
+                  </a:srgbClr>
+                </a:solidFill>
+                <a:latin typeface="함초롬돋움"/>
+                <a:sym typeface="Arial"/>
+              </a:rPr>
+              <a:t>,</a:t>
+            </a:r>
+            <a:r>
+              <a:rPr kumimoji="1" lang="ko-KR" altLang="en-US" sz="1800" b="0" i="0" baseline="0" dirty="0">
+                <a:solidFill>
+                  <a:srgbClr val="000000">
+                    <a:alpha val="100000"/>
+                  </a:srgbClr>
+                </a:solidFill>
+                <a:latin typeface="함초롬돋움"/>
+                <a:sym typeface="Arial"/>
+              </a:rPr>
+              <a:t> 가중치 감소 등</a:t>
+            </a:r>
+            <a:r>
+              <a:rPr kumimoji="1" lang="en-US" altLang="ko-KR" sz="1800" b="0" i="0" baseline="0" dirty="0">
                 <a:solidFill>
                   <a:srgbClr val="000000">
                     <a:alpha val="100000"/>
@@ -6837,15 +7375,6 @@
               </a:rPr>
               <a:t>)</a:t>
             </a:r>
-            <a:endParaRPr xmlns:mc="http://schemas.openxmlformats.org/markup-compatibility/2006" xmlns:hp="http://schemas.haansoft.com/office/presentation/8.0" kumimoji="1" lang="en-US" altLang="ko-KR" sz="1800" b="0" i="0" baseline="0" mc:Ignorable="hp" hp:hslEmbossed="0">
-              <a:solidFill>
-                <a:srgbClr val="000000">
-                  <a:alpha val="100000"/>
-                </a:srgbClr>
-              </a:solidFill>
-              <a:latin typeface="함초롬돋움"/>
-              <a:sym typeface="Arial"/>
-            </a:endParaRPr>
           </a:p>
           <a:p>
             <a:pPr marL="347708" lvl="0" indent="-347708" algn="l" defTabSz="912932" rtl="0" eaLnBrk="1" latinLnBrk="1" hangingPunct="1">
@@ -6868,7 +7397,7 @@
               <a:buChar char="•"/>
               <a:defRPr/>
             </a:pPr>
-            <a:endParaRPr xmlns:mc="http://schemas.openxmlformats.org/markup-compatibility/2006" xmlns:hp="http://schemas.haansoft.com/office/presentation/8.0" kumimoji="1" lang="en-US" altLang="ko-KR" sz="1800" b="0" i="0" baseline="0" mc:Ignorable="hp" hp:hslEmbossed="0">
+            <a:endParaRPr kumimoji="1" lang="en-US" altLang="ko-KR" sz="1800" b="0" i="0" baseline="0" dirty="0">
               <a:solidFill>
                 <a:srgbClr val="000000">
                   <a:alpha val="100000"/>
@@ -6892,7 +7421,7 @@
               <a:defRPr/>
             </a:pPr>
             <a:r>
-              <a:rPr xmlns:mc="http://schemas.openxmlformats.org/markup-compatibility/2006" xmlns:hp="http://schemas.haansoft.com/office/presentation/8.0" kumimoji="1" lang="ko-KR" altLang="en-US" sz="1800" b="0" i="0" baseline="0" mc:Ignorable="hp" hp:hslEmbossed="0">
+              <a:rPr kumimoji="1" lang="ko-KR" altLang="en-US" sz="1800" b="0" i="0" baseline="0" dirty="0">
                 <a:solidFill>
                   <a:srgbClr val="000000">
                     <a:alpha val="100000"/>
@@ -6903,15 +7432,6 @@
               </a:rPr>
               <a:t>적절한 값으로 튜닝해 줌으로써 모델의 성능을 높이 수 있다. </a:t>
             </a:r>
-            <a:endParaRPr xmlns:mc="http://schemas.openxmlformats.org/markup-compatibility/2006" xmlns:hp="http://schemas.haansoft.com/office/presentation/8.0" kumimoji="1" lang="ko-KR" altLang="en-US" sz="1800" b="0" i="0" baseline="0" mc:Ignorable="hp" hp:hslEmbossed="0">
-              <a:solidFill>
-                <a:srgbClr val="000000">
-                  <a:alpha val="100000"/>
-                </a:srgbClr>
-              </a:solidFill>
-              <a:latin typeface="함초롬돋움"/>
-              <a:sym typeface="Arial"/>
-            </a:endParaRPr>
           </a:p>
           <a:p>
             <a:pPr marL="342900" lvl="0" indent="-342900" algn="l" defTabSz="912932">
@@ -6926,7 +7446,7 @@
               </a:buClr>
               <a:defRPr/>
             </a:pPr>
-            <a:endParaRPr xmlns:mc="http://schemas.openxmlformats.org/markup-compatibility/2006" xmlns:hp="http://schemas.haansoft.com/office/presentation/8.0" kumimoji="1" lang="ko-KR" altLang="en-US" sz="1800" b="0" i="0" baseline="0" mc:Ignorable="hp" hp:hslEmbossed="0">
+            <a:endParaRPr kumimoji="1" lang="ko-KR" altLang="en-US" sz="1800" b="0" i="0" baseline="0" dirty="0">
               <a:solidFill>
                 <a:srgbClr val="000000">
                   <a:alpha val="100000"/>
@@ -6950,23 +7470,43 @@
               <a:defRPr/>
             </a:pPr>
             <a:r>
-              <a:rPr xmlns:mc="http://schemas.openxmlformats.org/markup-compatibility/2006" xmlns:hp="http://schemas.haansoft.com/office/presentation/8.0" kumimoji="1" lang="ko-KR" altLang="en-US" sz="1800" b="0" i="0" baseline="0" mc:Ignorable="hp" hp:hslEmbossed="0">
-                <a:solidFill>
-                  <a:srgbClr val="000000">
-                    <a:alpha val="100000"/>
-                  </a:srgbClr>
-                </a:solidFill>
-                <a:latin typeface="함초롬돋움"/>
-                <a:sym typeface="Arial"/>
-              </a:rPr>
-              <a:t>하이퍼 파라미터에서 사용되는 데이터에는 학습데이터</a:t>
-            </a:r>
-            <a:r>
-              <a:rPr xmlns:mc="http://schemas.openxmlformats.org/markup-compatibility/2006" xmlns:hp="http://schemas.haansoft.com/office/presentation/8.0" kumimoji="1" lang="en-US" altLang="ko-KR" sz="1800" b="0" i="0" baseline="0" mc:Ignorable="hp" hp:hslEmbossed="0">
-                <a:solidFill>
-                  <a:srgbClr val="000000">
-                    <a:alpha val="100000"/>
-                  </a:srgbClr>
+              <a:rPr kumimoji="1" lang="ko-KR" altLang="en-US" sz="1800" b="0" i="0" baseline="0" dirty="0" err="1">
+                <a:solidFill>
+                  <a:srgbClr val="000000">
+                    <a:alpha val="100000"/>
+                  </a:srgbClr>
+                </a:solidFill>
+                <a:latin typeface="함초롬돋움"/>
+                <a:sym typeface="Arial"/>
+              </a:rPr>
+              <a:t>하이퍼</a:t>
+            </a:r>
+            <a:r>
+              <a:rPr kumimoji="1" lang="ko-KR" altLang="en-US" sz="1800" b="0" i="0" baseline="0" dirty="0">
+                <a:solidFill>
+                  <a:srgbClr val="000000">
+                    <a:alpha val="100000"/>
+                  </a:srgbClr>
+                </a:solidFill>
+                <a:latin typeface="함초롬돋움"/>
+                <a:sym typeface="Arial"/>
+              </a:rPr>
+              <a:t> 파라미터에서 사용되는 데이터에는 </a:t>
+            </a:r>
+            <a:r>
+              <a:rPr kumimoji="1" lang="ko-KR" altLang="en-US" sz="1800" b="1" i="0" baseline="0" dirty="0">
+                <a:solidFill>
+                  <a:srgbClr val="FF0000"/>
+                </a:solidFill>
+                <a:latin typeface="함초롬돋움"/>
+                <a:sym typeface="Arial"/>
+              </a:rPr>
+              <a:t>학습데이터</a:t>
+            </a:r>
+            <a:r>
+              <a:rPr kumimoji="1" lang="en-US" altLang="ko-KR" sz="1800" b="1" i="0" baseline="0" dirty="0">
+                <a:solidFill>
+                  <a:srgbClr val="FF0000"/>
                 </a:solidFill>
                 <a:latin typeface="함초롬돋움"/>
                 <a:sym typeface="Arial"/>
@@ -6974,11 +7514,9 @@
               <a:t>,</a:t>
             </a:r>
             <a:r>
-              <a:rPr xmlns:mc="http://schemas.openxmlformats.org/markup-compatibility/2006" xmlns:hp="http://schemas.haansoft.com/office/presentation/8.0" kumimoji="1" lang="ko-KR" altLang="en-US" sz="1800" b="0" i="0" baseline="0" mc:Ignorable="hp" hp:hslEmbossed="0">
-                <a:solidFill>
-                  <a:srgbClr val="000000">
-                    <a:alpha val="100000"/>
-                  </a:srgbClr>
+              <a:rPr kumimoji="1" lang="ko-KR" altLang="en-US" sz="1800" b="1" i="0" baseline="0" dirty="0">
+                <a:solidFill>
+                  <a:srgbClr val="FF0000"/>
                 </a:solidFill>
                 <a:latin typeface="함초롬돋움"/>
                 <a:sym typeface="Arial"/>
@@ -6986,11 +7524,9 @@
               <a:t> 검증 데이터</a:t>
             </a:r>
             <a:r>
-              <a:rPr xmlns:mc="http://schemas.openxmlformats.org/markup-compatibility/2006" xmlns:hp="http://schemas.haansoft.com/office/presentation/8.0" kumimoji="1" lang="en-US" altLang="ko-KR" sz="1800" b="0" i="0" baseline="0" mc:Ignorable="hp" hp:hslEmbossed="0">
-                <a:solidFill>
-                  <a:srgbClr val="000000">
-                    <a:alpha val="100000"/>
-                  </a:srgbClr>
+              <a:rPr kumimoji="1" lang="en-US" altLang="ko-KR" sz="1800" b="1" i="0" baseline="0" dirty="0">
+                <a:solidFill>
+                  <a:srgbClr val="FF0000"/>
                 </a:solidFill>
                 <a:latin typeface="함초롬돋움"/>
                 <a:sym typeface="Arial"/>
@@ -6998,19 +7534,29 @@
               <a:t>,</a:t>
             </a:r>
             <a:r>
-              <a:rPr xmlns:mc="http://schemas.openxmlformats.org/markup-compatibility/2006" xmlns:hp="http://schemas.haansoft.com/office/presentation/8.0" kumimoji="1" lang="ko-KR" altLang="en-US" sz="1800" b="0" i="0" baseline="0" mc:Ignorable="hp" hp:hslEmbossed="0">
-                <a:solidFill>
-                  <a:srgbClr val="000000">
-                    <a:alpha val="100000"/>
-                  </a:srgbClr>
-                </a:solidFill>
-                <a:latin typeface="함초롬돋움"/>
-                <a:sym typeface="Arial"/>
-              </a:rPr>
-              <a:t> 테스트 데이터가 있다</a:t>
-            </a:r>
-            <a:r>
-              <a:rPr xmlns:mc="http://schemas.openxmlformats.org/markup-compatibility/2006" xmlns:hp="http://schemas.haansoft.com/office/presentation/8.0" kumimoji="1" lang="en-US" altLang="ko-KR" sz="1800" b="0" i="0" baseline="0" mc:Ignorable="hp" hp:hslEmbossed="0">
+              <a:rPr kumimoji="1" lang="ko-KR" altLang="en-US" sz="1800" b="1" i="0" baseline="0" dirty="0">
+                <a:solidFill>
+                  <a:srgbClr val="FF0000"/>
+                </a:solidFill>
+                <a:latin typeface="함초롬돋움"/>
+                <a:sym typeface="Arial"/>
+              </a:rPr>
+              <a:t> 테스트 데이터</a:t>
+            </a:r>
+            <a:r>
+              <a:rPr kumimoji="1" lang="ko-KR" altLang="en-US" sz="1800" b="0" i="0" baseline="0" dirty="0">
+                <a:solidFill>
+                  <a:srgbClr val="000000">
+                    <a:alpha val="100000"/>
+                  </a:srgbClr>
+                </a:solidFill>
+                <a:latin typeface="함초롬돋움"/>
+                <a:sym typeface="Arial"/>
+              </a:rPr>
+              <a:t>가 있다</a:t>
+            </a:r>
+            <a:r>
+              <a:rPr kumimoji="1" lang="en-US" altLang="ko-KR" sz="1800" b="0" i="0" baseline="0" dirty="0">
                 <a:solidFill>
                   <a:srgbClr val="000000">
                     <a:alpha val="100000"/>
@@ -7021,15 +7567,6 @@
               </a:rPr>
               <a:t>.</a:t>
             </a:r>
-            <a:endParaRPr xmlns:mc="http://schemas.openxmlformats.org/markup-compatibility/2006" xmlns:hp="http://schemas.haansoft.com/office/presentation/8.0" kumimoji="1" lang="en-US" altLang="ko-KR" sz="1800" b="0" i="0" baseline="0" mc:Ignorable="hp" hp:hslEmbossed="0">
-              <a:solidFill>
-                <a:srgbClr val="000000">
-                  <a:alpha val="100000"/>
-                </a:srgbClr>
-              </a:solidFill>
-              <a:latin typeface="함초롬돋움"/>
-              <a:sym typeface="Arial"/>
-            </a:endParaRPr>
           </a:p>
         </p:txBody>
       </p:sp>
@@ -7038,11 +7575,11 @@
   <p:clrMapOvr>
     <a:masterClrMapping/>
   </p:clrMapOvr>
-  <mc:AlternateContent xmlns:mc="http://schemas.openxmlformats.org/markup-compatibility/2006">
-    <mc:Choice xmlns:p14="http://schemas.microsoft.com/office/powerpoint/2010/main" Requires="p14">
-      <p:transition xmlns:mc="http://schemas.openxmlformats.org/markup-compatibility/2006" xmlns:p14="http://schemas.microsoft.com/office/powerpoint/2010/main" mc:Ignorable="p14" p14:dur="500"/>
+  <mc:AlternateContent xmlns:mc="http://schemas.openxmlformats.org/markup-compatibility/2006" xmlns:p14="http://schemas.microsoft.com/office/powerpoint/2010/main">
+    <mc:Choice Requires="p14">
+      <p:transition/>
     </mc:Choice>
-    <mc:Fallback>
+    <mc:Fallback xmlns="" xmlns:c="http://schemas.openxmlformats.org/drawingml/2006/chart" xmlns:dgm="http://schemas.openxmlformats.org/drawingml/2006/diagram" xmlns:dsp="http://schemas.microsoft.com/office/drawing/2008/diagram">
       <p:transition/>
     </mc:Fallback>
   </mc:AlternateContent>
@@ -7050,7 +7587,7 @@
 </file>
 
 <file path=ppt/slides/slide5.xml><?xml version="1.0" encoding="utf-8"?>
-<p:sld xmlns:r="http://schemas.openxmlformats.org/officeDocument/2006/relationships" xmlns:c="http://schemas.openxmlformats.org/drawingml/2006/chart" xmlns:a="http://schemas.openxmlformats.org/drawingml/2006/main" xmlns:dgm="http://schemas.openxmlformats.org/drawingml/2006/diagram" xmlns:dsp="http://schemas.microsoft.com/office/drawing/2008/diagram" xmlns:p="http://schemas.openxmlformats.org/presentationml/2006/main">
+<p:sld xmlns:a="http://schemas.openxmlformats.org/drawingml/2006/main" xmlns:r="http://schemas.openxmlformats.org/officeDocument/2006/relationships" xmlns:p="http://schemas.openxmlformats.org/presentationml/2006/main">
   <p:cSld>
     <p:spTree>
       <p:nvGrpSpPr>
@@ -7068,7 +7605,7 @@
       </p:grpSpPr>
       <p:sp>
         <p:nvSpPr>
-          <p:cNvPr id="4098" name=""/>
+          <p:cNvPr id="4098" name="TextBox 4097"/>
           <p:cNvSpPr txBox="1"/>
           <p:nvPr/>
         </p:nvSpPr>
@@ -7091,6 +7628,7 @@
           <a:bodyPr vert="horz" wrap="square" lIns="91440" tIns="45720" rIns="91440" bIns="45720" anchor="ctr">
             <a:spAutoFit/>
           </a:bodyPr>
+          <a:lstStyle/>
           <a:p>
             <a:pPr marL="0" lvl="0" indent="0" algn="ctr" defTabSz="912932" rtl="0" eaLnBrk="1" latinLnBrk="0" hangingPunct="1">
               <a:lnSpc>
@@ -7106,9 +7644,9 @@
               <a:defRPr/>
             </a:pPr>
             <a:r>
-              <a:rPr xmlns:mc="http://schemas.openxmlformats.org/markup-compatibility/2006" xmlns:hp="http://schemas.haansoft.com/office/presentation/8.0" kumimoji="1" lang="ko-KR" altLang="en-US" sz="3600" b="1" i="0" baseline="0" mc:Ignorable="hp" hp:hslEmbossed="0">
-                <a:solidFill>
-                  <a:srgbClr val="ff7c80">
+              <a:rPr kumimoji="1" lang="ko-KR" altLang="en-US" sz="3600" b="1" i="0" baseline="0">
+                <a:solidFill>
+                  <a:srgbClr val="FF7C80">
                     <a:alpha val="100000"/>
                   </a:srgbClr>
                 </a:solidFill>
@@ -7117,21 +7655,12 @@
               </a:rPr>
               <a:t>하이퍼 파라미터</a:t>
             </a:r>
-            <a:endParaRPr xmlns:mc="http://schemas.openxmlformats.org/markup-compatibility/2006" xmlns:hp="http://schemas.haansoft.com/office/presentation/8.0" kumimoji="1" lang="ko-KR" altLang="en-US" sz="3600" b="1" i="0" baseline="0" mc:Ignorable="hp" hp:hslEmbossed="0">
-              <a:solidFill>
-                <a:srgbClr val="ff7c80">
-                  <a:alpha val="100000"/>
-                </a:srgbClr>
-              </a:solidFill>
-              <a:latin typeface="야놀자 야체 B"/>
-              <a:ea typeface="굴림"/>
-            </a:endParaRPr>
-          </a:p>
-        </p:txBody>
-      </p:sp>
-      <p:sp>
-        <p:nvSpPr>
-          <p:cNvPr id="4099" name=""/>
+          </a:p>
+        </p:txBody>
+      </p:sp>
+      <p:sp>
+        <p:nvSpPr>
+          <p:cNvPr id="4099" name="자유형: 도형 4098"/>
           <p:cNvSpPr/>
           <p:nvPr/>
         </p:nvSpPr>
@@ -7169,6 +7698,7 @@
               <a:gd name="T23" fmla="*/ 306 w 306"/>
               <a:gd name="T24" fmla="*/ 316 h 316"/>
             </a:gdLst>
+            <a:ahLst/>
             <a:cxnLst>
               <a:cxn ang="T2">
                 <a:pos x="T0" y="T1"/>
@@ -7250,6 +7780,7 @@
           <a:bodyPr vert="horz" wrap="none" lIns="91440" tIns="45720" rIns="91440" bIns="45720" anchor="t">
             <a:noAutofit/>
           </a:bodyPr>
+          <a:lstStyle/>
           <a:p>
             <a:pPr lvl="0" algn="l">
               <a:buNone/>
@@ -7285,7 +7816,7 @@
           </a:bodyPr>
           <a:lstStyle/>
           <a:p>
-            <a:pPr marL="347708" lvl="0" indent="-347708" algn="l" defTabSz="912932" rtl="0" eaLnBrk="1" latinLnBrk="1" hangingPunct="1">
+            <a:pPr marL="457200" lvl="0" indent="-457200" algn="l" defTabSz="912932" rtl="0" eaLnBrk="1" latinLnBrk="1" hangingPunct="1">
               <a:lnSpc>
                 <a:spcPct val="150000"/>
               </a:lnSpc>
@@ -7301,12 +7832,12 @@
                 </a:srgbClr>
               </a:buClr>
               <a:buSzPct val="100000"/>
-              <a:buFont typeface="Arial"/>
-              <a:buChar char="•"/>
-              <a:defRPr/>
-            </a:pPr>
-            <a:r>
-              <a:rPr xmlns:mc="http://schemas.openxmlformats.org/markup-compatibility/2006" xmlns:hp="http://schemas.haansoft.com/office/presentation/8.0" kumimoji="1" lang="ko-KR" altLang="en-US" sz="2000" b="0" i="0" baseline="0" mc:Ignorable="hp" hp:hslEmbossed="0">
+              <a:buFont typeface="+mj-lt"/>
+              <a:buAutoNum type="arabicPeriod"/>
+              <a:defRPr/>
+            </a:pPr>
+            <a:r>
+              <a:rPr kumimoji="1" lang="ko-KR" altLang="en-US" sz="2000" b="1" i="0" baseline="0" dirty="0">
                 <a:solidFill>
                   <a:srgbClr val="000000">
                     <a:alpha val="100000"/>
@@ -7318,7 +7849,7 @@
               <a:t>학습 데이터</a:t>
             </a:r>
             <a:r>
-              <a:rPr xmlns:mc="http://schemas.openxmlformats.org/markup-compatibility/2006" xmlns:hp="http://schemas.haansoft.com/office/presentation/8.0" kumimoji="1" lang="en-US" altLang="ko-KR" sz="2000" b="0" i="0" baseline="0" mc:Ignorable="hp" hp:hslEmbossed="0">
+              <a:rPr kumimoji="1" lang="en-US" altLang="ko-KR" sz="2000" b="1" i="0" baseline="0" dirty="0">
                 <a:solidFill>
                   <a:srgbClr val="000000">
                     <a:alpha val="100000"/>
@@ -7329,7 +7860,7 @@
               </a:rPr>
               <a:t>(Train)</a:t>
             </a:r>
-            <a:endParaRPr xmlns:mc="http://schemas.openxmlformats.org/markup-compatibility/2006" xmlns:hp="http://schemas.haansoft.com/office/presentation/8.0" kumimoji="1" lang="en-US" altLang="ko-KR" sz="1800" b="0" i="0" baseline="0" mc:Ignorable="hp" hp:hslEmbossed="0">
+            <a:endParaRPr kumimoji="1" lang="en-US" altLang="ko-KR" sz="1800" b="1" i="0" baseline="0" dirty="0">
               <a:solidFill>
                 <a:srgbClr val="000000">
                   <a:alpha val="100000"/>
@@ -7361,7 +7892,7 @@
               <a:defRPr/>
             </a:pPr>
             <a:r>
-              <a:rPr xmlns:mc="http://schemas.openxmlformats.org/markup-compatibility/2006" xmlns:hp="http://schemas.haansoft.com/office/presentation/8.0" kumimoji="1" lang="en-US" altLang="ko-KR" sz="1800" b="0" i="0" baseline="0" mc:Ignorable="hp" hp:hslEmbossed="0">
+              <a:rPr kumimoji="1" lang="en-US" altLang="ko-KR" sz="1800" b="0" i="0" baseline="0" dirty="0">
                 <a:solidFill>
                   <a:srgbClr val="000000">
                     <a:alpha val="100000"/>
@@ -7373,7 +7904,7 @@
               <a:t>	</a:t>
             </a:r>
             <a:r>
-              <a:rPr xmlns:mc="http://schemas.openxmlformats.org/markup-compatibility/2006" xmlns:hp="http://schemas.haansoft.com/office/presentation/8.0" kumimoji="1" lang="ko-KR" altLang="en-US" sz="1800" b="0" i="0" baseline="0" mc:Ignorable="hp" hp:hslEmbossed="0">
+              <a:rPr kumimoji="1" lang="ko-KR" altLang="en-US" sz="1800" b="0" i="0" baseline="0" dirty="0">
                 <a:solidFill>
                   <a:srgbClr val="000000">
                     <a:alpha val="100000"/>
@@ -7385,7 +7916,7 @@
               <a:t>매개변수</a:t>
             </a:r>
             <a:r>
-              <a:rPr xmlns:mc="http://schemas.openxmlformats.org/markup-compatibility/2006" xmlns:hp="http://schemas.haansoft.com/office/presentation/8.0" kumimoji="1" lang="en-US" altLang="ko-KR" sz="1800" b="0" i="0" baseline="0" mc:Ignorable="hp" hp:hslEmbossed="0">
+              <a:rPr kumimoji="1" lang="en-US" altLang="ko-KR" sz="1800" b="0" i="0" baseline="0" dirty="0">
                 <a:solidFill>
                   <a:srgbClr val="000000">
                     <a:alpha val="100000"/>
@@ -7397,7 +7928,7 @@
               <a:t>(</a:t>
             </a:r>
             <a:r>
-              <a:rPr xmlns:mc="http://schemas.openxmlformats.org/markup-compatibility/2006" xmlns:hp="http://schemas.haansoft.com/office/presentation/8.0" kumimoji="1" lang="ko-KR" altLang="en-US" sz="1800" b="0" i="0" baseline="0" mc:Ignorable="hp" hp:hslEmbossed="0">
+              <a:rPr kumimoji="1" lang="ko-KR" altLang="en-US" sz="1800" b="0" i="0" baseline="0" dirty="0">
                 <a:solidFill>
                   <a:srgbClr val="000000">
                     <a:alpha val="100000"/>
@@ -7409,7 +7940,7 @@
               <a:t>가중치와 편향</a:t>
             </a:r>
             <a:r>
-              <a:rPr xmlns:mc="http://schemas.openxmlformats.org/markup-compatibility/2006" xmlns:hp="http://schemas.haansoft.com/office/presentation/8.0" kumimoji="1" lang="en-US" altLang="ko-KR" sz="1800" b="0" i="0" baseline="0" mc:Ignorable="hp" hp:hslEmbossed="0">
+              <a:rPr kumimoji="1" lang="en-US" altLang="ko-KR" sz="1800" b="0" i="0" baseline="0" dirty="0">
                 <a:solidFill>
                   <a:srgbClr val="000000">
                     <a:alpha val="100000"/>
@@ -7421,7 +7952,7 @@
               <a:t>)</a:t>
             </a:r>
             <a:r>
-              <a:rPr xmlns:mc="http://schemas.openxmlformats.org/markup-compatibility/2006" xmlns:hp="http://schemas.haansoft.com/office/presentation/8.0" kumimoji="1" lang="ko-KR" altLang="en-US" sz="1800" b="0" i="0" baseline="0" mc:Ignorable="hp" hp:hslEmbossed="0">
+              <a:rPr kumimoji="1" lang="ko-KR" altLang="en-US" sz="1800" b="0" i="0" baseline="0" dirty="0">
                 <a:solidFill>
                   <a:srgbClr val="000000">
                     <a:alpha val="100000"/>
@@ -7432,15 +7963,6 @@
               </a:rPr>
               <a:t> 학습에 이용</a:t>
             </a:r>
-            <a:endParaRPr xmlns:mc="http://schemas.openxmlformats.org/markup-compatibility/2006" xmlns:hp="http://schemas.haansoft.com/office/presentation/8.0" kumimoji="1" lang="ko-KR" altLang="en-US" sz="1800" b="0" i="0" baseline="0" mc:Ignorable="hp" hp:hslEmbossed="0">
-              <a:solidFill>
-                <a:srgbClr val="000000">
-                  <a:alpha val="100000"/>
-                </a:srgbClr>
-              </a:solidFill>
-              <a:latin typeface="함초롬돋움"/>
-              <a:sym typeface="Arial"/>
-            </a:endParaRPr>
           </a:p>
           <a:p>
             <a:pPr marL="347708" lvl="0" indent="-347708" algn="l" defTabSz="912932" rtl="0" eaLnBrk="1" latinLnBrk="1" hangingPunct="1">
@@ -7463,7 +7985,7 @@
               <a:buNone/>
               <a:defRPr/>
             </a:pPr>
-            <a:endParaRPr xmlns:mc="http://schemas.openxmlformats.org/markup-compatibility/2006" xmlns:hp="http://schemas.haansoft.com/office/presentation/8.0" kumimoji="1" lang="ko-KR" altLang="en-US" sz="1000" b="0" i="0" baseline="0" mc:Ignorable="hp" hp:hslEmbossed="0">
+            <a:endParaRPr kumimoji="1" lang="ko-KR" altLang="en-US" sz="1000" b="0" i="0" baseline="0" dirty="0">
               <a:solidFill>
                 <a:srgbClr val="000000">
                   <a:alpha val="100000"/>
@@ -7474,7 +7996,7 @@
             </a:endParaRPr>
           </a:p>
           <a:p>
-            <a:pPr marL="347708" lvl="0" indent="-347708" algn="l" defTabSz="912932" rtl="0" eaLnBrk="1" latinLnBrk="1" hangingPunct="1">
+            <a:pPr marL="457200" lvl="0" indent="-457200" algn="l" defTabSz="912932" rtl="0" eaLnBrk="1" latinLnBrk="1" hangingPunct="1">
               <a:lnSpc>
                 <a:spcPct val="150000"/>
               </a:lnSpc>
@@ -7490,12 +8012,12 @@
                 </a:srgbClr>
               </a:buClr>
               <a:buSzPct val="100000"/>
-              <a:buFont typeface="Arial"/>
-              <a:buChar char="•"/>
-              <a:defRPr/>
-            </a:pPr>
-            <a:r>
-              <a:rPr xmlns:mc="http://schemas.openxmlformats.org/markup-compatibility/2006" xmlns:hp="http://schemas.haansoft.com/office/presentation/8.0" kumimoji="1" lang="ko-KR" altLang="en-US" sz="2000" b="0" i="0" baseline="0" mc:Ignorable="hp" hp:hslEmbossed="0">
+              <a:buFont typeface="+mj-lt"/>
+              <a:buAutoNum type="arabicPeriod" startAt="2"/>
+              <a:defRPr/>
+            </a:pPr>
+            <a:r>
+              <a:rPr kumimoji="1" lang="ko-KR" altLang="en-US" sz="2000" b="1" i="0" baseline="0" dirty="0">
                 <a:solidFill>
                   <a:srgbClr val="000000">
                     <a:alpha val="100000"/>
@@ -7507,7 +8029,7 @@
               <a:t>검증 데이터</a:t>
             </a:r>
             <a:r>
-              <a:rPr xmlns:mc="http://schemas.openxmlformats.org/markup-compatibility/2006" xmlns:hp="http://schemas.haansoft.com/office/presentation/8.0" kumimoji="1" lang="en-US" altLang="ko-KR" sz="2000" b="0" i="0" baseline="0" mc:Ignorable="hp" hp:hslEmbossed="0">
+              <a:rPr kumimoji="1" lang="en-US" altLang="ko-KR" sz="2000" b="1" i="0" baseline="0" dirty="0">
                 <a:solidFill>
                   <a:srgbClr val="000000">
                     <a:alpha val="100000"/>
@@ -7518,7 +8040,7 @@
               </a:rPr>
               <a:t>(Valid)</a:t>
             </a:r>
-            <a:endParaRPr xmlns:mc="http://schemas.openxmlformats.org/markup-compatibility/2006" xmlns:hp="http://schemas.haansoft.com/office/presentation/8.0" kumimoji="1" lang="en-US" altLang="ko-KR" sz="1800" b="0" i="0" baseline="0" mc:Ignorable="hp" hp:hslEmbossed="0">
+            <a:endParaRPr kumimoji="1" lang="en-US" altLang="ko-KR" sz="1800" b="1" i="0" baseline="0" dirty="0">
               <a:solidFill>
                 <a:srgbClr val="000000">
                   <a:alpha val="100000"/>
@@ -7550,7 +8072,7 @@
               <a:defRPr/>
             </a:pPr>
             <a:r>
-              <a:rPr xmlns:mc="http://schemas.openxmlformats.org/markup-compatibility/2006" xmlns:hp="http://schemas.haansoft.com/office/presentation/8.0" kumimoji="1" lang="en-US" altLang="ko-KR" sz="1800" b="0" i="0" baseline="0" mc:Ignorable="hp" hp:hslEmbossed="0">
+              <a:rPr kumimoji="1" lang="en-US" altLang="ko-KR" sz="1800" b="0" i="0" baseline="0" dirty="0">
                 <a:solidFill>
                   <a:srgbClr val="000000">
                     <a:alpha val="100000"/>
@@ -7562,26 +8084,29 @@
               <a:t>	</a:t>
             </a:r>
             <a:r>
-              <a:rPr xmlns:mc="http://schemas.openxmlformats.org/markup-compatibility/2006" xmlns:hp="http://schemas.haansoft.com/office/presentation/8.0" kumimoji="1" lang="ko-KR" altLang="en-US" sz="1800" b="0" i="0" baseline="0" mc:Ignorable="hp" hp:hslEmbossed="0">
-                <a:solidFill>
-                  <a:srgbClr val="000000">
-                    <a:alpha val="100000"/>
-                  </a:srgbClr>
-                </a:solidFill>
-                <a:latin typeface="함초롬돋움"/>
-                <a:sym typeface="Arial"/>
-              </a:rPr>
-              <a:t>하이퍼 파라미터의 성능을 평가하는데 이용</a:t>
-            </a:r>
-            <a:endParaRPr xmlns:mc="http://schemas.openxmlformats.org/markup-compatibility/2006" xmlns:hp="http://schemas.haansoft.com/office/presentation/8.0" kumimoji="1" lang="ko-KR" altLang="en-US" sz="1800" b="0" i="0" baseline="0" mc:Ignorable="hp" hp:hslEmbossed="0">
-              <a:solidFill>
-                <a:srgbClr val="000000">
-                  <a:alpha val="100000"/>
-                </a:srgbClr>
-              </a:solidFill>
-              <a:latin typeface="함초롬돋움"/>
-              <a:sym typeface="Arial"/>
-            </a:endParaRPr>
+              <a:rPr kumimoji="1" lang="ko-KR" altLang="en-US" sz="1800" b="0" i="0" baseline="0" dirty="0" err="1">
+                <a:solidFill>
+                  <a:srgbClr val="000000">
+                    <a:alpha val="100000"/>
+                  </a:srgbClr>
+                </a:solidFill>
+                <a:latin typeface="함초롬돋움"/>
+                <a:sym typeface="Arial"/>
+              </a:rPr>
+              <a:t>하이퍼</a:t>
+            </a:r>
+            <a:r>
+              <a:rPr kumimoji="1" lang="ko-KR" altLang="en-US" sz="1800" b="0" i="0" baseline="0" dirty="0">
+                <a:solidFill>
+                  <a:srgbClr val="000000">
+                    <a:alpha val="100000"/>
+                  </a:srgbClr>
+                </a:solidFill>
+                <a:latin typeface="함초롬돋움"/>
+                <a:sym typeface="Arial"/>
+              </a:rPr>
+              <a:t> 파라미터의 성능을 평가하는데 이용</a:t>
+            </a:r>
           </a:p>
           <a:p>
             <a:pPr marL="347708" lvl="0" indent="-347708" algn="l" defTabSz="912932" rtl="0" eaLnBrk="1" latinLnBrk="1" hangingPunct="1">
@@ -7604,7 +8129,7 @@
               <a:buNone/>
               <a:defRPr/>
             </a:pPr>
-            <a:endParaRPr xmlns:mc="http://schemas.openxmlformats.org/markup-compatibility/2006" xmlns:hp="http://schemas.haansoft.com/office/presentation/8.0" kumimoji="1" lang="ko-KR" altLang="en-US" sz="1000" b="0" i="0" baseline="0" mc:Ignorable="hp" hp:hslEmbossed="0">
+            <a:endParaRPr kumimoji="1" lang="ko-KR" altLang="en-US" sz="1000" b="0" i="0" baseline="0" dirty="0">
               <a:solidFill>
                 <a:srgbClr val="000000">
                   <a:alpha val="100000"/>
@@ -7615,7 +8140,7 @@
             </a:endParaRPr>
           </a:p>
           <a:p>
-            <a:pPr marL="347708" lvl="0" indent="-347708" algn="l" defTabSz="912932" rtl="0" eaLnBrk="1" latinLnBrk="1" hangingPunct="1">
+            <a:pPr marL="457200" lvl="0" indent="-457200" algn="l" defTabSz="912932" rtl="0" eaLnBrk="1" latinLnBrk="1" hangingPunct="1">
               <a:lnSpc>
                 <a:spcPct val="150000"/>
               </a:lnSpc>
@@ -7631,12 +8156,12 @@
                 </a:srgbClr>
               </a:buClr>
               <a:buSzPct val="100000"/>
-              <a:buFont typeface="Arial"/>
-              <a:buChar char="•"/>
-              <a:defRPr/>
-            </a:pPr>
-            <a:r>
-              <a:rPr xmlns:mc="http://schemas.openxmlformats.org/markup-compatibility/2006" xmlns:hp="http://schemas.haansoft.com/office/presentation/8.0" kumimoji="1" lang="ko-KR" altLang="en-US" sz="2000" b="0" i="0" baseline="0" mc:Ignorable="hp" hp:hslEmbossed="0">
+              <a:buFont typeface="+mj-lt"/>
+              <a:buAutoNum type="arabicPeriod" startAt="3"/>
+              <a:defRPr/>
+            </a:pPr>
+            <a:r>
+              <a:rPr kumimoji="1" lang="ko-KR" altLang="en-US" sz="2000" b="1" i="0" baseline="0" dirty="0">
                 <a:solidFill>
                   <a:srgbClr val="000000">
                     <a:alpha val="100000"/>
@@ -7648,7 +8173,7 @@
               <a:t>테스트 데이터</a:t>
             </a:r>
             <a:r>
-              <a:rPr xmlns:mc="http://schemas.openxmlformats.org/markup-compatibility/2006" xmlns:hp="http://schemas.haansoft.com/office/presentation/8.0" kumimoji="1" lang="en-US" altLang="ko-KR" sz="2000" b="0" i="0" baseline="0" mc:Ignorable="hp" hp:hslEmbossed="0">
+              <a:rPr kumimoji="1" lang="en-US" altLang="ko-KR" sz="2000" b="1" i="0" baseline="0" dirty="0">
                 <a:solidFill>
                   <a:srgbClr val="000000">
                     <a:alpha val="100000"/>
@@ -7659,7 +8184,7 @@
               </a:rPr>
               <a:t>(Test)</a:t>
             </a:r>
-            <a:endParaRPr xmlns:mc="http://schemas.openxmlformats.org/markup-compatibility/2006" xmlns:hp="http://schemas.haansoft.com/office/presentation/8.0" kumimoji="1" lang="en-US" altLang="ko-KR" sz="1800" b="0" i="0" baseline="0" mc:Ignorable="hp" hp:hslEmbossed="0">
+            <a:endParaRPr kumimoji="1" lang="en-US" altLang="ko-KR" sz="1800" b="1" i="0" baseline="0" dirty="0">
               <a:solidFill>
                 <a:srgbClr val="000000">
                   <a:alpha val="100000"/>
@@ -7691,7 +8216,7 @@
               <a:defRPr/>
             </a:pPr>
             <a:r>
-              <a:rPr xmlns:mc="http://schemas.openxmlformats.org/markup-compatibility/2006" xmlns:hp="http://schemas.haansoft.com/office/presentation/8.0" kumimoji="1" lang="en-US" altLang="ko-KR" sz="1800" b="0" i="0" baseline="0" mc:Ignorable="hp" hp:hslEmbossed="0">
+              <a:rPr kumimoji="1" lang="en-US" altLang="ko-KR" sz="1800" b="0" i="0" baseline="0" dirty="0">
                 <a:solidFill>
                   <a:srgbClr val="000000">
                     <a:alpha val="100000"/>
@@ -7703,7 +8228,7 @@
               <a:t>	</a:t>
             </a:r>
             <a:r>
-              <a:rPr xmlns:mc="http://schemas.openxmlformats.org/markup-compatibility/2006" xmlns:hp="http://schemas.haansoft.com/office/presentation/8.0" kumimoji="1" lang="ko-KR" altLang="en-US" sz="1800" b="0" i="0" baseline="0" mc:Ignorable="hp" hp:hslEmbossed="0">
+              <a:rPr kumimoji="1" lang="ko-KR" altLang="en-US" sz="1800" b="0" i="0" baseline="0" dirty="0">
                 <a:solidFill>
                   <a:srgbClr val="000000">
                     <a:alpha val="100000"/>
@@ -7715,7 +8240,7 @@
               <a:t>신경망의 범용 성능을 평가하는데 이용</a:t>
             </a:r>
             <a:r>
-              <a:rPr xmlns:mc="http://schemas.openxmlformats.org/markup-compatibility/2006" xmlns:hp="http://schemas.haansoft.com/office/presentation/8.0" kumimoji="1" lang="en-US" altLang="ko-KR" sz="1800" b="0" i="0" baseline="0" mc:Ignorable="hp" hp:hslEmbossed="0">
+              <a:rPr kumimoji="1" lang="en-US" altLang="ko-KR" sz="1800" b="0" i="0" baseline="0" dirty="0">
                 <a:solidFill>
                   <a:srgbClr val="000000">
                     <a:alpha val="100000"/>
@@ -7727,7 +8252,7 @@
               <a:t>,</a:t>
             </a:r>
             <a:r>
-              <a:rPr xmlns:mc="http://schemas.openxmlformats.org/markup-compatibility/2006" xmlns:hp="http://schemas.haansoft.com/office/presentation/8.0" kumimoji="1" lang="ko-KR" altLang="en-US" sz="1800" b="0" i="0" baseline="0" mc:Ignorable="hp" hp:hslEmbossed="0">
+              <a:rPr kumimoji="1" lang="ko-KR" altLang="en-US" sz="1800" b="0" i="0" baseline="0" dirty="0">
                 <a:solidFill>
                   <a:srgbClr val="000000">
                     <a:alpha val="100000"/>
@@ -7739,7 +8264,7 @@
               <a:t> </a:t>
             </a:r>
             <a:r>
-              <a:rPr xmlns:mc="http://schemas.openxmlformats.org/markup-compatibility/2006" xmlns:hp="http://schemas.haansoft.com/office/presentation/8.0" kumimoji="1" lang="en-US" altLang="ko-KR" sz="1800" b="0" i="0" baseline="0" mc:Ignorable="hp" hp:hslEmbossed="0">
+              <a:rPr kumimoji="1" lang="en-US" altLang="ko-KR" sz="1800" b="0" i="0" baseline="0" dirty="0">
                 <a:solidFill>
                   <a:srgbClr val="000000">
                     <a:alpha val="100000"/>
@@ -7751,7 +8276,7 @@
               <a:t>Test</a:t>
             </a:r>
             <a:r>
-              <a:rPr xmlns:mc="http://schemas.openxmlformats.org/markup-compatibility/2006" xmlns:hp="http://schemas.haansoft.com/office/presentation/8.0" kumimoji="1" lang="ko-KR" altLang="en-US" sz="1800" b="0" i="0" baseline="0" mc:Ignorable="hp" hp:hslEmbossed="0">
+              <a:rPr kumimoji="1" lang="ko-KR" altLang="en-US" sz="1800" b="0" i="0" baseline="0" dirty="0">
                 <a:solidFill>
                   <a:srgbClr val="000000">
                     <a:alpha val="100000"/>
@@ -7763,7 +8288,7 @@
               <a:t> 데이터로 범용 성능</a:t>
             </a:r>
             <a:r>
-              <a:rPr xmlns:mc="http://schemas.openxmlformats.org/markup-compatibility/2006" xmlns:hp="http://schemas.haansoft.com/office/presentation/8.0" kumimoji="1" lang="en-US" altLang="ko-KR" sz="1800" b="0" i="0" baseline="0" mc:Ignorable="hp" hp:hslEmbossed="0">
+              <a:rPr kumimoji="1" lang="en-US" altLang="ko-KR" sz="1800" b="0" i="0" baseline="0" dirty="0">
                 <a:solidFill>
                   <a:srgbClr val="000000">
                     <a:alpha val="100000"/>
@@ -7775,7 +8300,7 @@
               <a:t>,</a:t>
             </a:r>
             <a:r>
-              <a:rPr xmlns:mc="http://schemas.openxmlformats.org/markup-compatibility/2006" xmlns:hp="http://schemas.haansoft.com/office/presentation/8.0" kumimoji="1" lang="ko-KR" altLang="en-US" sz="1800" b="0" i="0" baseline="0" mc:Ignorable="hp" hp:hslEmbossed="0">
+              <a:rPr kumimoji="1" lang="ko-KR" altLang="en-US" sz="1800" b="0" i="0" baseline="0" dirty="0">
                 <a:solidFill>
                   <a:srgbClr val="000000">
                     <a:alpha val="100000"/>
@@ -7787,7 +8312,7 @@
               <a:t> 파라미터 성능 평가를 동시에 하면 안됨 </a:t>
             </a:r>
             <a:r>
-              <a:rPr xmlns:mc="http://schemas.openxmlformats.org/markup-compatibility/2006" xmlns:hp="http://schemas.haansoft.com/office/presentation/8.0" kumimoji="1" lang="en-US" altLang="ko-KR" sz="1800" b="0" i="0" baseline="0" mc:Ignorable="hp" hp:hslEmbossed="0">
+              <a:rPr kumimoji="1" lang="en-US" altLang="ko-KR" sz="1800" b="0" i="0" baseline="0" dirty="0">
                 <a:solidFill>
                   <a:srgbClr val="000000">
                     <a:alpha val="100000"/>
@@ -7799,7 +8324,7 @@
               <a:t>(</a:t>
             </a:r>
             <a:r>
-              <a:rPr xmlns:mc="http://schemas.openxmlformats.org/markup-compatibility/2006" xmlns:hp="http://schemas.haansoft.com/office/presentation/8.0" kumimoji="1" lang="ko-KR" altLang="en-US" sz="1800" b="0" i="0" baseline="0" mc:Ignorable="hp" hp:hslEmbossed="0">
+              <a:rPr kumimoji="1" lang="ko-KR" altLang="en-US" sz="1800" b="0" i="0" baseline="0" dirty="0">
                 <a:solidFill>
                   <a:srgbClr val="000000">
                     <a:alpha val="100000"/>
@@ -7811,7 +8336,7 @@
               <a:t>과적합의 문제가 발생할 수 있음</a:t>
             </a:r>
             <a:r>
-              <a:rPr xmlns:mc="http://schemas.openxmlformats.org/markup-compatibility/2006" xmlns:hp="http://schemas.haansoft.com/office/presentation/8.0" kumimoji="1" lang="en-US" altLang="ko-KR" sz="1800" b="0" i="0" baseline="0" mc:Ignorable="hp" hp:hslEmbossed="0">
+              <a:rPr kumimoji="1" lang="en-US" altLang="ko-KR" sz="1800" b="0" i="0" baseline="0" dirty="0">
                 <a:solidFill>
                   <a:srgbClr val="000000">
                     <a:alpha val="100000"/>
@@ -7822,15 +8347,6 @@
               </a:rPr>
               <a:t>)</a:t>
             </a:r>
-            <a:endParaRPr xmlns:mc="http://schemas.openxmlformats.org/markup-compatibility/2006" xmlns:hp="http://schemas.haansoft.com/office/presentation/8.0" kumimoji="1" lang="en-US" altLang="ko-KR" sz="1800" b="0" i="0" baseline="0" mc:Ignorable="hp" hp:hslEmbossed="0">
-              <a:solidFill>
-                <a:srgbClr val="000000">
-                  <a:alpha val="100000"/>
-                </a:srgbClr>
-              </a:solidFill>
-              <a:latin typeface="함초롬돋움"/>
-              <a:sym typeface="Arial"/>
-            </a:endParaRPr>
           </a:p>
         </p:txBody>
       </p:sp>
@@ -7839,11 +8355,11 @@
   <p:clrMapOvr>
     <a:masterClrMapping/>
   </p:clrMapOvr>
-  <mc:AlternateContent xmlns:mc="http://schemas.openxmlformats.org/markup-compatibility/2006">
-    <mc:Choice xmlns:p14="http://schemas.microsoft.com/office/powerpoint/2010/main" Requires="p14">
-      <p:transition xmlns:mc="http://schemas.openxmlformats.org/markup-compatibility/2006" xmlns:p14="http://schemas.microsoft.com/office/powerpoint/2010/main" mc:Ignorable="p14" p14:dur="500"/>
+  <mc:AlternateContent xmlns:mc="http://schemas.openxmlformats.org/markup-compatibility/2006" xmlns:p14="http://schemas.microsoft.com/office/powerpoint/2010/main">
+    <mc:Choice Requires="p14">
+      <p:transition/>
     </mc:Choice>
-    <mc:Fallback>
+    <mc:Fallback xmlns="" xmlns:c="http://schemas.openxmlformats.org/drawingml/2006/chart" xmlns:dgm="http://schemas.openxmlformats.org/drawingml/2006/diagram" xmlns:dsp="http://schemas.microsoft.com/office/drawing/2008/diagram">
       <p:transition/>
     </mc:Fallback>
   </mc:AlternateContent>
@@ -7851,7 +8367,7 @@
 </file>
 
 <file path=ppt/slides/slide6.xml><?xml version="1.0" encoding="utf-8"?>
-<p:sld xmlns:r="http://schemas.openxmlformats.org/officeDocument/2006/relationships" xmlns:c="http://schemas.openxmlformats.org/drawingml/2006/chart" xmlns:a="http://schemas.openxmlformats.org/drawingml/2006/main" xmlns:dgm="http://schemas.openxmlformats.org/drawingml/2006/diagram" xmlns:dsp="http://schemas.microsoft.com/office/drawing/2008/diagram" xmlns:p="http://schemas.openxmlformats.org/presentationml/2006/main">
+<p:sld xmlns:a="http://schemas.openxmlformats.org/drawingml/2006/main" xmlns:r="http://schemas.openxmlformats.org/officeDocument/2006/relationships" xmlns:p="http://schemas.openxmlformats.org/presentationml/2006/main">
   <p:cSld>
     <p:spTree>
       <p:nvGrpSpPr>
@@ -7869,7 +8385,7 @@
       </p:grpSpPr>
       <p:sp>
         <p:nvSpPr>
-          <p:cNvPr id="4098" name=""/>
+          <p:cNvPr id="4098" name="TextBox 4097"/>
           <p:cNvSpPr txBox="1"/>
           <p:nvPr/>
         </p:nvSpPr>
@@ -7892,6 +8408,7 @@
           <a:bodyPr vert="horz" wrap="square" lIns="91440" tIns="45720" rIns="91440" bIns="45720" anchor="ctr">
             <a:spAutoFit/>
           </a:bodyPr>
+          <a:lstStyle/>
           <a:p>
             <a:pPr marL="0" lvl="0" indent="0" algn="ctr" defTabSz="912932" rtl="0" eaLnBrk="1" latinLnBrk="0" hangingPunct="1">
               <a:lnSpc>
@@ -7907,9 +8424,9 @@
               <a:defRPr/>
             </a:pPr>
             <a:r>
-              <a:rPr xmlns:mc="http://schemas.openxmlformats.org/markup-compatibility/2006" xmlns:hp="http://schemas.haansoft.com/office/presentation/8.0" kumimoji="1" lang="ko-KR" altLang="en-US" sz="3600" b="1" i="0" baseline="0" mc:Ignorable="hp" hp:hslEmbossed="0">
-                <a:solidFill>
-                  <a:srgbClr val="ff7c80">
+              <a:rPr kumimoji="1" lang="ko-KR" altLang="en-US" sz="3600" b="1" i="0" baseline="0">
+                <a:solidFill>
+                  <a:srgbClr val="FF7C80">
                     <a:alpha val="100000"/>
                   </a:srgbClr>
                 </a:solidFill>
@@ -7918,21 +8435,12 @@
               </a:rPr>
               <a:t>하이퍼 파라미터 최적화</a:t>
             </a:r>
-            <a:endParaRPr xmlns:mc="http://schemas.openxmlformats.org/markup-compatibility/2006" xmlns:hp="http://schemas.haansoft.com/office/presentation/8.0" kumimoji="1" lang="ko-KR" altLang="en-US" sz="3600" b="1" i="0" baseline="0" mc:Ignorable="hp" hp:hslEmbossed="0">
-              <a:solidFill>
-                <a:srgbClr val="ff7c80">
-                  <a:alpha val="100000"/>
-                </a:srgbClr>
-              </a:solidFill>
-              <a:latin typeface="야놀자 야체 B"/>
-              <a:ea typeface="굴림"/>
-            </a:endParaRPr>
-          </a:p>
-        </p:txBody>
-      </p:sp>
-      <p:sp>
-        <p:nvSpPr>
-          <p:cNvPr id="4099" name=""/>
+          </a:p>
+        </p:txBody>
+      </p:sp>
+      <p:sp>
+        <p:nvSpPr>
+          <p:cNvPr id="4099" name="자유형: 도형 4098"/>
           <p:cNvSpPr/>
           <p:nvPr/>
         </p:nvSpPr>
@@ -7970,6 +8478,7 @@
               <a:gd name="T23" fmla="*/ 306 w 306"/>
               <a:gd name="T24" fmla="*/ 316 h 316"/>
             </a:gdLst>
+            <a:ahLst/>
             <a:cxnLst>
               <a:cxn ang="T2">
                 <a:pos x="T0" y="T1"/>
@@ -8051,6 +8560,7 @@
           <a:bodyPr vert="horz" wrap="none" lIns="91440" tIns="45720" rIns="91440" bIns="45720" anchor="t">
             <a:noAutofit/>
           </a:bodyPr>
+          <a:lstStyle/>
           <a:p>
             <a:pPr lvl="0" algn="l">
               <a:buNone/>
@@ -8076,8 +8586,8 @@
         </p:nvSpPr>
         <p:spPr>
           <a:xfrm>
-            <a:off x="754075" y="1266777"/>
-            <a:ext cx="10669215" cy="5113916"/>
+            <a:off x="754075" y="1626737"/>
+            <a:ext cx="10669215" cy="4753956"/>
           </a:xfrm>
         </p:spPr>
         <p:txBody>
@@ -8107,48 +8617,97 @@
               <a:defRPr/>
             </a:pPr>
             <a:r>
-              <a:rPr xmlns:mc="http://schemas.openxmlformats.org/markup-compatibility/2006" xmlns:hp="http://schemas.haansoft.com/office/presentation/8.0" kumimoji="1" lang="ko-KR" altLang="en-US" sz="1400" b="0" i="0" baseline="0" mc:Ignorable="hp" hp:hslEmbossed="0">
-                <a:solidFill>
-                  <a:srgbClr val="000000">
-                    <a:alpha val="100000"/>
-                  </a:srgbClr>
-                </a:solidFill>
-                <a:latin typeface="함초롬돋움"/>
-                <a:sym typeface="Arial"/>
-              </a:rPr>
-              <a:t>하이퍼 파라미터를 최적화할 때의 핵심은 하이퍼 파라미터의 </a:t>
-            </a:r>
-            <a:r>
-              <a:rPr xmlns:mc="http://schemas.openxmlformats.org/markup-compatibility/2006" xmlns:hp="http://schemas.haansoft.com/office/presentation/8.0" kumimoji="1" lang="ko-KR" altLang="en-US" sz="1400" b="1" i="0" baseline="0" mc:Ignorable="hp" hp:hslEmbossed="0">
-                <a:solidFill>
-                  <a:srgbClr val="ff0000"/>
-                </a:solidFill>
-                <a:latin typeface="함초롬돋움"/>
-                <a:sym typeface="Arial"/>
-              </a:rPr>
-              <a:t>"최적 값"</a:t>
-            </a:r>
-            <a:r>
-              <a:rPr xmlns:mc="http://schemas.openxmlformats.org/markup-compatibility/2006" xmlns:hp="http://schemas.haansoft.com/office/presentation/8.0" kumimoji="1" lang="ko-KR" altLang="en-US" sz="1400" b="0" i="0" baseline="0" mc:Ignorable="hp" hp:hslEmbossed="0">
-                <a:solidFill>
-                  <a:srgbClr val="000000">
-                    <a:alpha val="100000"/>
-                  </a:srgbClr>
-                </a:solidFill>
-                <a:latin typeface="함초롬돋움"/>
-                <a:sym typeface="Arial"/>
-              </a:rPr>
-              <a:t>이 존재하는 범위를 조금씩 줄여간다는 것이다.</a:t>
-            </a:r>
-            <a:endParaRPr xmlns:mc="http://schemas.openxmlformats.org/markup-compatibility/2006" xmlns:hp="http://schemas.haansoft.com/office/presentation/8.0" kumimoji="1" lang="ko-KR" altLang="en-US" sz="1400" b="0" i="0" baseline="0" mc:Ignorable="hp" hp:hslEmbossed="0">
-              <a:solidFill>
-                <a:srgbClr val="000000">
-                  <a:alpha val="100000"/>
-                </a:srgbClr>
-              </a:solidFill>
-              <a:latin typeface="함초롬돋움"/>
-              <a:sym typeface="Arial"/>
-            </a:endParaRPr>
+              <a:rPr kumimoji="1" lang="ko-KR" altLang="en-US" sz="1400" b="0" i="0" baseline="0" dirty="0" err="1">
+                <a:solidFill>
+                  <a:srgbClr val="000000">
+                    <a:alpha val="100000"/>
+                  </a:srgbClr>
+                </a:solidFill>
+                <a:latin typeface="함초롬돋움"/>
+                <a:sym typeface="Arial"/>
+              </a:rPr>
+              <a:t>하이퍼</a:t>
+            </a:r>
+            <a:r>
+              <a:rPr kumimoji="1" lang="ko-KR" altLang="en-US" sz="1400" b="0" i="0" baseline="0" dirty="0">
+                <a:solidFill>
+                  <a:srgbClr val="000000">
+                    <a:alpha val="100000"/>
+                  </a:srgbClr>
+                </a:solidFill>
+                <a:latin typeface="함초롬돋움"/>
+                <a:sym typeface="Arial"/>
+              </a:rPr>
+              <a:t> 파라미터를 최적화할 때의 핵심은 </a:t>
+            </a:r>
+            <a:r>
+              <a:rPr kumimoji="1" lang="ko-KR" altLang="en-US" sz="1400" b="0" i="0" baseline="0" dirty="0" err="1">
+                <a:solidFill>
+                  <a:srgbClr val="000000">
+                    <a:alpha val="100000"/>
+                  </a:srgbClr>
+                </a:solidFill>
+                <a:latin typeface="함초롬돋움"/>
+                <a:sym typeface="Arial"/>
+              </a:rPr>
+              <a:t>하이퍼</a:t>
+            </a:r>
+            <a:r>
+              <a:rPr kumimoji="1" lang="ko-KR" altLang="en-US" sz="1400" b="0" i="0" baseline="0" dirty="0">
+                <a:solidFill>
+                  <a:srgbClr val="000000">
+                    <a:alpha val="100000"/>
+                  </a:srgbClr>
+                </a:solidFill>
+                <a:latin typeface="함초롬돋움"/>
+                <a:sym typeface="Arial"/>
+              </a:rPr>
+              <a:t> 파라미터의 </a:t>
+            </a:r>
+            <a:r>
+              <a:rPr kumimoji="1" lang="ko-KR" altLang="en-US" sz="1400" b="1" i="0" baseline="0" dirty="0">
+                <a:solidFill>
+                  <a:srgbClr val="FF0000"/>
+                </a:solidFill>
+                <a:latin typeface="함초롬돋움"/>
+                <a:sym typeface="Arial"/>
+              </a:rPr>
+              <a:t>"최적 </a:t>
+            </a:r>
+            <a:r>
+              <a:rPr kumimoji="1" lang="ko-KR" altLang="en-US" sz="1400" b="1" i="0" baseline="0" dirty="0" err="1">
+                <a:solidFill>
+                  <a:srgbClr val="FF0000"/>
+                </a:solidFill>
+                <a:latin typeface="함초롬돋움"/>
+                <a:sym typeface="Arial"/>
+              </a:rPr>
+              <a:t>값"</a:t>
+            </a:r>
+            <a:r>
+              <a:rPr kumimoji="1" lang="ko-KR" altLang="en-US" sz="1400" b="0" i="0" baseline="0" dirty="0" err="1">
+                <a:solidFill>
+                  <a:srgbClr val="000000">
+                    <a:alpha val="100000"/>
+                  </a:srgbClr>
+                </a:solidFill>
+                <a:latin typeface="함초롬돋움"/>
+                <a:sym typeface="Arial"/>
+              </a:rPr>
+              <a:t>이</a:t>
+            </a:r>
+            <a:r>
+              <a:rPr kumimoji="1" lang="ko-KR" altLang="en-US" sz="1400" b="0" i="0" baseline="0" dirty="0">
+                <a:solidFill>
+                  <a:srgbClr val="000000">
+                    <a:alpha val="100000"/>
+                  </a:srgbClr>
+                </a:solidFill>
+                <a:latin typeface="함초롬돋움"/>
+                <a:sym typeface="Arial"/>
+              </a:rPr>
+              <a:t> 존재하는 범위를 조금씩 줄여간다는 것이다.</a:t>
+            </a:r>
           </a:p>
           <a:p>
             <a:pPr marL="347708" lvl="0" indent="-347708" algn="l" defTabSz="912932" rtl="0" eaLnBrk="1" latinLnBrk="1" hangingPunct="1">
@@ -8172,7 +8731,7 @@
               <a:defRPr/>
             </a:pPr>
             <a:r>
-              <a:rPr xmlns:mc="http://schemas.openxmlformats.org/markup-compatibility/2006" xmlns:hp="http://schemas.haansoft.com/office/presentation/8.0" kumimoji="1" lang="ko-KR" altLang="en-US" sz="1400" b="0" i="0" baseline="0" mc:Ignorable="hp" hp:hslEmbossed="0">
+              <a:rPr kumimoji="1" lang="ko-KR" altLang="en-US" sz="1400" b="0" i="0" baseline="0" dirty="0">
                 <a:solidFill>
                   <a:srgbClr val="000000">
                     <a:alpha val="100000"/>
@@ -8184,7 +8743,7 @@
               <a:t>	</a:t>
             </a:r>
             <a:r>
-              <a:rPr xmlns:mc="http://schemas.openxmlformats.org/markup-compatibility/2006" xmlns:hp="http://schemas.haansoft.com/office/presentation/8.0" kumimoji="1" lang="en-US" altLang="ko-KR" sz="1400" b="1" i="0" baseline="0" mc:Ignorable="hp" hp:hslEmbossed="0">
+              <a:rPr kumimoji="1" lang="en-US" altLang="ko-KR" sz="1400" b="1" i="0" baseline="0" dirty="0">
                 <a:solidFill>
                   <a:srgbClr val="000000">
                     <a:alpha val="100000"/>
@@ -8196,26 +8755,41 @@
               <a:t>&lt;</a:t>
             </a:r>
             <a:r>
-              <a:rPr xmlns:mc="http://schemas.openxmlformats.org/markup-compatibility/2006" xmlns:hp="http://schemas.haansoft.com/office/presentation/8.0" kumimoji="1" lang="ko-KR" altLang="en-US" sz="1400" b="1" i="0" baseline="0" mc:Ignorable="hp" hp:hslEmbossed="0">
-                <a:solidFill>
-                  <a:srgbClr val="000000">
-                    <a:alpha val="100000"/>
-                  </a:srgbClr>
-                </a:solidFill>
-                <a:latin typeface="함초롬돋움"/>
-                <a:sym typeface="Arial"/>
-              </a:rPr>
-              <a:t> Step 1 &gt;</a:t>
-            </a:r>
-            <a:endParaRPr xmlns:mc="http://schemas.openxmlformats.org/markup-compatibility/2006" xmlns:hp="http://schemas.haansoft.com/office/presentation/8.0" kumimoji="1" lang="ko-KR" altLang="en-US" sz="1400" b="1" i="0" baseline="0" mc:Ignorable="hp" hp:hslEmbossed="0">
-              <a:solidFill>
-                <a:srgbClr val="000000">
-                  <a:alpha val="100000"/>
-                </a:srgbClr>
-              </a:solidFill>
-              <a:latin typeface="함초롬돋움"/>
-              <a:sym typeface="Arial"/>
-            </a:endParaRPr>
+              <a:rPr kumimoji="1" lang="ko-KR" altLang="en-US" sz="1400" b="1" i="0" baseline="0" dirty="0">
+                <a:solidFill>
+                  <a:srgbClr val="000000">
+                    <a:alpha val="100000"/>
+                  </a:srgbClr>
+                </a:solidFill>
+                <a:latin typeface="함초롬돋움"/>
+                <a:sym typeface="Arial"/>
+              </a:rPr>
+              <a:t> </a:t>
+            </a:r>
+            <a:r>
+              <a:rPr kumimoji="1" lang="ko-KR" altLang="en-US" sz="1400" b="1" i="0" baseline="0" dirty="0" err="1">
+                <a:solidFill>
+                  <a:srgbClr val="000000">
+                    <a:alpha val="100000"/>
+                  </a:srgbClr>
+                </a:solidFill>
+                <a:latin typeface="함초롬돋움"/>
+                <a:sym typeface="Arial"/>
+              </a:rPr>
+              <a:t>Step</a:t>
+            </a:r>
+            <a:r>
+              <a:rPr kumimoji="1" lang="ko-KR" altLang="en-US" sz="1400" b="1" i="0" baseline="0" dirty="0">
+                <a:solidFill>
+                  <a:srgbClr val="000000">
+                    <a:alpha val="100000"/>
+                  </a:srgbClr>
+                </a:solidFill>
+                <a:latin typeface="함초롬돋움"/>
+                <a:sym typeface="Arial"/>
+              </a:rPr>
+              <a:t> 1 &gt;</a:t>
+            </a:r>
           </a:p>
           <a:p>
             <a:pPr marL="347708" lvl="0" indent="-347708" algn="l" defTabSz="912932" rtl="0" eaLnBrk="1" latinLnBrk="1" hangingPunct="1">
@@ -8239,26 +8813,41 @@
               <a:defRPr/>
             </a:pPr>
             <a:r>
-              <a:rPr xmlns:mc="http://schemas.openxmlformats.org/markup-compatibility/2006" xmlns:hp="http://schemas.haansoft.com/office/presentation/8.0" kumimoji="1" lang="ko-KR" altLang="en-US" sz="1400" b="1" i="0" baseline="0" mc:Ignorable="hp" hp:hslEmbossed="0">
-                <a:solidFill>
-                  <a:srgbClr val="000000">
-                    <a:alpha val="100000"/>
-                  </a:srgbClr>
-                </a:solidFill>
-                <a:latin typeface="함초롬돋움"/>
-                <a:sym typeface="Arial"/>
-              </a:rPr>
-              <a:t>	- 대략적인 범위를 설정하고 그 범위에서 무작위로 하이퍼 파라미터 값을 샘플링한 후, 그 값으로 정확도를 평가</a:t>
-            </a:r>
-            <a:endParaRPr xmlns:mc="http://schemas.openxmlformats.org/markup-compatibility/2006" xmlns:hp="http://schemas.haansoft.com/office/presentation/8.0" kumimoji="1" lang="ko-KR" altLang="en-US" sz="1400" b="1" i="0" baseline="0" mc:Ignorable="hp" hp:hslEmbossed="0">
-              <a:solidFill>
-                <a:srgbClr val="000000">
-                  <a:alpha val="100000"/>
-                </a:srgbClr>
-              </a:solidFill>
-              <a:latin typeface="함초롬돋움"/>
-              <a:sym typeface="Arial"/>
-            </a:endParaRPr>
+              <a:rPr kumimoji="1" lang="ko-KR" altLang="en-US" sz="1400" b="1" i="0" baseline="0" dirty="0">
+                <a:solidFill>
+                  <a:srgbClr val="000000">
+                    <a:alpha val="100000"/>
+                  </a:srgbClr>
+                </a:solidFill>
+                <a:latin typeface="함초롬돋움"/>
+                <a:sym typeface="Arial"/>
+              </a:rPr>
+              <a:t>	- 대략적인 범위를 설정하고 그 범위에서 무작위로 </a:t>
+            </a:r>
+            <a:r>
+              <a:rPr kumimoji="1" lang="ko-KR" altLang="en-US" sz="1400" b="1" i="0" baseline="0" dirty="0" err="1">
+                <a:solidFill>
+                  <a:srgbClr val="000000">
+                    <a:alpha val="100000"/>
+                  </a:srgbClr>
+                </a:solidFill>
+                <a:latin typeface="함초롬돋움"/>
+                <a:sym typeface="Arial"/>
+              </a:rPr>
+              <a:t>하이퍼</a:t>
+            </a:r>
+            <a:r>
+              <a:rPr kumimoji="1" lang="ko-KR" altLang="en-US" sz="1400" b="1" i="0" baseline="0" dirty="0">
+                <a:solidFill>
+                  <a:srgbClr val="000000">
+                    <a:alpha val="100000"/>
+                  </a:srgbClr>
+                </a:solidFill>
+                <a:latin typeface="함초롬돋움"/>
+                <a:sym typeface="Arial"/>
+              </a:rPr>
+              <a:t> 파라미터 값을 샘플링한 후, 그 값으로 정확도를 평가</a:t>
+            </a:r>
           </a:p>
           <a:p>
             <a:pPr marL="347708" lvl="0" indent="-347708" algn="l" defTabSz="912932" rtl="0" eaLnBrk="1" latinLnBrk="1" hangingPunct="1">
@@ -8282,26 +8871,41 @@
               <a:defRPr/>
             </a:pPr>
             <a:r>
-              <a:rPr xmlns:mc="http://schemas.openxmlformats.org/markup-compatibility/2006" xmlns:hp="http://schemas.haansoft.com/office/presentation/8.0" kumimoji="1" lang="ko-KR" altLang="en-US" sz="1400" b="1" i="0" baseline="0" mc:Ignorable="hp" hp:hslEmbossed="0">
-                <a:solidFill>
-                  <a:srgbClr val="000000">
-                    <a:alpha val="100000"/>
-                  </a:srgbClr>
-                </a:solidFill>
-                <a:latin typeface="함초롬돋움"/>
-                <a:sym typeface="Arial"/>
-              </a:rPr>
-              <a:t>	&lt; Step 2 &gt;</a:t>
-            </a:r>
-            <a:endParaRPr xmlns:mc="http://schemas.openxmlformats.org/markup-compatibility/2006" xmlns:hp="http://schemas.haansoft.com/office/presentation/8.0" kumimoji="1" lang="ko-KR" altLang="en-US" sz="1400" b="1" i="0" baseline="0" mc:Ignorable="hp" hp:hslEmbossed="0">
-              <a:solidFill>
-                <a:srgbClr val="000000">
-                  <a:alpha val="100000"/>
-                </a:srgbClr>
-              </a:solidFill>
-              <a:latin typeface="함초롬돋움"/>
-              <a:sym typeface="Arial"/>
-            </a:endParaRPr>
+              <a:rPr kumimoji="1" lang="ko-KR" altLang="en-US" sz="1400" b="1" i="0" baseline="0" dirty="0">
+                <a:solidFill>
+                  <a:srgbClr val="000000">
+                    <a:alpha val="100000"/>
+                  </a:srgbClr>
+                </a:solidFill>
+                <a:latin typeface="함초롬돋움"/>
+                <a:sym typeface="Arial"/>
+              </a:rPr>
+              <a:t>	&lt; </a:t>
+            </a:r>
+            <a:r>
+              <a:rPr kumimoji="1" lang="ko-KR" altLang="en-US" sz="1400" b="1" i="0" baseline="0" dirty="0" err="1">
+                <a:solidFill>
+                  <a:srgbClr val="000000">
+                    <a:alpha val="100000"/>
+                  </a:srgbClr>
+                </a:solidFill>
+                <a:latin typeface="함초롬돋움"/>
+                <a:sym typeface="Arial"/>
+              </a:rPr>
+              <a:t>Step</a:t>
+            </a:r>
+            <a:r>
+              <a:rPr kumimoji="1" lang="ko-KR" altLang="en-US" sz="1400" b="1" i="0" baseline="0" dirty="0">
+                <a:solidFill>
+                  <a:srgbClr val="000000">
+                    <a:alpha val="100000"/>
+                  </a:srgbClr>
+                </a:solidFill>
+                <a:latin typeface="함초롬돋움"/>
+                <a:sym typeface="Arial"/>
+              </a:rPr>
+              <a:t> 2 &gt;</a:t>
+            </a:r>
           </a:p>
           <a:p>
             <a:pPr marL="347708" lvl="0" indent="-347708" algn="l" defTabSz="912932" rtl="0" eaLnBrk="1" latinLnBrk="1" hangingPunct="1">
@@ -8325,18 +8929,78 @@
               <a:defRPr/>
             </a:pPr>
             <a:r>
-              <a:rPr xmlns:mc="http://schemas.openxmlformats.org/markup-compatibility/2006" xmlns:hp="http://schemas.haansoft.com/office/presentation/8.0" kumimoji="1" lang="ko-KR" altLang="en-US" sz="1400" b="1" i="0" baseline="0" mc:Ignorable="hp" hp:hslEmbossed="0">
-                <a:solidFill>
-                  <a:srgbClr val="000000">
-                    <a:alpha val="100000"/>
-                  </a:srgbClr>
-                </a:solidFill>
-                <a:latin typeface="함초롬돋움"/>
-                <a:sym typeface="Arial"/>
-              </a:rPr>
-              <a:t>	- 정확도를 살펴보면서 Step 1 과정을 여러 번 반복하며 하이퍼 파라미터의 최적 값의 범위를 좁혀가기</a:t>
-            </a:r>
-            <a:endParaRPr xmlns:mc="http://schemas.openxmlformats.org/markup-compatibility/2006" xmlns:hp="http://schemas.haansoft.com/office/presentation/8.0" kumimoji="1" lang="ko-KR" altLang="en-US" sz="1400" b="0" i="0" baseline="0" mc:Ignorable="hp" hp:hslEmbossed="0">
+              <a:rPr kumimoji="1" lang="ko-KR" altLang="en-US" sz="1400" b="1" i="0" baseline="0" dirty="0">
+                <a:solidFill>
+                  <a:srgbClr val="000000">
+                    <a:alpha val="100000"/>
+                  </a:srgbClr>
+                </a:solidFill>
+                <a:latin typeface="함초롬돋움"/>
+                <a:sym typeface="Arial"/>
+              </a:rPr>
+              <a:t>	- 정확도를 살펴보면서 </a:t>
+            </a:r>
+            <a:r>
+              <a:rPr kumimoji="1" lang="ko-KR" altLang="en-US" sz="1400" b="1" i="0" baseline="0" dirty="0" err="1">
+                <a:solidFill>
+                  <a:srgbClr val="000000">
+                    <a:alpha val="100000"/>
+                  </a:srgbClr>
+                </a:solidFill>
+                <a:latin typeface="함초롬돋움"/>
+                <a:sym typeface="Arial"/>
+              </a:rPr>
+              <a:t>Step</a:t>
+            </a:r>
+            <a:r>
+              <a:rPr kumimoji="1" lang="ko-KR" altLang="en-US" sz="1400" b="1" i="0" baseline="0" dirty="0">
+                <a:solidFill>
+                  <a:srgbClr val="000000">
+                    <a:alpha val="100000"/>
+                  </a:srgbClr>
+                </a:solidFill>
+                <a:latin typeface="함초롬돋움"/>
+                <a:sym typeface="Arial"/>
+              </a:rPr>
+              <a:t> 1 과정을 여러 번 반복하며 </a:t>
+            </a:r>
+            <a:r>
+              <a:rPr kumimoji="1" lang="ko-KR" altLang="en-US" sz="1400" b="1" i="0" baseline="0" dirty="0" err="1">
+                <a:solidFill>
+                  <a:srgbClr val="000000">
+                    <a:alpha val="100000"/>
+                  </a:srgbClr>
+                </a:solidFill>
+                <a:latin typeface="함초롬돋움"/>
+                <a:sym typeface="Arial"/>
+              </a:rPr>
+              <a:t>하이퍼</a:t>
+            </a:r>
+            <a:r>
+              <a:rPr kumimoji="1" lang="ko-KR" altLang="en-US" sz="1400" b="1" i="0" baseline="0" dirty="0">
+                <a:solidFill>
+                  <a:srgbClr val="000000">
+                    <a:alpha val="100000"/>
+                  </a:srgbClr>
+                </a:solidFill>
+                <a:latin typeface="함초롬돋움"/>
+                <a:sym typeface="Arial"/>
+              </a:rPr>
+              <a:t> 파라미터의 최적 값의 범위를 </a:t>
+            </a:r>
+            <a:r>
+              <a:rPr kumimoji="1" lang="ko-KR" altLang="en-US" sz="1400" b="1" i="0" baseline="0" dirty="0" err="1">
+                <a:solidFill>
+                  <a:srgbClr val="000000">
+                    <a:alpha val="100000"/>
+                  </a:srgbClr>
+                </a:solidFill>
+                <a:latin typeface="함초롬돋움"/>
+                <a:sym typeface="Arial"/>
+              </a:rPr>
+              <a:t>좁혀가기</a:t>
+            </a:r>
+            <a:endParaRPr kumimoji="1" lang="en-US" altLang="ko-KR" sz="1400" b="1" i="0" baseline="0" dirty="0">
               <a:solidFill>
                 <a:srgbClr val="000000">
                   <a:alpha val="100000"/>
@@ -8364,91 +9028,20 @@
               </a:buClr>
               <a:buSzPct val="100000"/>
               <a:buFont typeface="Arial"/>
-              <a:buChar char="•"/>
-              <a:defRPr/>
-            </a:pPr>
-            <a:r>
-              <a:rPr xmlns:mc="http://schemas.openxmlformats.org/markup-compatibility/2006" xmlns:hp="http://schemas.haansoft.com/office/presentation/8.0" kumimoji="1" lang="ko-KR" altLang="en-US" sz="1400" b="0" i="0" baseline="0" mc:Ignorable="hp" hp:hslEmbossed="0">
-                <a:solidFill>
-                  <a:srgbClr val="000000">
-                    <a:alpha val="100000"/>
-                  </a:srgbClr>
-                </a:solidFill>
-                <a:latin typeface="함초롬돋움"/>
-                <a:sym typeface="Arial"/>
-              </a:rPr>
-              <a:t>신경망의 하이퍼 파라미터 최적화에서는 "그리드 서치(Grid Search)"와 같은 규칙적인 탐색보다는 </a:t>
-            </a:r>
-            <a:r>
-              <a:rPr xmlns:mc="http://schemas.openxmlformats.org/markup-compatibility/2006" xmlns:hp="http://schemas.haansoft.com/office/presentation/8.0" kumimoji="1" lang="ko-KR" altLang="en-US" sz="1400" b="1" i="0" baseline="0" mc:Ignorable="hp" hp:hslEmbossed="0">
-                <a:solidFill>
-                  <a:srgbClr val="ff0000"/>
-                </a:solidFill>
-                <a:latin typeface="함초롬돋움"/>
-                <a:sym typeface="Arial"/>
-              </a:rPr>
-              <a:t>무작위로 샘플링을 해서 탐색하는 편이 좋은 결과</a:t>
-            </a:r>
-            <a:r>
-              <a:rPr xmlns:mc="http://schemas.openxmlformats.org/markup-compatibility/2006" xmlns:hp="http://schemas.haansoft.com/office/presentation/8.0" kumimoji="1" lang="ko-KR" altLang="en-US" sz="1400" b="0" i="0" baseline="0" mc:Ignorable="hp" hp:hslEmbossed="0">
-                <a:solidFill>
-                  <a:srgbClr val="000000">
-                    <a:alpha val="100000"/>
-                  </a:srgbClr>
-                </a:solidFill>
-                <a:latin typeface="함초롬돋움"/>
-                <a:sym typeface="Arial"/>
-              </a:rPr>
-              <a:t>를 낸다고 알려져 있다. </a:t>
-            </a:r>
-            <a:r>
-              <a:rPr xmlns:mc="http://schemas.openxmlformats.org/markup-compatibility/2006" xmlns:hp="http://schemas.haansoft.com/office/presentation/8.0" kumimoji="1" lang="en-US" altLang="ko-KR" sz="1400" b="0" i="0" baseline="0" mc:Ignorable="hp" hp:hslEmbossed="0">
-                <a:solidFill>
-                  <a:srgbClr val="000000">
-                    <a:alpha val="100000"/>
-                  </a:srgbClr>
-                </a:solidFill>
-                <a:latin typeface="함초롬돋움"/>
-                <a:sym typeface="Arial"/>
-              </a:rPr>
-              <a:t>(</a:t>
-            </a:r>
-            <a:r>
-              <a:rPr xmlns:mc="http://schemas.openxmlformats.org/markup-compatibility/2006" xmlns:hp="http://schemas.haansoft.com/office/presentation/8.0" kumimoji="1" lang="ko-KR" altLang="en-US" sz="1400" b="0" i="0" baseline="0" mc:Ignorable="hp" hp:hslEmbossed="0">
-                <a:solidFill>
-                  <a:srgbClr val="000000">
-                    <a:alpha val="100000"/>
-                  </a:srgbClr>
-                </a:solidFill>
-                <a:latin typeface="함초롬돋움"/>
-                <a:sym typeface="Arial"/>
-              </a:rPr>
-              <a:t> 최종 정확도에 미치는 영향력이 하이퍼 파라미터마다 다르므로 </a:t>
-            </a:r>
-            <a:r>
-              <a:rPr xmlns:mc="http://schemas.openxmlformats.org/markup-compatibility/2006" xmlns:hp="http://schemas.haansoft.com/office/presentation/8.0" kumimoji="1" lang="en-US" altLang="ko-KR" sz="1400" b="0" i="0" baseline="0" mc:Ignorable="hp" hp:hslEmbossed="0">
-                <a:solidFill>
-                  <a:srgbClr val="000000">
-                    <a:alpha val="100000"/>
-                  </a:srgbClr>
-                </a:solidFill>
-                <a:latin typeface="함초롬돋움"/>
-                <a:sym typeface="Arial"/>
-              </a:rPr>
-              <a:t>)</a:t>
-            </a:r>
-            <a:endParaRPr xmlns:mc="http://schemas.openxmlformats.org/markup-compatibility/2006" xmlns:hp="http://schemas.haansoft.com/office/presentation/8.0" kumimoji="1" lang="en-US" altLang="ko-KR" sz="1400" b="0" i="0" baseline="0" mc:Ignorable="hp" hp:hslEmbossed="0">
+              <a:buNone/>
+              <a:defRPr/>
+            </a:pPr>
+            <a:endParaRPr kumimoji="1" lang="en-US" altLang="ko-KR" sz="1400" b="1" dirty="0">
               <a:solidFill>
                 <a:srgbClr val="000000">
                   <a:alpha val="100000"/>
                 </a:srgbClr>
               </a:solidFill>
               <a:latin typeface="함초롬돋움"/>
-              <a:sym typeface="Arial"/>
             </a:endParaRPr>
           </a:p>
           <a:p>
-            <a:pPr marL="347708" lvl="0" indent="-347708" algn="l" defTabSz="912932" rtl="0" eaLnBrk="1" latinLnBrk="1" hangingPunct="1">
+            <a:pPr lvl="0" algn="l" defTabSz="912932" rtl="0" eaLnBrk="1" latinLnBrk="1" hangingPunct="1">
               <a:lnSpc>
                 <a:spcPct val="200000"/>
               </a:lnSpc>
@@ -8464,77 +9057,76 @@
                 </a:srgbClr>
               </a:buClr>
               <a:buSzPct val="100000"/>
-              <a:buFont typeface="Arial"/>
+              <a:buFont typeface="Arial" panose="020B0604020202020204" pitchFamily="34" charset="0"/>
               <a:buChar char="•"/>
               <a:defRPr/>
             </a:pPr>
             <a:r>
-              <a:rPr xmlns:mc="http://schemas.openxmlformats.org/markup-compatibility/2006" xmlns:hp="http://schemas.haansoft.com/office/presentation/8.0" kumimoji="1" lang="ko-KR" altLang="en-US" sz="1400" b="0" i="0" baseline="0" mc:Ignorable="hp" hp:hslEmbossed="0">
-                <a:solidFill>
-                  <a:srgbClr val="000000">
-                    <a:alpha val="100000"/>
-                  </a:srgbClr>
-                </a:solidFill>
-                <a:latin typeface="함초롬돋움"/>
-                <a:sym typeface="Arial"/>
-              </a:rPr>
-              <a:t>따라서 하이퍼 파라미터 범위는 "10의 거듭제곱" 단위와 같이 "대략적으로" 지정하는 것이 효과적이다.</a:t>
-            </a:r>
-            <a:endParaRPr xmlns:mc="http://schemas.openxmlformats.org/markup-compatibility/2006" xmlns:hp="http://schemas.haansoft.com/office/presentation/8.0" kumimoji="1" lang="ko-KR" altLang="en-US" sz="1400" b="0" i="0" baseline="0" mc:Ignorable="hp" hp:hslEmbossed="0">
-              <a:solidFill>
-                <a:srgbClr val="000000">
-                  <a:alpha val="100000"/>
-                </a:srgbClr>
-              </a:solidFill>
-              <a:latin typeface="함초롬돋움"/>
-              <a:sym typeface="Arial"/>
-            </a:endParaRPr>
-          </a:p>
-          <a:p>
-            <a:pPr marL="347708" lvl="0" indent="-347708" algn="l" defTabSz="912932" rtl="0" eaLnBrk="1" latinLnBrk="1" hangingPunct="1">
-              <a:lnSpc>
-                <a:spcPct val="200000"/>
-              </a:lnSpc>
-              <a:spcBef>
-                <a:spcPct val="20000"/>
-              </a:spcBef>
-              <a:spcAft>
-                <a:spcPct val="0"/>
-              </a:spcAft>
-              <a:buClr>
-                <a:srgbClr val="000000">
-                  <a:alpha val="100000"/>
-                </a:srgbClr>
-              </a:buClr>
-              <a:buSzPct val="100000"/>
-              <a:buFont typeface="Arial"/>
-              <a:buChar char="•"/>
-              <a:defRPr/>
-            </a:pPr>
-            <a:r>
-              <a:rPr xmlns:mc="http://schemas.openxmlformats.org/markup-compatibility/2006" xmlns:hp="http://schemas.haansoft.com/office/presentation/8.0" kumimoji="1" lang="ko-KR" altLang="en-US" sz="1400" b="0" i="0" baseline="0" mc:Ignorable="hp" hp:hslEmbossed="0">
-                <a:solidFill>
-                  <a:srgbClr val="000000">
-                    <a:alpha val="100000"/>
-                  </a:srgbClr>
-                </a:solidFill>
-                <a:latin typeface="함초롬돋움"/>
-                <a:sym typeface="Arial"/>
-              </a:rPr>
-              <a:t>하이퍼 파라미터를 최적화할 때는 오랜 시간이 걸린다는 점을 항상 기억해야 한다. 따라서 학습을 위한 </a:t>
-            </a:r>
-            <a:r>
-              <a:rPr xmlns:mc="http://schemas.openxmlformats.org/markup-compatibility/2006" xmlns:hp="http://schemas.haansoft.com/office/presentation/8.0" kumimoji="1" lang="ko-KR" altLang="en-US" sz="1400" b="1" i="0" baseline="0" mc:Ignorable="hp" hp:hslEmbossed="0">
-                <a:solidFill>
-                  <a:srgbClr val="ff0000"/>
-                </a:solidFill>
-                <a:latin typeface="함초롬돋움"/>
-                <a:sym typeface="Arial"/>
-              </a:rPr>
-              <a:t>에폭(Epoch)을 작게 해서 1회 평가에 걸리는 시간을 단축하는 것이 효과적</a:t>
-            </a:r>
-            <a:r>
-              <a:rPr xmlns:mc="http://schemas.openxmlformats.org/markup-compatibility/2006" xmlns:hp="http://schemas.haansoft.com/office/presentation/8.0" kumimoji="1" lang="ko-KR" altLang="en-US" sz="1400" b="0" i="0" baseline="0" mc:Ignorable="hp" hp:hslEmbossed="0">
+              <a:rPr kumimoji="1" lang="ko-KR" altLang="en-US" sz="1400" b="0" i="0" baseline="0" dirty="0" err="1">
+                <a:solidFill>
+                  <a:srgbClr val="000000">
+                    <a:alpha val="100000"/>
+                  </a:srgbClr>
+                </a:solidFill>
+                <a:latin typeface="함초롬돋움"/>
+                <a:sym typeface="Arial"/>
+              </a:rPr>
+              <a:t>하이퍼</a:t>
+            </a:r>
+            <a:r>
+              <a:rPr kumimoji="1" lang="ko-KR" altLang="en-US" sz="1400" b="0" i="0" baseline="0" dirty="0">
+                <a:solidFill>
+                  <a:srgbClr val="000000">
+                    <a:alpha val="100000"/>
+                  </a:srgbClr>
+                </a:solidFill>
+                <a:latin typeface="함초롬돋움"/>
+                <a:sym typeface="Arial"/>
+              </a:rPr>
+              <a:t> 파라미터를 최적화할 때는 오랜 시간이 걸린다는 점을 항상 기억해야 한다. 따라서 학습을 위한 </a:t>
+            </a:r>
+            <a:r>
+              <a:rPr kumimoji="1" lang="ko-KR" altLang="en-US" sz="1400" b="1" i="0" baseline="0" dirty="0" err="1">
+                <a:solidFill>
+                  <a:srgbClr val="FF0000"/>
+                </a:solidFill>
+                <a:latin typeface="함초롬돋움"/>
+                <a:sym typeface="Arial"/>
+              </a:rPr>
+              <a:t>에폭</a:t>
+            </a:r>
+            <a:r>
+              <a:rPr kumimoji="1" lang="ko-KR" altLang="en-US" sz="1400" b="1" i="0" baseline="0" dirty="0">
+                <a:solidFill>
+                  <a:srgbClr val="FF0000"/>
+                </a:solidFill>
+                <a:latin typeface="함초롬돋움"/>
+                <a:sym typeface="Arial"/>
+              </a:rPr>
+              <a:t>(</a:t>
+            </a:r>
+            <a:r>
+              <a:rPr kumimoji="1" lang="ko-KR" altLang="en-US" sz="1400" b="1" i="0" baseline="0" dirty="0" err="1">
+                <a:solidFill>
+                  <a:srgbClr val="FF0000"/>
+                </a:solidFill>
+                <a:latin typeface="함초롬돋움"/>
+                <a:sym typeface="Arial"/>
+              </a:rPr>
+              <a:t>Epoch</a:t>
+            </a:r>
+            <a:r>
+              <a:rPr kumimoji="1" lang="ko-KR" altLang="en-US" sz="1400" b="1" i="0" baseline="0" dirty="0">
+                <a:solidFill>
+                  <a:srgbClr val="FF0000"/>
+                </a:solidFill>
+                <a:latin typeface="함초롬돋움"/>
+                <a:sym typeface="Arial"/>
+              </a:rPr>
+              <a:t>)을 작게 해서 1회 평가에 걸리는 시간을 단축하는 것이 효과적</a:t>
+            </a:r>
+            <a:r>
+              <a:rPr kumimoji="1" lang="ko-KR" altLang="en-US" sz="1400" b="0" i="0" baseline="0" dirty="0">
                 <a:solidFill>
                   <a:srgbClr val="000000">
                     <a:alpha val="100000"/>
@@ -8545,15 +9137,6 @@
               </a:rPr>
               <a:t>이다.</a:t>
             </a:r>
-            <a:endParaRPr xmlns:mc="http://schemas.openxmlformats.org/markup-compatibility/2006" xmlns:hp="http://schemas.haansoft.com/office/presentation/8.0" kumimoji="1" lang="ko-KR" altLang="en-US" sz="1400" b="0" i="0" baseline="0" mc:Ignorable="hp" hp:hslEmbossed="0">
-              <a:solidFill>
-                <a:srgbClr val="000000">
-                  <a:alpha val="100000"/>
-                </a:srgbClr>
-              </a:solidFill>
-              <a:latin typeface="함초롬돋움"/>
-              <a:sym typeface="Arial"/>
-            </a:endParaRPr>
           </a:p>
         </p:txBody>
       </p:sp>
@@ -8562,11 +9145,11 @@
   <p:clrMapOvr>
     <a:masterClrMapping/>
   </p:clrMapOvr>
-  <mc:AlternateContent xmlns:mc="http://schemas.openxmlformats.org/markup-compatibility/2006">
-    <mc:Choice xmlns:p14="http://schemas.microsoft.com/office/powerpoint/2010/main" Requires="p14">
-      <p:transition xmlns:mc="http://schemas.openxmlformats.org/markup-compatibility/2006" xmlns:p14="http://schemas.microsoft.com/office/powerpoint/2010/main" mc:Ignorable="p14" p14:dur="500"/>
+  <mc:AlternateContent xmlns:mc="http://schemas.openxmlformats.org/markup-compatibility/2006" xmlns:p14="http://schemas.microsoft.com/office/powerpoint/2010/main">
+    <mc:Choice Requires="p14">
+      <p:transition/>
     </mc:Choice>
-    <mc:Fallback>
+    <mc:Fallback xmlns="" xmlns:c="http://schemas.openxmlformats.org/drawingml/2006/chart" xmlns:dgm="http://schemas.openxmlformats.org/drawingml/2006/diagram" xmlns:dsp="http://schemas.microsoft.com/office/drawing/2008/diagram">
       <p:transition/>
     </mc:Fallback>
   </mc:AlternateContent>
@@ -8574,7 +9157,7 @@
 </file>
 
 <file path=ppt/slides/slide7.xml><?xml version="1.0" encoding="utf-8"?>
-<p:sld xmlns:r="http://schemas.openxmlformats.org/officeDocument/2006/relationships" xmlns:c="http://schemas.openxmlformats.org/drawingml/2006/chart" xmlns:a="http://schemas.openxmlformats.org/drawingml/2006/main" xmlns:dgm="http://schemas.openxmlformats.org/drawingml/2006/diagram" xmlns:dsp="http://schemas.microsoft.com/office/drawing/2008/diagram" xmlns:p="http://schemas.openxmlformats.org/presentationml/2006/main">
+<p:sld xmlns:a="http://schemas.openxmlformats.org/drawingml/2006/main" xmlns:r="http://schemas.openxmlformats.org/officeDocument/2006/relationships" xmlns:p="http://schemas.openxmlformats.org/presentationml/2006/main">
   <p:cSld>
     <p:spTree>
       <p:nvGrpSpPr>
@@ -8592,7 +9175,7 @@
       </p:grpSpPr>
       <p:sp>
         <p:nvSpPr>
-          <p:cNvPr id="4098" name=""/>
+          <p:cNvPr id="4098" name="TextBox 4097"/>
           <p:cNvSpPr txBox="1"/>
           <p:nvPr/>
         </p:nvSpPr>
@@ -8615,6 +9198,7 @@
           <a:bodyPr vert="horz" wrap="square" lIns="91440" tIns="45720" rIns="91440" bIns="45720" anchor="ctr">
             <a:spAutoFit/>
           </a:bodyPr>
+          <a:lstStyle/>
           <a:p>
             <a:pPr marL="0" lvl="0" indent="0" algn="ctr" defTabSz="912932" rtl="0" eaLnBrk="1" latinLnBrk="0" hangingPunct="1">
               <a:lnSpc>
@@ -8630,9 +9214,9 @@
               <a:defRPr/>
             </a:pPr>
             <a:r>
-              <a:rPr xmlns:mc="http://schemas.openxmlformats.org/markup-compatibility/2006" xmlns:hp="http://schemas.haansoft.com/office/presentation/8.0" kumimoji="1" lang="ko-KR" altLang="en-US" sz="3600" b="1" i="0" baseline="0" mc:Ignorable="hp" hp:hslEmbossed="0">
-                <a:solidFill>
-                  <a:srgbClr val="ff7c80">
+              <a:rPr kumimoji="1" lang="ko-KR" altLang="en-US" sz="3600" b="1" i="0" baseline="0">
+                <a:solidFill>
+                  <a:srgbClr val="FF7C80">
                     <a:alpha val="100000"/>
                   </a:srgbClr>
                 </a:solidFill>
@@ -8641,21 +9225,12 @@
               </a:rPr>
               <a:t>하이퍼 파라미터 최적화</a:t>
             </a:r>
-            <a:endParaRPr xmlns:mc="http://schemas.openxmlformats.org/markup-compatibility/2006" xmlns:hp="http://schemas.haansoft.com/office/presentation/8.0" kumimoji="1" lang="ko-KR" altLang="en-US" sz="3600" b="1" i="0" baseline="0" mc:Ignorable="hp" hp:hslEmbossed="0">
-              <a:solidFill>
-                <a:srgbClr val="ff7c80">
-                  <a:alpha val="100000"/>
-                </a:srgbClr>
-              </a:solidFill>
-              <a:latin typeface="야놀자 야체 B"/>
-              <a:ea typeface="굴림"/>
-            </a:endParaRPr>
-          </a:p>
-        </p:txBody>
-      </p:sp>
-      <p:sp>
-        <p:nvSpPr>
-          <p:cNvPr id="4099" name=""/>
+          </a:p>
+        </p:txBody>
+      </p:sp>
+      <p:sp>
+        <p:nvSpPr>
+          <p:cNvPr id="4099" name="자유형: 도형 4098"/>
           <p:cNvSpPr/>
           <p:nvPr/>
         </p:nvSpPr>
@@ -8693,6 +9268,7 @@
               <a:gd name="T23" fmla="*/ 306 w 306"/>
               <a:gd name="T24" fmla="*/ 316 h 316"/>
             </a:gdLst>
+            <a:ahLst/>
             <a:cxnLst>
               <a:cxn ang="T2">
                 <a:pos x="T0" y="T1"/>
@@ -8774,6 +9350,7 @@
           <a:bodyPr vert="horz" wrap="none" lIns="91440" tIns="45720" rIns="91440" bIns="45720" anchor="t">
             <a:noAutofit/>
           </a:bodyPr>
+          <a:lstStyle/>
           <a:p>
             <a:pPr lvl="0" algn="l">
               <a:buNone/>
@@ -8809,7 +9386,7 @@
           </a:bodyPr>
           <a:lstStyle/>
           <a:p>
-            <a:pPr marL="347708" lvl="0" indent="-347708" algn="l" defTabSz="912932" rtl="0" eaLnBrk="1" latinLnBrk="1" hangingPunct="1">
+            <a:pPr marL="457200" lvl="0" indent="-457200" algn="l" defTabSz="912932" rtl="0" eaLnBrk="1" latinLnBrk="1" hangingPunct="1">
               <a:lnSpc>
                 <a:spcPct val="150000"/>
               </a:lnSpc>
@@ -8825,31 +9402,58 @@
                 </a:srgbClr>
               </a:buClr>
               <a:buSzPct val="100000"/>
-              <a:buFont typeface="Arial"/>
-              <a:buChar char="•"/>
-              <a:defRPr/>
-            </a:pPr>
-            <a:r>
-              <a:rPr xmlns:mc="http://schemas.openxmlformats.org/markup-compatibility/2006" xmlns:hp="http://schemas.haansoft.com/office/presentation/8.0" kumimoji="1" lang="ko-KR" altLang="en-US" sz="2000" b="1" i="0" baseline="0" mc:Ignorable="hp" hp:hslEmbossed="0">
-                <a:solidFill>
-                  <a:srgbClr val="000000">
-                    <a:alpha val="100000"/>
-                  </a:srgbClr>
-                </a:solidFill>
-                <a:latin typeface="함초롬돋움"/>
-                <a:sym typeface="Arial"/>
-              </a:rPr>
-              <a:t>Manual Search( 직관에 의한 방법 )</a:t>
-            </a:r>
-            <a:endParaRPr xmlns:mc="http://schemas.openxmlformats.org/markup-compatibility/2006" xmlns:hp="http://schemas.haansoft.com/office/presentation/8.0" kumimoji="1" lang="ko-KR" altLang="en-US" sz="2000" b="1" i="0" baseline="0" mc:Ignorable="hp" hp:hslEmbossed="0">
-              <a:solidFill>
-                <a:srgbClr val="000000">
-                  <a:alpha val="100000"/>
-                </a:srgbClr>
-              </a:solidFill>
-              <a:latin typeface="함초롬돋움"/>
-              <a:sym typeface="Arial"/>
-            </a:endParaRPr>
+              <a:buFont typeface="+mj-lt"/>
+              <a:buAutoNum type="arabicPeriod"/>
+              <a:defRPr/>
+            </a:pPr>
+            <a:r>
+              <a:rPr kumimoji="1" lang="ko-KR" altLang="en-US" sz="1800" b="1" i="0" baseline="0" dirty="0" err="1">
+                <a:solidFill>
+                  <a:srgbClr val="000000">
+                    <a:alpha val="100000"/>
+                  </a:srgbClr>
+                </a:solidFill>
+                <a:latin typeface="함초롬돋움"/>
+                <a:sym typeface="Arial"/>
+              </a:rPr>
+              <a:t>Manual</a:t>
+            </a:r>
+            <a:r>
+              <a:rPr kumimoji="1" lang="ko-KR" altLang="en-US" sz="1800" b="1" i="0" baseline="0" dirty="0">
+                <a:solidFill>
+                  <a:srgbClr val="000000">
+                    <a:alpha val="100000"/>
+                  </a:srgbClr>
+                </a:solidFill>
+                <a:latin typeface="함초롬돋움"/>
+                <a:sym typeface="Arial"/>
+              </a:rPr>
+              <a:t> </a:t>
+            </a:r>
+            <a:r>
+              <a:rPr kumimoji="1" lang="ko-KR" altLang="en-US" sz="1800" b="1" i="0" baseline="0" dirty="0" err="1">
+                <a:solidFill>
+                  <a:srgbClr val="000000">
+                    <a:alpha val="100000"/>
+                  </a:srgbClr>
+                </a:solidFill>
+                <a:latin typeface="함초롬돋움"/>
+                <a:sym typeface="Arial"/>
+              </a:rPr>
+              <a:t>Search</a:t>
+            </a:r>
+            <a:r>
+              <a:rPr kumimoji="1" lang="ko-KR" altLang="en-US" sz="1800" b="1" i="0" baseline="0" dirty="0">
+                <a:solidFill>
+                  <a:srgbClr val="000000">
+                    <a:alpha val="100000"/>
+                  </a:srgbClr>
+                </a:solidFill>
+                <a:latin typeface="함초롬돋움"/>
+                <a:sym typeface="Arial"/>
+              </a:rPr>
+              <a:t> ( 직관에 의한 방법 )</a:t>
+            </a:r>
           </a:p>
           <a:p>
             <a:pPr marL="347708" lvl="0" indent="-347708" algn="l" defTabSz="912932" rtl="0" eaLnBrk="1" latinLnBrk="1" hangingPunct="1">
@@ -8873,7 +9477,7 @@
               <a:defRPr/>
             </a:pPr>
             <a:r>
-              <a:rPr xmlns:mc="http://schemas.openxmlformats.org/markup-compatibility/2006" xmlns:hp="http://schemas.haansoft.com/office/presentation/8.0" kumimoji="1" lang="en-US" altLang="ko-KR" sz="2000" b="0" i="0" baseline="0" mc:Ignorable="hp" hp:hslEmbossed="0">
+              <a:rPr kumimoji="1" lang="en-US" altLang="ko-KR" sz="1800" b="0" i="0" baseline="0" dirty="0">
                 <a:solidFill>
                   <a:srgbClr val="000000">
                     <a:alpha val="100000"/>
@@ -8885,7 +9489,7 @@
               <a:t>-</a:t>
             </a:r>
             <a:r>
-              <a:rPr xmlns:mc="http://schemas.openxmlformats.org/markup-compatibility/2006" xmlns:hp="http://schemas.haansoft.com/office/presentation/8.0" kumimoji="1" lang="ko-KR" altLang="en-US" sz="2000" b="0" i="0" baseline="0" mc:Ignorable="hp" hp:hslEmbossed="0">
+              <a:rPr kumimoji="1" lang="ko-KR" altLang="en-US" sz="1800" b="0" i="0" baseline="0" dirty="0">
                 <a:solidFill>
                   <a:srgbClr val="000000">
                     <a:alpha val="100000"/>
@@ -8897,7 +9501,7 @@
               <a:t>	반복 수행을 통해서 범위를 줄여 나감</a:t>
             </a:r>
             <a:r>
-              <a:rPr xmlns:mc="http://schemas.openxmlformats.org/markup-compatibility/2006" xmlns:hp="http://schemas.haansoft.com/office/presentation/8.0" kumimoji="1" lang="en-US" altLang="ko-KR" sz="2000" b="0" i="0" baseline="0" mc:Ignorable="hp" hp:hslEmbossed="0">
+              <a:rPr kumimoji="1" lang="en-US" altLang="ko-KR" sz="1800" b="0" i="0" baseline="0" dirty="0">
                 <a:solidFill>
                   <a:srgbClr val="000000">
                     <a:alpha val="100000"/>
@@ -8909,26 +9513,65 @@
               <a:t>.</a:t>
             </a:r>
             <a:r>
-              <a:rPr xmlns:mc="http://schemas.openxmlformats.org/markup-compatibility/2006" xmlns:hp="http://schemas.haansoft.com/office/presentation/8.0" kumimoji="1" lang="ko-KR" altLang="en-US" sz="2000" b="0" i="0" baseline="0" mc:Ignorable="hp" hp:hslEmbossed="0">
-                <a:solidFill>
-                  <a:srgbClr val="000000">
-                    <a:alpha val="100000"/>
-                  </a:srgbClr>
-                </a:solidFill>
-                <a:latin typeface="함초롬돋움"/>
-                <a:sym typeface="Arial"/>
-              </a:rPr>
-              <a:t> 결과를 판정하기 위한 validation set가 필요</a:t>
-            </a:r>
-            <a:endParaRPr xmlns:mc="http://schemas.openxmlformats.org/markup-compatibility/2006" xmlns:hp="http://schemas.haansoft.com/office/presentation/8.0" kumimoji="1" lang="ko-KR" altLang="en-US" sz="2000" b="0" i="0" baseline="0" mc:Ignorable="hp" hp:hslEmbossed="0">
-              <a:solidFill>
-                <a:srgbClr val="000000">
-                  <a:alpha val="100000"/>
-                </a:srgbClr>
-              </a:solidFill>
-              <a:latin typeface="함초롬돋움"/>
-              <a:sym typeface="Arial"/>
-            </a:endParaRPr>
+              <a:rPr kumimoji="1" lang="ko-KR" altLang="en-US" sz="1800" b="0" i="0" baseline="0" dirty="0">
+                <a:solidFill>
+                  <a:srgbClr val="000000">
+                    <a:alpha val="100000"/>
+                  </a:srgbClr>
+                </a:solidFill>
+                <a:latin typeface="함초롬돋움"/>
+                <a:sym typeface="Arial"/>
+              </a:rPr>
+              <a:t> 결과를 판정하기 위한 </a:t>
+            </a:r>
+            <a:r>
+              <a:rPr kumimoji="1" lang="ko-KR" altLang="en-US" sz="1800" b="0" i="0" baseline="0" dirty="0" err="1">
+                <a:solidFill>
+                  <a:srgbClr val="000000">
+                    <a:alpha val="100000"/>
+                  </a:srgbClr>
+                </a:solidFill>
+                <a:latin typeface="함초롬돋움"/>
+                <a:sym typeface="Arial"/>
+              </a:rPr>
+              <a:t>validation</a:t>
+            </a:r>
+            <a:r>
+              <a:rPr kumimoji="1" lang="ko-KR" altLang="en-US" sz="1800" b="0" i="0" baseline="0" dirty="0">
+                <a:solidFill>
+                  <a:srgbClr val="000000">
+                    <a:alpha val="100000"/>
+                  </a:srgbClr>
+                </a:solidFill>
+                <a:latin typeface="함초롬돋움"/>
+                <a:sym typeface="Arial"/>
+              </a:rPr>
+              <a:t> </a:t>
+            </a:r>
+            <a:r>
+              <a:rPr kumimoji="1" lang="ko-KR" altLang="en-US" sz="1800" b="0" i="0" baseline="0" dirty="0" err="1">
+                <a:solidFill>
+                  <a:srgbClr val="000000">
+                    <a:alpha val="100000"/>
+                  </a:srgbClr>
+                </a:solidFill>
+                <a:latin typeface="함초롬돋움"/>
+                <a:sym typeface="Arial"/>
+              </a:rPr>
+              <a:t>set가</a:t>
+            </a:r>
+            <a:r>
+              <a:rPr kumimoji="1" lang="ko-KR" altLang="en-US" sz="1800" b="0" i="0" baseline="0" dirty="0">
+                <a:solidFill>
+                  <a:srgbClr val="000000">
+                    <a:alpha val="100000"/>
+                  </a:srgbClr>
+                </a:solidFill>
+                <a:latin typeface="함초롬돋움"/>
+                <a:sym typeface="Arial"/>
+              </a:rPr>
+              <a:t> 필요</a:t>
+            </a:r>
           </a:p>
           <a:p>
             <a:pPr marL="347708" lvl="0" indent="-347708" algn="l" defTabSz="912932" rtl="0" eaLnBrk="1" latinLnBrk="1" hangingPunct="1">
@@ -8951,7 +9594,7 @@
               <a:buNone/>
               <a:defRPr/>
             </a:pPr>
-            <a:endParaRPr xmlns:mc="http://schemas.openxmlformats.org/markup-compatibility/2006" xmlns:hp="http://schemas.haansoft.com/office/presentation/8.0" kumimoji="1" lang="ko-KR" altLang="en-US" sz="2000" b="0" i="0" baseline="0" mc:Ignorable="hp" hp:hslEmbossed="0">
+            <a:endParaRPr kumimoji="1" lang="ko-KR" altLang="en-US" sz="1800" b="0" i="0" baseline="0" dirty="0">
               <a:solidFill>
                 <a:srgbClr val="000000">
                   <a:alpha val="100000"/>
@@ -8962,7 +9605,7 @@
             </a:endParaRPr>
           </a:p>
           <a:p>
-            <a:pPr marL="342900" lvl="0" indent="-342900" algn="l" defTabSz="912932">
+            <a:pPr marL="457200" lvl="0" indent="-457200" algn="l" defTabSz="912932">
               <a:lnSpc>
                 <a:spcPct val="150000"/>
               </a:lnSpc>
@@ -8972,21 +9615,47 @@
               <a:buClr>
                 <a:srgbClr val="000000"/>
               </a:buClr>
-              <a:defRPr/>
-            </a:pPr>
-            <a:r>
-              <a:rPr xmlns:mc="http://schemas.openxmlformats.org/markup-compatibility/2006" xmlns:hp="http://schemas.haansoft.com/office/presentation/8.0" kumimoji="1" lang="ko-KR" altLang="en-US" sz="2000" b="1" i="0" baseline="0" mc:Ignorable="hp" hp:hslEmbossed="0">
-                <a:solidFill>
-                  <a:srgbClr val="000000">
-                    <a:alpha val="100000"/>
-                  </a:srgbClr>
-                </a:solidFill>
-                <a:latin typeface="함초롬돋움"/>
-                <a:sym typeface="Arial"/>
-              </a:rPr>
-              <a:t>Grid Search</a:t>
-            </a:r>
-            <a:endParaRPr xmlns:mc="http://schemas.openxmlformats.org/markup-compatibility/2006" xmlns:hp="http://schemas.haansoft.com/office/presentation/8.0" kumimoji="1" lang="ko-KR" altLang="en-US" sz="2000" b="0" i="0" baseline="0" mc:Ignorable="hp" hp:hslEmbossed="0">
+              <a:buFont typeface="+mj-lt"/>
+              <a:buAutoNum type="arabicPeriod" startAt="2"/>
+              <a:defRPr/>
+            </a:pPr>
+            <a:r>
+              <a:rPr kumimoji="1" lang="ko-KR" altLang="en-US" sz="1800" b="1" i="0" baseline="0" dirty="0" err="1">
+                <a:solidFill>
+                  <a:srgbClr val="000000">
+                    <a:alpha val="100000"/>
+                  </a:srgbClr>
+                </a:solidFill>
+                <a:latin typeface="함초롬돋움"/>
+                <a:sym typeface="Arial"/>
+              </a:rPr>
+              <a:t>Grid</a:t>
+            </a:r>
+            <a:r>
+              <a:rPr kumimoji="1" lang="ko-KR" altLang="en-US" sz="1800" b="1" i="0" baseline="0" dirty="0">
+                <a:solidFill>
+                  <a:srgbClr val="000000">
+                    <a:alpha val="100000"/>
+                  </a:srgbClr>
+                </a:solidFill>
+                <a:latin typeface="함초롬돋움"/>
+                <a:sym typeface="Arial"/>
+              </a:rPr>
+              <a:t> </a:t>
+            </a:r>
+            <a:r>
+              <a:rPr kumimoji="1" lang="ko-KR" altLang="en-US" sz="1800" b="1" i="0" baseline="0" dirty="0" err="1">
+                <a:solidFill>
+                  <a:srgbClr val="000000">
+                    <a:alpha val="100000"/>
+                  </a:srgbClr>
+                </a:solidFill>
+                <a:latin typeface="함초롬돋움"/>
+                <a:sym typeface="Arial"/>
+              </a:rPr>
+              <a:t>Search</a:t>
+            </a:r>
+            <a:endParaRPr kumimoji="1" lang="ko-KR" altLang="en-US" sz="1800" b="0" i="0" baseline="0" dirty="0">
               <a:solidFill>
                 <a:srgbClr val="000000">
                   <a:alpha val="100000"/>
@@ -9018,7 +9687,7 @@
               <a:defRPr/>
             </a:pPr>
             <a:r>
-              <a:rPr xmlns:mc="http://schemas.openxmlformats.org/markup-compatibility/2006" xmlns:hp="http://schemas.haansoft.com/office/presentation/8.0" kumimoji="1" lang="en-US" altLang="ko-KR" sz="2000" b="0" i="0" baseline="0" mc:Ignorable="hp" hp:hslEmbossed="0">
+              <a:rPr kumimoji="1" lang="en-US" altLang="ko-KR" sz="1800" b="0" i="0" baseline="0" dirty="0">
                 <a:solidFill>
                   <a:srgbClr val="000000">
                     <a:alpha val="100000"/>
@@ -9030,26 +9699,41 @@
               <a:t>-</a:t>
             </a:r>
             <a:r>
-              <a:rPr xmlns:mc="http://schemas.openxmlformats.org/markup-compatibility/2006" xmlns:hp="http://schemas.haansoft.com/office/presentation/8.0" kumimoji="1" lang="ko-KR" altLang="en-US" sz="2000" b="0" i="0" baseline="0" mc:Ignorable="hp" hp:hslEmbossed="0">
-                <a:solidFill>
-                  <a:srgbClr val="000000">
-                    <a:alpha val="100000"/>
-                  </a:srgbClr>
-                </a:solidFill>
-                <a:latin typeface="함초롬돋움"/>
-                <a:sym typeface="Arial"/>
-              </a:rPr>
-              <a:t>	선험적인 지식을 활용하여 문제를 분석하고, 하이퍼 파라미터의 범위를 정한다.</a:t>
-            </a:r>
-            <a:endParaRPr xmlns:mc="http://schemas.openxmlformats.org/markup-compatibility/2006" xmlns:hp="http://schemas.haansoft.com/office/presentation/8.0" kumimoji="1" lang="ko-KR" altLang="en-US" sz="2000" b="0" i="0" baseline="0" mc:Ignorable="hp" hp:hslEmbossed="0">
-              <a:solidFill>
-                <a:srgbClr val="000000">
-                  <a:alpha val="100000"/>
-                </a:srgbClr>
-              </a:solidFill>
-              <a:latin typeface="함초롬돋움"/>
-              <a:sym typeface="Arial"/>
-            </a:endParaRPr>
+              <a:rPr kumimoji="1" lang="ko-KR" altLang="en-US" sz="1800" b="0" i="0" baseline="0" dirty="0">
+                <a:solidFill>
+                  <a:srgbClr val="000000">
+                    <a:alpha val="100000"/>
+                  </a:srgbClr>
+                </a:solidFill>
+                <a:latin typeface="함초롬돋움"/>
+                <a:sym typeface="Arial"/>
+              </a:rPr>
+              <a:t>	선험적인 지식을 활용하여 문제를 분석하고, </a:t>
+            </a:r>
+            <a:r>
+              <a:rPr kumimoji="1" lang="ko-KR" altLang="en-US" sz="1800" b="0" i="0" baseline="0" dirty="0" err="1">
+                <a:solidFill>
+                  <a:srgbClr val="000000">
+                    <a:alpha val="100000"/>
+                  </a:srgbClr>
+                </a:solidFill>
+                <a:latin typeface="함초롬돋움"/>
+                <a:sym typeface="Arial"/>
+              </a:rPr>
+              <a:t>하이퍼</a:t>
+            </a:r>
+            <a:r>
+              <a:rPr kumimoji="1" lang="ko-KR" altLang="en-US" sz="1800" b="0" i="0" baseline="0" dirty="0">
+                <a:solidFill>
+                  <a:srgbClr val="000000">
+                    <a:alpha val="100000"/>
+                  </a:srgbClr>
+                </a:solidFill>
+                <a:latin typeface="함초롬돋움"/>
+                <a:sym typeface="Arial"/>
+              </a:rPr>
+              <a:t> 파라미터의 범위를 정한다.</a:t>
+            </a:r>
           </a:p>
           <a:p>
             <a:pPr marL="347708" lvl="0" indent="-347708" algn="l" defTabSz="912932" rtl="0" eaLnBrk="1" latinLnBrk="1" hangingPunct="1">
@@ -9073,7 +9757,7 @@
               <a:defRPr/>
             </a:pPr>
             <a:r>
-              <a:rPr xmlns:mc="http://schemas.openxmlformats.org/markup-compatibility/2006" xmlns:hp="http://schemas.haansoft.com/office/presentation/8.0" kumimoji="1" lang="en-US" altLang="ko-KR" sz="2000" b="0" i="0" baseline="0" mc:Ignorable="hp" hp:hslEmbossed="0">
+              <a:rPr kumimoji="1" lang="en-US" altLang="ko-KR" sz="1800" b="0" i="0" baseline="0" dirty="0">
                 <a:solidFill>
                   <a:srgbClr val="000000">
                     <a:alpha val="100000"/>
@@ -9085,7 +9769,7 @@
               <a:t>-</a:t>
             </a:r>
             <a:r>
-              <a:rPr xmlns:mc="http://schemas.openxmlformats.org/markup-compatibility/2006" xmlns:hp="http://schemas.haansoft.com/office/presentation/8.0" kumimoji="1" lang="ko-KR" altLang="en-US" sz="2000" b="0" i="0" baseline="0" mc:Ignorable="hp" hp:hslEmbossed="0">
+              <a:rPr kumimoji="1" lang="ko-KR" altLang="en-US" sz="1800" b="0" i="0" baseline="0" dirty="0">
                 <a:solidFill>
                   <a:srgbClr val="000000">
                     <a:alpha val="100000"/>
@@ -9097,7 +9781,7 @@
               <a:t>	그 범위 안에서 일정한 간격으로 점을 정하고 그 점들에 대해 1개씩 차례로 실험을 해보면서 최적의 값을 찾은 후</a:t>
             </a:r>
             <a:r>
-              <a:rPr xmlns:mc="http://schemas.openxmlformats.org/markup-compatibility/2006" xmlns:hp="http://schemas.haansoft.com/office/presentation/8.0" kumimoji="1" lang="en-US" altLang="ko-KR" sz="2000" b="0" i="0" baseline="0" mc:Ignorable="hp" hp:hslEmbossed="0">
+              <a:rPr kumimoji="1" lang="en-US" altLang="ko-KR" sz="1800" b="0" i="0" baseline="0" dirty="0">
                 <a:solidFill>
                   <a:srgbClr val="000000">
                     <a:alpha val="100000"/>
@@ -9109,19 +9793,43 @@
               <a:t>,</a:t>
             </a:r>
             <a:r>
-              <a:rPr xmlns:mc="http://schemas.openxmlformats.org/markup-compatibility/2006" xmlns:hp="http://schemas.haansoft.com/office/presentation/8.0" kumimoji="1" lang="ko-KR" altLang="en-US" sz="2000" b="0" i="0" baseline="0" mc:Ignorable="hp" hp:hslEmbossed="0">
-                <a:solidFill>
-                  <a:srgbClr val="000000">
-                    <a:alpha val="100000"/>
-                  </a:srgbClr>
-                </a:solidFill>
-                <a:latin typeface="함초롬돋움"/>
-                <a:sym typeface="Arial"/>
-              </a:rPr>
-              <a:t> 다시 최적으로 추정이 되는 점을 기준으로 세분화하여 최적값을 찾는 방법</a:t>
-            </a:r>
-            <a:r>
-              <a:rPr xmlns:mc="http://schemas.openxmlformats.org/markup-compatibility/2006" xmlns:hp="http://schemas.haansoft.com/office/presentation/8.0" kumimoji="1" lang="en-US" altLang="ko-KR" sz="2000" b="0" i="0" baseline="0" mc:Ignorable="hp" hp:hslEmbossed="0">
+              <a:rPr kumimoji="1" lang="ko-KR" altLang="en-US" sz="1800" b="0" i="0" baseline="0" dirty="0">
+                <a:solidFill>
+                  <a:srgbClr val="000000">
+                    <a:alpha val="100000"/>
+                  </a:srgbClr>
+                </a:solidFill>
+                <a:latin typeface="함초롬돋움"/>
+                <a:sym typeface="Arial"/>
+              </a:rPr>
+              <a:t> 다시 최적으로 추정이 되는 점을 기준으로 세분화하여 </a:t>
+            </a:r>
+            <a:r>
+              <a:rPr kumimoji="1" lang="ko-KR" altLang="en-US" sz="1800" b="0" i="0" baseline="0" dirty="0" err="1">
+                <a:solidFill>
+                  <a:srgbClr val="000000">
+                    <a:alpha val="100000"/>
+                  </a:srgbClr>
+                </a:solidFill>
+                <a:latin typeface="함초롬돋움"/>
+                <a:sym typeface="Arial"/>
+              </a:rPr>
+              <a:t>최적값을</a:t>
+            </a:r>
+            <a:r>
+              <a:rPr kumimoji="1" lang="ko-KR" altLang="en-US" sz="1800" b="0" i="0" baseline="0" dirty="0">
+                <a:solidFill>
+                  <a:srgbClr val="000000">
+                    <a:alpha val="100000"/>
+                  </a:srgbClr>
+                </a:solidFill>
+                <a:latin typeface="함초롬돋움"/>
+                <a:sym typeface="Arial"/>
+              </a:rPr>
+              <a:t> 찾는 방법</a:t>
+            </a:r>
+            <a:r>
+              <a:rPr kumimoji="1" lang="en-US" altLang="ko-KR" sz="1800" b="0" i="0" baseline="0" dirty="0">
                 <a:solidFill>
                   <a:srgbClr val="000000">
                     <a:alpha val="100000"/>
@@ -9133,26 +9841,65 @@
               <a:t>,</a:t>
             </a:r>
             <a:r>
-              <a:rPr xmlns:mc="http://schemas.openxmlformats.org/markup-compatibility/2006" xmlns:hp="http://schemas.haansoft.com/office/presentation/8.0" kumimoji="1" lang="ko-KR" altLang="en-US" sz="2000" b="0" i="0" baseline="0" mc:Ignorable="hp" hp:hslEmbossed="0">
-                <a:solidFill>
-                  <a:srgbClr val="000000">
-                    <a:alpha val="100000"/>
-                  </a:srgbClr>
-                </a:solidFill>
-                <a:latin typeface="함초롬돋움"/>
-                <a:sym typeface="Arial"/>
-              </a:rPr>
-              <a:t> 결과를 판정하기 위한 validation set가 필요</a:t>
-            </a:r>
-            <a:endParaRPr xmlns:mc="http://schemas.openxmlformats.org/markup-compatibility/2006" xmlns:hp="http://schemas.haansoft.com/office/presentation/8.0" kumimoji="1" lang="ko-KR" altLang="en-US" sz="2000" b="0" i="0" baseline="0" mc:Ignorable="hp" hp:hslEmbossed="0">
-              <a:solidFill>
-                <a:srgbClr val="000000">
-                  <a:alpha val="100000"/>
-                </a:srgbClr>
-              </a:solidFill>
-              <a:latin typeface="함초롬돋움"/>
-              <a:sym typeface="Arial"/>
-            </a:endParaRPr>
+              <a:rPr kumimoji="1" lang="ko-KR" altLang="en-US" sz="1800" b="0" i="0" baseline="0" dirty="0">
+                <a:solidFill>
+                  <a:srgbClr val="000000">
+                    <a:alpha val="100000"/>
+                  </a:srgbClr>
+                </a:solidFill>
+                <a:latin typeface="함초롬돋움"/>
+                <a:sym typeface="Arial"/>
+              </a:rPr>
+              <a:t> 결과를 판정하기 위한 </a:t>
+            </a:r>
+            <a:r>
+              <a:rPr kumimoji="1" lang="ko-KR" altLang="en-US" sz="1800" b="0" i="0" baseline="0" dirty="0" err="1">
+                <a:solidFill>
+                  <a:srgbClr val="000000">
+                    <a:alpha val="100000"/>
+                  </a:srgbClr>
+                </a:solidFill>
+                <a:latin typeface="함초롬돋움"/>
+                <a:sym typeface="Arial"/>
+              </a:rPr>
+              <a:t>validation</a:t>
+            </a:r>
+            <a:r>
+              <a:rPr kumimoji="1" lang="ko-KR" altLang="en-US" sz="1800" b="0" i="0" baseline="0" dirty="0">
+                <a:solidFill>
+                  <a:srgbClr val="000000">
+                    <a:alpha val="100000"/>
+                  </a:srgbClr>
+                </a:solidFill>
+                <a:latin typeface="함초롬돋움"/>
+                <a:sym typeface="Arial"/>
+              </a:rPr>
+              <a:t> </a:t>
+            </a:r>
+            <a:r>
+              <a:rPr kumimoji="1" lang="ko-KR" altLang="en-US" sz="1800" b="0" i="0" baseline="0" dirty="0" err="1">
+                <a:solidFill>
+                  <a:srgbClr val="000000">
+                    <a:alpha val="100000"/>
+                  </a:srgbClr>
+                </a:solidFill>
+                <a:latin typeface="함초롬돋움"/>
+                <a:sym typeface="Arial"/>
+              </a:rPr>
+              <a:t>set가</a:t>
+            </a:r>
+            <a:r>
+              <a:rPr kumimoji="1" lang="ko-KR" altLang="en-US" sz="1800" b="0" i="0" baseline="0" dirty="0">
+                <a:solidFill>
+                  <a:srgbClr val="000000">
+                    <a:alpha val="100000"/>
+                  </a:srgbClr>
+                </a:solidFill>
+                <a:latin typeface="함초롬돋움"/>
+                <a:sym typeface="Arial"/>
+              </a:rPr>
+              <a:t> 필요</a:t>
+            </a:r>
           </a:p>
         </p:txBody>
       </p:sp>
@@ -9161,11 +9908,11 @@
   <p:clrMapOvr>
     <a:masterClrMapping/>
   </p:clrMapOvr>
-  <mc:AlternateContent xmlns:mc="http://schemas.openxmlformats.org/markup-compatibility/2006">
-    <mc:Choice xmlns:p14="http://schemas.microsoft.com/office/powerpoint/2010/main" Requires="p14">
-      <p:transition xmlns:mc="http://schemas.openxmlformats.org/markup-compatibility/2006" xmlns:p14="http://schemas.microsoft.com/office/powerpoint/2010/main" mc:Ignorable="p14" p14:dur="500"/>
+  <mc:AlternateContent xmlns:mc="http://schemas.openxmlformats.org/markup-compatibility/2006" xmlns:p14="http://schemas.microsoft.com/office/powerpoint/2010/main">
+    <mc:Choice Requires="p14">
+      <p:transition/>
     </mc:Choice>
-    <mc:Fallback>
+    <mc:Fallback xmlns="" xmlns:c="http://schemas.openxmlformats.org/drawingml/2006/chart" xmlns:dgm="http://schemas.openxmlformats.org/drawingml/2006/diagram" xmlns:dsp="http://schemas.microsoft.com/office/drawing/2008/diagram">
       <p:transition/>
     </mc:Fallback>
   </mc:AlternateContent>
@@ -9173,7 +9920,7 @@
 </file>
 
 <file path=ppt/slides/slide8.xml><?xml version="1.0" encoding="utf-8"?>
-<p:sld xmlns:r="http://schemas.openxmlformats.org/officeDocument/2006/relationships" xmlns:c="http://schemas.openxmlformats.org/drawingml/2006/chart" xmlns:a="http://schemas.openxmlformats.org/drawingml/2006/main" xmlns:dgm="http://schemas.openxmlformats.org/drawingml/2006/diagram" xmlns:dsp="http://schemas.microsoft.com/office/drawing/2008/diagram" xmlns:p="http://schemas.openxmlformats.org/presentationml/2006/main">
+<p:sld xmlns:a="http://schemas.openxmlformats.org/drawingml/2006/main" xmlns:r="http://schemas.openxmlformats.org/officeDocument/2006/relationships" xmlns:p="http://schemas.openxmlformats.org/presentationml/2006/main">
   <p:cSld>
     <p:spTree>
       <p:nvGrpSpPr>
@@ -9191,7 +9938,7 @@
       </p:grpSpPr>
       <p:sp>
         <p:nvSpPr>
-          <p:cNvPr id="4098" name=""/>
+          <p:cNvPr id="4098" name="TextBox 4097"/>
           <p:cNvSpPr txBox="1"/>
           <p:nvPr/>
         </p:nvSpPr>
@@ -9214,6 +9961,7 @@
           <a:bodyPr vert="horz" wrap="square" lIns="91440" tIns="45720" rIns="91440" bIns="45720" anchor="ctr">
             <a:spAutoFit/>
           </a:bodyPr>
+          <a:lstStyle/>
           <a:p>
             <a:pPr marL="0" lvl="0" indent="0" algn="ctr" defTabSz="912932" rtl="0" eaLnBrk="1" latinLnBrk="0" hangingPunct="1">
               <a:lnSpc>
@@ -9229,9 +9977,9 @@
               <a:defRPr/>
             </a:pPr>
             <a:r>
-              <a:rPr xmlns:mc="http://schemas.openxmlformats.org/markup-compatibility/2006" xmlns:hp="http://schemas.haansoft.com/office/presentation/8.0" kumimoji="1" lang="ko-KR" altLang="en-US" sz="3600" b="1" i="0" baseline="0" mc:Ignorable="hp" hp:hslEmbossed="0">
-                <a:solidFill>
-                  <a:srgbClr val="ff7c80">
+              <a:rPr kumimoji="1" lang="ko-KR" altLang="en-US" sz="3600" b="1" i="0" baseline="0">
+                <a:solidFill>
+                  <a:srgbClr val="FF7C80">
                     <a:alpha val="100000"/>
                   </a:srgbClr>
                 </a:solidFill>
@@ -9240,21 +9988,12 @@
               </a:rPr>
               <a:t>하이퍼 파라미터 최적화</a:t>
             </a:r>
-            <a:endParaRPr xmlns:mc="http://schemas.openxmlformats.org/markup-compatibility/2006" xmlns:hp="http://schemas.haansoft.com/office/presentation/8.0" kumimoji="1" lang="ko-KR" altLang="en-US" sz="3600" b="1" i="0" baseline="0" mc:Ignorable="hp" hp:hslEmbossed="0">
-              <a:solidFill>
-                <a:srgbClr val="ff7c80">
-                  <a:alpha val="100000"/>
-                </a:srgbClr>
-              </a:solidFill>
-              <a:latin typeface="야놀자 야체 B"/>
-              <a:ea typeface="굴림"/>
-            </a:endParaRPr>
-          </a:p>
-        </p:txBody>
-      </p:sp>
-      <p:sp>
-        <p:nvSpPr>
-          <p:cNvPr id="4099" name=""/>
+          </a:p>
+        </p:txBody>
+      </p:sp>
+      <p:sp>
+        <p:nvSpPr>
+          <p:cNvPr id="4099" name="자유형: 도형 4098"/>
           <p:cNvSpPr/>
           <p:nvPr/>
         </p:nvSpPr>
@@ -9292,6 +10031,7 @@
               <a:gd name="T23" fmla="*/ 306 w 306"/>
               <a:gd name="T24" fmla="*/ 316 h 316"/>
             </a:gdLst>
+            <a:ahLst/>
             <a:cxnLst>
               <a:cxn ang="T2">
                 <a:pos x="T0" y="T1"/>
@@ -9373,6 +10113,7 @@
           <a:bodyPr vert="horz" wrap="none" lIns="91440" tIns="45720" rIns="91440" bIns="45720" anchor="t">
             <a:noAutofit/>
           </a:bodyPr>
+          <a:lstStyle/>
           <a:p>
             <a:pPr lvl="0" algn="l">
               <a:buNone/>
@@ -9408,7 +10149,7 @@
           </a:bodyPr>
           <a:lstStyle/>
           <a:p>
-            <a:pPr marL="347708" lvl="0" indent="-347708" algn="l" defTabSz="912932" rtl="0" eaLnBrk="1" latinLnBrk="1" hangingPunct="1">
+            <a:pPr marL="457200" lvl="0" indent="-457200" algn="l" defTabSz="912932" rtl="0" eaLnBrk="1" latinLnBrk="1" hangingPunct="1">
               <a:lnSpc>
                 <a:spcPct val="150000"/>
               </a:lnSpc>
@@ -9424,12 +10165,12 @@
                 </a:srgbClr>
               </a:buClr>
               <a:buSzPct val="100000"/>
-              <a:buFont typeface="Arial"/>
-              <a:buChar char="•"/>
-              <a:defRPr/>
-            </a:pPr>
-            <a:r>
-              <a:rPr xmlns:mc="http://schemas.openxmlformats.org/markup-compatibility/2006" xmlns:hp="http://schemas.haansoft.com/office/presentation/8.0" kumimoji="1" lang="en-US" altLang="en-US" sz="2000" b="1" i="0" baseline="0" mc:Ignorable="hp" hp:hslEmbossed="0">
+              <a:buFont typeface="+mj-lt"/>
+              <a:buAutoNum type="arabicPeriod" startAt="3"/>
+              <a:defRPr/>
+            </a:pPr>
+            <a:r>
+              <a:rPr kumimoji="1" lang="en-US" altLang="en-US" sz="1800" b="1" i="0" baseline="0" dirty="0">
                 <a:solidFill>
                   <a:srgbClr val="000000">
                     <a:alpha val="100000"/>
@@ -9440,7 +10181,7 @@
               </a:rPr>
               <a:t>Random search</a:t>
             </a:r>
-            <a:endParaRPr xmlns:mc="http://schemas.openxmlformats.org/markup-compatibility/2006" xmlns:hp="http://schemas.haansoft.com/office/presentation/8.0" kumimoji="1" lang="ko-KR" altLang="en-US" sz="2000" b="0" i="0" baseline="0" mc:Ignorable="hp" hp:hslEmbossed="0">
+            <a:endParaRPr kumimoji="1" lang="ko-KR" altLang="en-US" sz="1800" b="0" i="0" baseline="0" dirty="0">
               <a:solidFill>
                 <a:srgbClr val="000000">
                   <a:alpha val="100000"/>
@@ -9472,7 +10213,7 @@
               <a:defRPr/>
             </a:pPr>
             <a:r>
-              <a:rPr xmlns:mc="http://schemas.openxmlformats.org/markup-compatibility/2006" xmlns:hp="http://schemas.haansoft.com/office/presentation/8.0" kumimoji="1" lang="en-US" altLang="ko-KR" sz="2000" b="0" i="0" baseline="0" mc:Ignorable="hp" hp:hslEmbossed="0">
+              <a:rPr kumimoji="1" lang="en-US" altLang="ko-KR" sz="1800" b="0" i="0" baseline="0" dirty="0">
                 <a:solidFill>
                   <a:srgbClr val="000000">
                     <a:alpha val="100000"/>
@@ -9484,19 +10225,91 @@
               <a:t>-</a:t>
             </a:r>
             <a:r>
-              <a:rPr xmlns:mc="http://schemas.openxmlformats.org/markup-compatibility/2006" xmlns:hp="http://schemas.haansoft.com/office/presentation/8.0" kumimoji="1" lang="ko-KR" altLang="en-US" sz="2000" b="0" i="0" baseline="0" mc:Ignorable="hp" hp:hslEmbossed="0">
-                <a:solidFill>
-                  <a:srgbClr val="000000">
-                    <a:alpha val="100000"/>
-                  </a:srgbClr>
-                </a:solidFill>
-                <a:latin typeface="함초롬돋움"/>
-                <a:sym typeface="Arial"/>
-              </a:rPr>
-              <a:t>	Grid search와 마찬가지로 선험적인 지식을 이용하여 hyperparameter의 범위를 정한다</a:t>
-            </a:r>
-            <a:r>
-              <a:rPr xmlns:mc="http://schemas.openxmlformats.org/markup-compatibility/2006" xmlns:hp="http://schemas.haansoft.com/office/presentation/8.0" kumimoji="1" lang="en-US" altLang="ko-KR" sz="2000" b="0" i="0" baseline="0" mc:Ignorable="hp" hp:hslEmbossed="0">
+              <a:rPr kumimoji="1" lang="ko-KR" altLang="en-US" sz="1800" b="0" i="0" baseline="0" dirty="0">
+                <a:solidFill>
+                  <a:srgbClr val="000000">
+                    <a:alpha val="100000"/>
+                  </a:srgbClr>
+                </a:solidFill>
+                <a:latin typeface="함초롬돋움"/>
+                <a:sym typeface="Arial"/>
+              </a:rPr>
+              <a:t>	</a:t>
+            </a:r>
+            <a:r>
+              <a:rPr kumimoji="1" lang="ko-KR" altLang="en-US" sz="1800" b="0" i="0" baseline="0" dirty="0" err="1">
+                <a:solidFill>
+                  <a:srgbClr val="000000">
+                    <a:alpha val="100000"/>
+                  </a:srgbClr>
+                </a:solidFill>
+                <a:latin typeface="함초롬돋움"/>
+                <a:sym typeface="Arial"/>
+              </a:rPr>
+              <a:t>Grid</a:t>
+            </a:r>
+            <a:r>
+              <a:rPr kumimoji="1" lang="ko-KR" altLang="en-US" sz="1800" b="0" i="0" baseline="0" dirty="0">
+                <a:solidFill>
+                  <a:srgbClr val="000000">
+                    <a:alpha val="100000"/>
+                  </a:srgbClr>
+                </a:solidFill>
+                <a:latin typeface="함초롬돋움"/>
+                <a:sym typeface="Arial"/>
+              </a:rPr>
+              <a:t> </a:t>
+            </a:r>
+            <a:r>
+              <a:rPr kumimoji="1" lang="ko-KR" altLang="en-US" sz="1800" b="0" i="0" baseline="0" dirty="0" err="1">
+                <a:solidFill>
+                  <a:srgbClr val="000000">
+                    <a:alpha val="100000"/>
+                  </a:srgbClr>
+                </a:solidFill>
+                <a:latin typeface="함초롬돋움"/>
+                <a:sym typeface="Arial"/>
+              </a:rPr>
+              <a:t>search와</a:t>
+            </a:r>
+            <a:r>
+              <a:rPr kumimoji="1" lang="ko-KR" altLang="en-US" sz="1800" b="0" i="0" baseline="0" dirty="0">
+                <a:solidFill>
+                  <a:srgbClr val="000000">
+                    <a:alpha val="100000"/>
+                  </a:srgbClr>
+                </a:solidFill>
+                <a:latin typeface="함초롬돋움"/>
+                <a:sym typeface="Arial"/>
+              </a:rPr>
+              <a:t> 마찬가지로 선험적인 지식을 이용하여 </a:t>
+            </a:r>
+            <a:r>
+              <a:rPr kumimoji="1" lang="ko-KR" altLang="en-US" sz="1800" b="0" i="0" baseline="0" dirty="0" err="1">
+                <a:solidFill>
+                  <a:srgbClr val="000000">
+                    <a:alpha val="100000"/>
+                  </a:srgbClr>
+                </a:solidFill>
+                <a:latin typeface="함초롬돋움"/>
+                <a:sym typeface="Arial"/>
+              </a:rPr>
+              <a:t>하이퍼</a:t>
+            </a:r>
+            <a:r>
+              <a:rPr kumimoji="1" lang="ko-KR" altLang="en-US" sz="1800" b="0" i="0" baseline="0" dirty="0">
+                <a:solidFill>
+                  <a:srgbClr val="000000">
+                    <a:alpha val="100000"/>
+                  </a:srgbClr>
+                </a:solidFill>
+                <a:latin typeface="함초롬돋움"/>
+                <a:sym typeface="Arial"/>
+              </a:rPr>
+              <a:t> 파라미터의 범위를 정한다</a:t>
+            </a:r>
+            <a:r>
+              <a:rPr kumimoji="1" lang="en-US" altLang="ko-KR" sz="1800" b="0" i="0" baseline="0" dirty="0">
                 <a:solidFill>
                   <a:srgbClr val="000000">
                     <a:alpha val="100000"/>
@@ -9507,15 +10320,6 @@
               </a:rPr>
               <a:t>.</a:t>
             </a:r>
-            <a:endParaRPr xmlns:mc="http://schemas.openxmlformats.org/markup-compatibility/2006" xmlns:hp="http://schemas.haansoft.com/office/presentation/8.0" kumimoji="1" lang="en-US" altLang="ko-KR" sz="2000" b="0" i="0" baseline="0" mc:Ignorable="hp" hp:hslEmbossed="0">
-              <a:solidFill>
-                <a:srgbClr val="000000">
-                  <a:alpha val="100000"/>
-                </a:srgbClr>
-              </a:solidFill>
-              <a:latin typeface="함초롬돋움"/>
-              <a:sym typeface="Arial"/>
-            </a:endParaRPr>
           </a:p>
           <a:p>
             <a:pPr marL="347708" lvl="0" indent="-347708" algn="l" defTabSz="912932" rtl="0" eaLnBrk="1" latinLnBrk="1" hangingPunct="1">
@@ -9539,7 +10343,7 @@
               <a:defRPr/>
             </a:pPr>
             <a:r>
-              <a:rPr xmlns:mc="http://schemas.openxmlformats.org/markup-compatibility/2006" xmlns:hp="http://schemas.haansoft.com/office/presentation/8.0" kumimoji="1" lang="en-US" altLang="ko-KR" sz="2000" b="0" i="0" baseline="0" mc:Ignorable="hp" hp:hslEmbossed="0">
+              <a:rPr kumimoji="1" lang="en-US" altLang="ko-KR" sz="1800" b="0" i="0" baseline="0" dirty="0">
                 <a:solidFill>
                   <a:srgbClr val="000000">
                     <a:alpha val="100000"/>
@@ -9551,7 +10355,7 @@
               <a:t>-</a:t>
             </a:r>
             <a:r>
-              <a:rPr xmlns:mc="http://schemas.openxmlformats.org/markup-compatibility/2006" xmlns:hp="http://schemas.haansoft.com/office/presentation/8.0" kumimoji="1" lang="ko-KR" altLang="en-US" sz="2000" b="0" i="0" baseline="0" mc:Ignorable="hp" hp:hslEmbossed="0">
+              <a:rPr kumimoji="1" lang="ko-KR" altLang="en-US" sz="1800" b="0" i="0" baseline="0" dirty="0">
                 <a:solidFill>
                   <a:srgbClr val="000000">
                     <a:alpha val="100000"/>
@@ -9563,19 +10367,43 @@
               <a:t>	</a:t>
             </a:r>
             <a:r>
-              <a:rPr xmlns:mc="http://schemas.openxmlformats.org/markup-compatibility/2006" xmlns:hp="http://schemas.haansoft.com/office/presentation/8.0" kumimoji="1" lang="ko-KR" altLang="ko-KR" sz="2000" b="0" i="0" baseline="0" mc:Ignorable="hp" hp:hslEmbossed="0">
-                <a:solidFill>
-                  <a:srgbClr val="000000">
-                    <a:alpha val="100000"/>
-                  </a:srgbClr>
-                </a:solidFill>
-                <a:latin typeface="함초롬돋움"/>
-                <a:sym typeface="Arial"/>
-              </a:rPr>
-              <a:t>무작위로 최적값을 찾는 작업을 진행</a:t>
-            </a:r>
-            <a:r>
-              <a:rPr xmlns:mc="http://schemas.openxmlformats.org/markup-compatibility/2006" xmlns:hp="http://schemas.haansoft.com/office/presentation/8.0" kumimoji="1" lang="en-US" altLang="ko-KR" sz="2000" b="0" i="0" baseline="0" mc:Ignorable="hp" hp:hslEmbossed="0">
+              <a:rPr kumimoji="1" lang="ko-KR" altLang="ko-KR" sz="1800" b="0" i="0" baseline="0" dirty="0">
+                <a:solidFill>
+                  <a:srgbClr val="000000">
+                    <a:alpha val="100000"/>
+                  </a:srgbClr>
+                </a:solidFill>
+                <a:latin typeface="함초롬돋움"/>
+                <a:sym typeface="Arial"/>
+              </a:rPr>
+              <a:t>무작위로 </a:t>
+            </a:r>
+            <a:r>
+              <a:rPr kumimoji="1" lang="ko-KR" altLang="ko-KR" sz="1800" b="0" i="0" baseline="0" dirty="0" err="1">
+                <a:solidFill>
+                  <a:srgbClr val="000000">
+                    <a:alpha val="100000"/>
+                  </a:srgbClr>
+                </a:solidFill>
+                <a:latin typeface="함초롬돋움"/>
+                <a:sym typeface="Arial"/>
+              </a:rPr>
+              <a:t>최적값을</a:t>
+            </a:r>
+            <a:r>
+              <a:rPr kumimoji="1" lang="ko-KR" altLang="ko-KR" sz="1800" b="0" i="0" baseline="0" dirty="0">
+                <a:solidFill>
+                  <a:srgbClr val="000000">
+                    <a:alpha val="100000"/>
+                  </a:srgbClr>
+                </a:solidFill>
+                <a:latin typeface="함초롬돋움"/>
+                <a:sym typeface="Arial"/>
+              </a:rPr>
+              <a:t> 찾는 작업을 진행</a:t>
+            </a:r>
+            <a:r>
+              <a:rPr kumimoji="1" lang="en-US" altLang="ko-KR" sz="1800" b="0" i="0" baseline="0" dirty="0">
                 <a:solidFill>
                   <a:srgbClr val="000000">
                     <a:alpha val="100000"/>
@@ -9587,7 +10415,7 @@
               <a:t>,</a:t>
             </a:r>
             <a:r>
-              <a:rPr xmlns:mc="http://schemas.openxmlformats.org/markup-compatibility/2006" xmlns:hp="http://schemas.haansoft.com/office/presentation/8.0" kumimoji="1" lang="ko-KR" altLang="en-US" sz="2000" b="0" i="0" baseline="0" mc:Ignorable="hp" hp:hslEmbossed="0">
+              <a:rPr kumimoji="1" lang="ko-KR" altLang="en-US" sz="1800" b="0" i="0" baseline="0" dirty="0">
                 <a:solidFill>
                   <a:srgbClr val="000000">
                     <a:alpha val="100000"/>
@@ -9599,19 +10427,43 @@
               <a:t> </a:t>
             </a:r>
             <a:r>
-              <a:rPr xmlns:mc="http://schemas.openxmlformats.org/markup-compatibility/2006" xmlns:hp="http://schemas.haansoft.com/office/presentation/8.0" kumimoji="1" lang="ko-KR" altLang="ko-KR" sz="2000" b="0" i="0" baseline="0" mc:Ignorable="hp" hp:hslEmbossed="0">
-                <a:solidFill>
-                  <a:srgbClr val="000000">
-                    <a:alpha val="100000"/>
-                  </a:srgbClr>
-                </a:solidFill>
-                <a:latin typeface="함초롬돋움"/>
-                <a:sym typeface="Arial"/>
-              </a:rPr>
-              <a:t>‘유한 자원’을 기반으로 해야 할</a:t>
-            </a:r>
-            <a:r>
-              <a:rPr xmlns:mc="http://schemas.openxmlformats.org/markup-compatibility/2006" xmlns:hp="http://schemas.haansoft.com/office/presentation/8.0" kumimoji="1" lang="ko-KR" altLang="en-US" sz="2000" b="0" i="0" baseline="0" mc:Ignorable="hp" hp:hslEmbossed="0">
+              <a:rPr kumimoji="1" lang="ko-KR" altLang="ko-KR" sz="1800" b="0" i="0" baseline="0" dirty="0">
+                <a:solidFill>
+                  <a:srgbClr val="000000">
+                    <a:alpha val="100000"/>
+                  </a:srgbClr>
+                </a:solidFill>
+                <a:latin typeface="함초롬돋움"/>
+                <a:sym typeface="Arial"/>
+              </a:rPr>
+              <a:t>‘유한 </a:t>
+            </a:r>
+            <a:r>
+              <a:rPr kumimoji="1" lang="ko-KR" altLang="ko-KR" sz="1800" b="0" i="0" baseline="0" dirty="0" err="1">
+                <a:solidFill>
+                  <a:srgbClr val="000000">
+                    <a:alpha val="100000"/>
+                  </a:srgbClr>
+                </a:solidFill>
+                <a:latin typeface="함초롬돋움"/>
+                <a:sym typeface="Arial"/>
+              </a:rPr>
+              <a:t>자원’을</a:t>
+            </a:r>
+            <a:r>
+              <a:rPr kumimoji="1" lang="ko-KR" altLang="ko-KR" sz="1800" b="0" i="0" baseline="0" dirty="0">
+                <a:solidFill>
+                  <a:srgbClr val="000000">
+                    <a:alpha val="100000"/>
+                  </a:srgbClr>
+                </a:solidFill>
+                <a:latin typeface="함초롬돋움"/>
+                <a:sym typeface="Arial"/>
+              </a:rPr>
+              <a:t> 기반으로 해야 할</a:t>
+            </a:r>
+            <a:r>
+              <a:rPr kumimoji="1" lang="ko-KR" altLang="en-US" sz="1800" b="0" i="0" baseline="0" dirty="0">
                 <a:solidFill>
                   <a:srgbClr val="000000">
                     <a:alpha val="100000"/>
@@ -9623,7 +10475,7 @@
               <a:t> </a:t>
             </a:r>
             <a:r>
-              <a:rPr xmlns:mc="http://schemas.openxmlformats.org/markup-compatibility/2006" xmlns:hp="http://schemas.haansoft.com/office/presentation/8.0" kumimoji="1" lang="ko-KR" altLang="ko-KR" sz="2000" b="0" i="0" baseline="0" mc:Ignorable="hp" hp:hslEmbossed="0">
+              <a:rPr kumimoji="1" lang="ko-KR" altLang="ko-KR" sz="1800" b="0" i="0" baseline="0" dirty="0">
                 <a:solidFill>
                   <a:srgbClr val="000000">
                     <a:alpha val="100000"/>
@@ -9634,15 +10486,6 @@
               </a:rPr>
               <a:t>경우 사용 </a:t>
             </a:r>
-            <a:endParaRPr xmlns:mc="http://schemas.openxmlformats.org/markup-compatibility/2006" xmlns:hp="http://schemas.haansoft.com/office/presentation/8.0" kumimoji="1" lang="ko-KR" altLang="ko-KR" sz="2000" b="0" i="0" baseline="0" mc:Ignorable="hp" hp:hslEmbossed="0">
-              <a:solidFill>
-                <a:srgbClr val="000000">
-                  <a:alpha val="100000"/>
-                </a:srgbClr>
-              </a:solidFill>
-              <a:latin typeface="함초롬돋움"/>
-              <a:sym typeface="Arial"/>
-            </a:endParaRPr>
           </a:p>
           <a:p>
             <a:pPr marL="347708" lvl="0" indent="-347708" algn="l" defTabSz="912932" rtl="0" eaLnBrk="1" latinLnBrk="1" hangingPunct="1">
@@ -9665,7 +10508,7 @@
               <a:buNone/>
               <a:defRPr/>
             </a:pPr>
-            <a:endParaRPr xmlns:mc="http://schemas.openxmlformats.org/markup-compatibility/2006" xmlns:hp="http://schemas.haansoft.com/office/presentation/8.0" kumimoji="1" lang="ko-KR" altLang="en-US" sz="2000" b="0" i="0" baseline="0" mc:Ignorable="hp" hp:hslEmbossed="0">
+            <a:endParaRPr kumimoji="1" lang="ko-KR" altLang="en-US" sz="1800" b="0" i="0" baseline="0" dirty="0">
               <a:solidFill>
                 <a:srgbClr val="000000">
                   <a:alpha val="100000"/>
@@ -9676,7 +10519,7 @@
             </a:endParaRPr>
           </a:p>
           <a:p>
-            <a:pPr marL="342900" lvl="0" indent="-342900" algn="l" defTabSz="912932">
+            <a:pPr marL="457200" lvl="0" indent="-457200" algn="l" defTabSz="912932">
               <a:lnSpc>
                 <a:spcPct val="150000"/>
               </a:lnSpc>
@@ -9686,21 +10529,35 @@
               <a:buClr>
                 <a:srgbClr val="000000"/>
               </a:buClr>
-              <a:defRPr/>
-            </a:pPr>
-            <a:r>
-              <a:rPr xmlns:mc="http://schemas.openxmlformats.org/markup-compatibility/2006" xmlns:hp="http://schemas.haansoft.com/office/presentation/8.0" kumimoji="1" lang="ko-KR" altLang="en-US" sz="2000" b="1" i="0" baseline="0" mc:Ignorable="hp" hp:hslEmbossed="0">
-                <a:solidFill>
-                  <a:srgbClr val="000000">
-                    <a:alpha val="100000"/>
-                  </a:srgbClr>
-                </a:solidFill>
-                <a:latin typeface="함초롬돋움"/>
-                <a:sym typeface="Arial"/>
-              </a:rPr>
-              <a:t>베이즈 최적화</a:t>
-            </a:r>
-            <a:endParaRPr xmlns:mc="http://schemas.openxmlformats.org/markup-compatibility/2006" xmlns:hp="http://schemas.haansoft.com/office/presentation/8.0" kumimoji="1" lang="ko-KR" altLang="en-US" sz="2000" b="0" i="0" baseline="0" mc:Ignorable="hp" hp:hslEmbossed="0">
+              <a:buFont typeface="+mj-lt"/>
+              <a:buAutoNum type="arabicPeriod" startAt="4"/>
+              <a:defRPr/>
+            </a:pPr>
+            <a:r>
+              <a:rPr kumimoji="1" lang="ko-KR" altLang="en-US" sz="1800" b="1" i="0" baseline="0" dirty="0" err="1">
+                <a:solidFill>
+                  <a:srgbClr val="000000">
+                    <a:alpha val="100000"/>
+                  </a:srgbClr>
+                </a:solidFill>
+                <a:latin typeface="함초롬돋움"/>
+                <a:sym typeface="Arial"/>
+              </a:rPr>
+              <a:t>베이즈</a:t>
+            </a:r>
+            <a:r>
+              <a:rPr kumimoji="1" lang="ko-KR" altLang="en-US" sz="1800" b="1" i="0" baseline="0" dirty="0">
+                <a:solidFill>
+                  <a:srgbClr val="000000">
+                    <a:alpha val="100000"/>
+                  </a:srgbClr>
+                </a:solidFill>
+                <a:latin typeface="함초롬돋움"/>
+                <a:sym typeface="Arial"/>
+              </a:rPr>
+              <a:t> 최적화</a:t>
+            </a:r>
+            <a:endParaRPr kumimoji="1" lang="ko-KR" altLang="en-US" sz="1800" b="0" i="0" baseline="0" dirty="0">
               <a:solidFill>
                 <a:srgbClr val="000000">
                   <a:alpha val="100000"/>
@@ -9711,28 +10568,24 @@
             </a:endParaRPr>
           </a:p>
           <a:p>
-            <a:pPr marL="347708" lvl="0" indent="-347708" algn="l" defTabSz="912932" rtl="0" eaLnBrk="1" latinLnBrk="1" hangingPunct="1">
+            <a:pPr marL="347708" lvl="0" indent="-347708" defTabSz="912932">
               <a:lnSpc>
-                <a:spcPct val="150000"/>
+                <a:spcPct val="200000"/>
               </a:lnSpc>
               <a:spcBef>
                 <a:spcPct val="20000"/>
               </a:spcBef>
-              <a:spcAft>
-                <a:spcPct val="0"/>
-              </a:spcAft>
               <a:buClr>
                 <a:srgbClr val="000000">
                   <a:alpha val="100000"/>
                 </a:srgbClr>
               </a:buClr>
               <a:buSzPct val="100000"/>
-              <a:buFont typeface="Arial"/>
               <a:buNone/>
               <a:defRPr/>
             </a:pPr>
             <a:r>
-              <a:rPr xmlns:mc="http://schemas.openxmlformats.org/markup-compatibility/2006" xmlns:hp="http://schemas.haansoft.com/office/presentation/8.0" kumimoji="1" lang="en-US" altLang="ko-KR" sz="2000" b="0" i="0" baseline="0" mc:Ignorable="hp" hp:hslEmbossed="0">
+              <a:rPr kumimoji="1" lang="en-US" altLang="ko-KR" sz="1800" b="0" i="0" baseline="0" dirty="0">
                 <a:solidFill>
                   <a:srgbClr val="000000">
                     <a:alpha val="100000"/>
@@ -9744,18 +10597,53 @@
               <a:t>-</a:t>
             </a:r>
             <a:r>
-              <a:rPr xmlns:mc="http://schemas.openxmlformats.org/markup-compatibility/2006" xmlns:hp="http://schemas.haansoft.com/office/presentation/8.0" kumimoji="1" lang="ko-KR" altLang="en-US" sz="2000" b="0" i="0" baseline="0" mc:Ignorable="hp" hp:hslEmbossed="0">
-                <a:solidFill>
-                  <a:srgbClr val="000000">
-                    <a:alpha val="100000"/>
-                  </a:srgbClr>
-                </a:solidFill>
-                <a:latin typeface="함초롬돋움"/>
-                <a:sym typeface="Arial"/>
-              </a:rPr>
-              <a:t>	베이즈 정리를 중심으로 한 수학 이론을 활용하여 현재까지 진행한 실험 결과를 바탕으로 통계적인 모델을 만들고, 그것을 바탕으로 다음 탐색을 해야 할 방향을 효과적으로 정하자는 방식</a:t>
-            </a:r>
-            <a:endParaRPr xmlns:mc="http://schemas.openxmlformats.org/markup-compatibility/2006" xmlns:hp="http://schemas.haansoft.com/office/presentation/8.0" kumimoji="1" lang="ko-KR" altLang="en-US" sz="2000" b="0" i="0" baseline="0" mc:Ignorable="hp" hp:hslEmbossed="0">
+              <a:rPr kumimoji="1" lang="ko-KR" altLang="en-US" sz="1800" b="0" i="0" baseline="0" dirty="0">
+                <a:solidFill>
+                  <a:srgbClr val="000000">
+                    <a:alpha val="100000"/>
+                  </a:srgbClr>
+                </a:solidFill>
+                <a:latin typeface="함초롬돋움"/>
+                <a:sym typeface="Arial"/>
+              </a:rPr>
+              <a:t>	</a:t>
+            </a:r>
+            <a:r>
+              <a:rPr kumimoji="1" lang="ko-KR" altLang="en-US" sz="1800" b="0" i="0" baseline="0" dirty="0" err="1">
+                <a:solidFill>
+                  <a:srgbClr val="000000">
+                    <a:alpha val="100000"/>
+                  </a:srgbClr>
+                </a:solidFill>
+                <a:latin typeface="함초롬돋움"/>
+                <a:sym typeface="Arial"/>
+              </a:rPr>
+              <a:t>베이즈</a:t>
+            </a:r>
+            <a:r>
+              <a:rPr kumimoji="1" lang="ko-KR" altLang="en-US" sz="1800" b="0" i="0" baseline="0" dirty="0">
+                <a:solidFill>
+                  <a:srgbClr val="000000">
+                    <a:alpha val="100000"/>
+                  </a:srgbClr>
+                </a:solidFill>
+                <a:latin typeface="함초롬돋움"/>
+                <a:sym typeface="Arial"/>
+              </a:rPr>
+              <a:t> 정리를 중심으로 한 수학 이론을 활용하여 현재까지 진행한 실험 결과를 바탕으로 통계적인 모델을 만들고, 그것을 바탕으로 다음 탐색을 해야 할 방향을 효과적으로 정하자는 </a:t>
+            </a:r>
+            <a:r>
+              <a:rPr kumimoji="1" lang="ko-KR" altLang="en-US" sz="1800" dirty="0">
+                <a:solidFill>
+                  <a:srgbClr val="000000">
+                    <a:alpha val="100000"/>
+                  </a:srgbClr>
+                </a:solidFill>
+                <a:latin typeface="함초롬돋움"/>
+              </a:rPr>
+              <a:t>방식</a:t>
+            </a:r>
+            <a:endParaRPr kumimoji="1" lang="ko-KR" altLang="en-US" sz="1800" b="0" i="0" baseline="0" dirty="0">
               <a:solidFill>
                 <a:srgbClr val="000000">
                   <a:alpha val="100000"/>
@@ -9772,11 +10660,11 @@
   <p:clrMapOvr>
     <a:masterClrMapping/>
   </p:clrMapOvr>
-  <mc:AlternateContent xmlns:mc="http://schemas.openxmlformats.org/markup-compatibility/2006">
-    <mc:Choice xmlns:p14="http://schemas.microsoft.com/office/powerpoint/2010/main" Requires="p14">
-      <p:transition xmlns:mc="http://schemas.openxmlformats.org/markup-compatibility/2006" xmlns:p14="http://schemas.microsoft.com/office/powerpoint/2010/main" mc:Ignorable="p14" p14:dur="500"/>
+  <mc:AlternateContent xmlns:mc="http://schemas.openxmlformats.org/markup-compatibility/2006" xmlns:p14="http://schemas.microsoft.com/office/powerpoint/2010/main">
+    <mc:Choice Requires="p14">
+      <p:transition/>
     </mc:Choice>
-    <mc:Fallback>
+    <mc:Fallback xmlns="" xmlns:c="http://schemas.openxmlformats.org/drawingml/2006/chart" xmlns:dgm="http://schemas.openxmlformats.org/drawingml/2006/diagram" xmlns:dsp="http://schemas.microsoft.com/office/drawing/2008/diagram">
       <p:transition/>
     </mc:Fallback>
   </mc:AlternateContent>
@@ -9784,7 +10672,7 @@
 </file>
 
 <file path=ppt/slides/slide9.xml><?xml version="1.0" encoding="utf-8"?>
-<p:sld xmlns:r="http://schemas.openxmlformats.org/officeDocument/2006/relationships" xmlns:c="http://schemas.openxmlformats.org/drawingml/2006/chart" xmlns:a="http://schemas.openxmlformats.org/drawingml/2006/main" xmlns:dgm="http://schemas.openxmlformats.org/drawingml/2006/diagram" xmlns:dsp="http://schemas.microsoft.com/office/drawing/2008/diagram" xmlns:p="http://schemas.openxmlformats.org/presentationml/2006/main">
+<p:sld xmlns:a="http://schemas.openxmlformats.org/drawingml/2006/main" xmlns:r="http://schemas.openxmlformats.org/officeDocument/2006/relationships" xmlns:p="http://schemas.openxmlformats.org/presentationml/2006/main">
   <p:cSld>
     <p:spTree>
       <p:nvGrpSpPr>
@@ -9802,7 +10690,7 @@
       </p:grpSpPr>
       <p:sp>
         <p:nvSpPr>
-          <p:cNvPr id="8194" name=""/>
+          <p:cNvPr id="4098" name="TextBox 4097"/>
           <p:cNvSpPr txBox="1"/>
           <p:nvPr/>
         </p:nvSpPr>
@@ -9825,6 +10713,7 @@
           <a:bodyPr vert="horz" wrap="square" lIns="91440" tIns="45720" rIns="91440" bIns="45720" anchor="ctr">
             <a:spAutoFit/>
           </a:bodyPr>
+          <a:lstStyle/>
           <a:p>
             <a:pPr marL="0" lvl="0" indent="0" algn="ctr" defTabSz="912932" rtl="0" eaLnBrk="1" latinLnBrk="0" hangingPunct="1">
               <a:lnSpc>
@@ -9840,32 +10729,23 @@
               <a:defRPr/>
             </a:pPr>
             <a:r>
-              <a:rPr xmlns:mc="http://schemas.openxmlformats.org/markup-compatibility/2006" xmlns:hp="http://schemas.haansoft.com/office/presentation/8.0" kumimoji="1" lang="ko-KR" altLang="en-US" sz="3600" b="1" i="0" baseline="0" mc:Ignorable="hp" hp:hslEmbossed="0">
-                <a:solidFill>
-                  <a:srgbClr val="ff7c80">
+              <a:rPr kumimoji="1" lang="ko-KR" altLang="en-US" sz="3600" b="1" i="0" baseline="0">
+                <a:solidFill>
+                  <a:srgbClr val="FF7C80">
                     <a:alpha val="100000"/>
                   </a:srgbClr>
                 </a:solidFill>
                 <a:latin typeface="야놀자 야체 B"/>
                 <a:ea typeface="굴림"/>
               </a:rPr>
-              <a:t>결론</a:t>
-            </a:r>
-            <a:endParaRPr xmlns:mc="http://schemas.openxmlformats.org/markup-compatibility/2006" xmlns:hp="http://schemas.haansoft.com/office/presentation/8.0" kumimoji="1" lang="ko-KR" altLang="en-US" sz="3600" b="1" i="0" baseline="0" mc:Ignorable="hp" hp:hslEmbossed="0">
-              <a:solidFill>
-                <a:srgbClr val="ff7c80">
-                  <a:alpha val="100000"/>
-                </a:srgbClr>
-              </a:solidFill>
-              <a:latin typeface="야놀자 야체 B"/>
-              <a:ea typeface="굴림"/>
-            </a:endParaRPr>
-          </a:p>
-        </p:txBody>
-      </p:sp>
-      <p:sp>
-        <p:nvSpPr>
-          <p:cNvPr id="8195" name=""/>
+              <a:t>하이퍼 파라미터 최적화</a:t>
+            </a:r>
+          </a:p>
+        </p:txBody>
+      </p:sp>
+      <p:sp>
+        <p:nvSpPr>
+          <p:cNvPr id="4099" name="자유형: 도형 4098"/>
           <p:cNvSpPr/>
           <p:nvPr/>
         </p:nvSpPr>
@@ -9903,6 +10783,7 @@
               <a:gd name="T23" fmla="*/ 306 w 306"/>
               <a:gd name="T24" fmla="*/ 316 h 316"/>
             </a:gdLst>
+            <a:ahLst/>
             <a:cxnLst>
               <a:cxn ang="T2">
                 <a:pos x="T0" y="T1"/>
@@ -9965,7 +10846,7 @@
             </a:pathLst>
           </a:custGeom>
           <a:blipFill rotWithShape="1">
-            <a:blip r:embed="rId2">
+            <a:blip r:embed="rId3">
               <a:alphaModFix/>
               <a:lum/>
             </a:blip>
@@ -9984,6 +10865,7 @@
           <a:bodyPr vert="horz" wrap="none" lIns="91440" tIns="45720" rIns="91440" bIns="45720" anchor="t">
             <a:noAutofit/>
           </a:bodyPr>
+          <a:lstStyle/>
           <a:p>
             <a:pPr lvl="0" algn="l">
               <a:buNone/>
@@ -9999,7 +10881,7 @@
       </p:sp>
       <p:sp>
         <p:nvSpPr>
-          <p:cNvPr id="8196" name="내용 개체 틀 2"/>
+          <p:cNvPr id="4100" name="내용 개체 틀 2"/>
           <p:cNvSpPr>
             <a:spLocks noGrp="1"/>
           </p:cNvSpPr>
@@ -10009,8 +10891,8 @@
         </p:nvSpPr>
         <p:spPr>
           <a:xfrm>
-            <a:off x="756783" y="1880441"/>
-            <a:ext cx="10678434" cy="3709368"/>
+            <a:off x="754075" y="1770791"/>
+            <a:ext cx="10669215" cy="4177740"/>
           </a:xfrm>
         </p:spPr>
         <p:txBody>
@@ -10019,206 +10901,288 @@
           </a:bodyPr>
           <a:lstStyle/>
           <a:p>
-            <a:pPr marL="347708" lvl="0" indent="-347708" algn="l" defTabSz="912932" rtl="0" eaLnBrk="1" latinLnBrk="1" hangingPunct="1">
+            <a:pPr marL="347708" lvl="0" indent="-347708" defTabSz="912932">
               <a:lnSpc>
                 <a:spcPct val="200000"/>
               </a:lnSpc>
               <a:spcBef>
                 <a:spcPct val="20000"/>
               </a:spcBef>
-              <a:spcAft>
-                <a:spcPct val="0"/>
-              </a:spcAft>
               <a:buClr>
                 <a:srgbClr val="000000">
                   <a:alpha val="100000"/>
                 </a:srgbClr>
               </a:buClr>
               <a:buSzPct val="100000"/>
-              <a:buFont typeface="Arial"/>
-              <a:buChar char="•"/>
-              <a:defRPr/>
-            </a:pPr>
-            <a:r>
-              <a:rPr xmlns:mc="http://schemas.openxmlformats.org/markup-compatibility/2006" xmlns:hp="http://schemas.haansoft.com/office/presentation/8.0" kumimoji="0" lang="ko-KR" altLang="en-US" sz="2000" b="0" i="0" baseline="0" mc:Ignorable="hp" hp:hslEmbossed="0">
-                <a:solidFill>
-                  <a:srgbClr val="333333">
-                    <a:alpha val="100000"/>
-                  </a:srgbClr>
-                </a:solidFill>
-                <a:latin typeface="Noto Sans KR"/>
-                <a:sym typeface="Arial"/>
-              </a:rPr>
-              <a:t>신경망을 구성하는데 있어서 가중치 매개변수</a:t>
-            </a:r>
-            <a:r>
-              <a:rPr xmlns:mc="http://schemas.openxmlformats.org/markup-compatibility/2006" xmlns:hp="http://schemas.haansoft.com/office/presentation/8.0" kumimoji="0" lang="en-US" altLang="ko-KR" sz="2000" b="0" i="0" baseline="0" mc:Ignorable="hp" hp:hslEmbossed="0">
-                <a:solidFill>
-                  <a:srgbClr val="333333">
-                    <a:alpha val="100000"/>
-                  </a:srgbClr>
-                </a:solidFill>
-                <a:latin typeface="Noto Sans KR"/>
-                <a:sym typeface="Arial"/>
-              </a:rPr>
-              <a:t>,</a:t>
-            </a:r>
-            <a:r>
-              <a:rPr xmlns:mc="http://schemas.openxmlformats.org/markup-compatibility/2006" xmlns:hp="http://schemas.haansoft.com/office/presentation/8.0" kumimoji="0" lang="ko-KR" altLang="en-US" sz="2000" b="0" i="0" baseline="0" mc:Ignorable="hp" hp:hslEmbossed="0">
-                <a:solidFill>
-                  <a:srgbClr val="333333">
-                    <a:alpha val="100000"/>
-                  </a:srgbClr>
-                </a:solidFill>
-                <a:latin typeface="Noto Sans KR"/>
-                <a:sym typeface="Arial"/>
-              </a:rPr>
-              <a:t> 하이퍼 파라미터들 여러가지 요소가 필요</a:t>
-            </a:r>
-            <a:endParaRPr xmlns:mc="http://schemas.openxmlformats.org/markup-compatibility/2006" xmlns:hp="http://schemas.haansoft.com/office/presentation/8.0" kumimoji="0" lang="ko-KR" altLang="en-US" sz="2000" b="0" i="0" baseline="0" mc:Ignorable="hp" hp:hslEmbossed="0">
-              <a:solidFill>
-                <a:srgbClr val="333333">
-                  <a:alpha val="100000"/>
-                </a:srgbClr>
-              </a:solidFill>
-              <a:latin typeface="Noto Sans KR"/>
-              <a:sym typeface="Arial"/>
-            </a:endParaRPr>
-          </a:p>
-          <a:p>
-            <a:pPr marL="347708" lvl="0" indent="-347708" algn="l" defTabSz="912932" rtl="0" eaLnBrk="1" latinLnBrk="1" hangingPunct="1">
+              <a:defRPr/>
+            </a:pPr>
+            <a:r>
+              <a:rPr kumimoji="1" lang="ko-KR" altLang="en-US" sz="1800" dirty="0">
+                <a:solidFill>
+                  <a:srgbClr val="000000">
+                    <a:alpha val="100000"/>
+                  </a:srgbClr>
+                </a:solidFill>
+                <a:latin typeface="함초롬돋움"/>
+              </a:rPr>
+              <a:t>신경망의 </a:t>
+            </a:r>
+            <a:r>
+              <a:rPr kumimoji="1" lang="ko-KR" altLang="en-US" sz="1800" dirty="0" err="1">
+                <a:solidFill>
+                  <a:srgbClr val="000000">
+                    <a:alpha val="100000"/>
+                  </a:srgbClr>
+                </a:solidFill>
+                <a:latin typeface="함초롬돋움"/>
+              </a:rPr>
+              <a:t>하이퍼</a:t>
+            </a:r>
+            <a:r>
+              <a:rPr kumimoji="1" lang="ko-KR" altLang="en-US" sz="1800" dirty="0">
+                <a:solidFill>
+                  <a:srgbClr val="000000">
+                    <a:alpha val="100000"/>
+                  </a:srgbClr>
+                </a:solidFill>
+                <a:latin typeface="함초롬돋움"/>
+              </a:rPr>
+              <a:t> 파라미터 최적화에서는 "그리드 </a:t>
+            </a:r>
+            <a:r>
+              <a:rPr kumimoji="1" lang="ko-KR" altLang="en-US" sz="1800" dirty="0" err="1">
+                <a:solidFill>
+                  <a:srgbClr val="000000">
+                    <a:alpha val="100000"/>
+                  </a:srgbClr>
+                </a:solidFill>
+                <a:latin typeface="함초롬돋움"/>
+              </a:rPr>
+              <a:t>서치</a:t>
+            </a:r>
+            <a:r>
+              <a:rPr kumimoji="1" lang="ko-KR" altLang="en-US" sz="1800" dirty="0">
+                <a:solidFill>
+                  <a:srgbClr val="000000">
+                    <a:alpha val="100000"/>
+                  </a:srgbClr>
+                </a:solidFill>
+                <a:latin typeface="함초롬돋움"/>
+              </a:rPr>
+              <a:t>(</a:t>
+            </a:r>
+            <a:r>
+              <a:rPr kumimoji="1" lang="ko-KR" altLang="en-US" sz="1800" dirty="0" err="1">
+                <a:solidFill>
+                  <a:srgbClr val="000000">
+                    <a:alpha val="100000"/>
+                  </a:srgbClr>
+                </a:solidFill>
+                <a:latin typeface="함초롬돋움"/>
+              </a:rPr>
+              <a:t>Grid</a:t>
+            </a:r>
+            <a:r>
+              <a:rPr kumimoji="1" lang="ko-KR" altLang="en-US" sz="1800" dirty="0">
+                <a:solidFill>
+                  <a:srgbClr val="000000">
+                    <a:alpha val="100000"/>
+                  </a:srgbClr>
+                </a:solidFill>
+                <a:latin typeface="함초롬돋움"/>
+              </a:rPr>
+              <a:t> </a:t>
+            </a:r>
+            <a:r>
+              <a:rPr kumimoji="1" lang="ko-KR" altLang="en-US" sz="1800" dirty="0" err="1">
+                <a:solidFill>
+                  <a:srgbClr val="000000">
+                    <a:alpha val="100000"/>
+                  </a:srgbClr>
+                </a:solidFill>
+                <a:latin typeface="함초롬돋움"/>
+              </a:rPr>
+              <a:t>Search</a:t>
+            </a:r>
+            <a:r>
+              <a:rPr kumimoji="1" lang="ko-KR" altLang="en-US" sz="1800" dirty="0">
+                <a:solidFill>
+                  <a:srgbClr val="000000">
+                    <a:alpha val="100000"/>
+                  </a:srgbClr>
+                </a:solidFill>
+                <a:latin typeface="함초롬돋움"/>
+              </a:rPr>
+              <a:t>)"와 같은 규칙적인 탐색보다는 </a:t>
+            </a:r>
+            <a:r>
+              <a:rPr kumimoji="1" lang="ko-KR" altLang="en-US" sz="1800" b="1" dirty="0">
+                <a:solidFill>
+                  <a:srgbClr val="FF0000"/>
+                </a:solidFill>
+                <a:latin typeface="함초롬돋움"/>
+              </a:rPr>
+              <a:t>무작위로 샘플링을 해서 탐색하는 편이 좋은 결과</a:t>
+            </a:r>
+            <a:r>
+              <a:rPr kumimoji="1" lang="ko-KR" altLang="en-US" sz="1800" dirty="0">
+                <a:solidFill>
+                  <a:srgbClr val="000000">
+                    <a:alpha val="100000"/>
+                  </a:srgbClr>
+                </a:solidFill>
+                <a:latin typeface="함초롬돋움"/>
+              </a:rPr>
+              <a:t>를 낸다고 알려져 있다. </a:t>
+            </a:r>
+            <a:r>
+              <a:rPr kumimoji="1" lang="en-US" altLang="ko-KR" sz="1800" dirty="0">
+                <a:solidFill>
+                  <a:srgbClr val="000000">
+                    <a:alpha val="100000"/>
+                  </a:srgbClr>
+                </a:solidFill>
+                <a:latin typeface="함초롬돋움"/>
+              </a:rPr>
+              <a:t>(</a:t>
+            </a:r>
+            <a:r>
+              <a:rPr kumimoji="1" lang="ko-KR" altLang="en-US" sz="1800" dirty="0">
+                <a:solidFill>
+                  <a:srgbClr val="000000">
+                    <a:alpha val="100000"/>
+                  </a:srgbClr>
+                </a:solidFill>
+                <a:latin typeface="함초롬돋움"/>
+              </a:rPr>
+              <a:t> 최종 정확도에 미치는 영향력이 </a:t>
+            </a:r>
+            <a:r>
+              <a:rPr kumimoji="1" lang="ko-KR" altLang="en-US" sz="1800" dirty="0" err="1">
+                <a:solidFill>
+                  <a:srgbClr val="000000">
+                    <a:alpha val="100000"/>
+                  </a:srgbClr>
+                </a:solidFill>
+                <a:latin typeface="함초롬돋움"/>
+              </a:rPr>
+              <a:t>하이퍼</a:t>
+            </a:r>
+            <a:r>
+              <a:rPr kumimoji="1" lang="ko-KR" altLang="en-US" sz="1800" dirty="0">
+                <a:solidFill>
+                  <a:srgbClr val="000000">
+                    <a:alpha val="100000"/>
+                  </a:srgbClr>
+                </a:solidFill>
+                <a:latin typeface="함초롬돋움"/>
+              </a:rPr>
+              <a:t> 파라미터마다 다르므로 </a:t>
+            </a:r>
+            <a:r>
+              <a:rPr kumimoji="1" lang="en-US" altLang="ko-KR" sz="1800" dirty="0">
+                <a:solidFill>
+                  <a:srgbClr val="000000">
+                    <a:alpha val="100000"/>
+                  </a:srgbClr>
+                </a:solidFill>
+                <a:latin typeface="함초롬돋움"/>
+              </a:rPr>
+              <a:t>)</a:t>
+            </a:r>
+          </a:p>
+          <a:p>
+            <a:pPr marL="347708" lvl="0" indent="-347708" defTabSz="912932">
               <a:lnSpc>
                 <a:spcPct val="200000"/>
               </a:lnSpc>
               <a:spcBef>
                 <a:spcPct val="20000"/>
               </a:spcBef>
-              <a:spcAft>
-                <a:spcPct val="0"/>
-              </a:spcAft>
               <a:buClr>
                 <a:srgbClr val="000000">
                   <a:alpha val="100000"/>
                 </a:srgbClr>
               </a:buClr>
               <a:buSzPct val="100000"/>
-              <a:buFont typeface="Arial"/>
-              <a:buChar char="•"/>
-              <a:defRPr/>
-            </a:pPr>
-            <a:r>
-              <a:rPr xmlns:mc="http://schemas.openxmlformats.org/markup-compatibility/2006" xmlns:hp="http://schemas.haansoft.com/office/presentation/8.0" kumimoji="0" lang="ko-KR" altLang="en-US" sz="2000" b="0" i="0" baseline="0" mc:Ignorable="hp" hp:hslEmbossed="0">
-                <a:solidFill>
-                  <a:srgbClr val="333333">
-                    <a:alpha val="100000"/>
-                  </a:srgbClr>
-                </a:solidFill>
-                <a:latin typeface="Noto Sans KR"/>
-                <a:sym typeface="Arial"/>
-              </a:rPr>
-              <a:t>결과적인 목표는 최적화된 모델을 만드는데 목적을 두고 있다</a:t>
-            </a:r>
-            <a:endParaRPr xmlns:mc="http://schemas.openxmlformats.org/markup-compatibility/2006" xmlns:hp="http://schemas.haansoft.com/office/presentation/8.0" kumimoji="0" lang="ko-KR" altLang="en-US" sz="2000" b="0" i="0" baseline="0" mc:Ignorable="hp" hp:hslEmbossed="0">
+              <a:defRPr/>
+            </a:pPr>
+            <a:endParaRPr kumimoji="1" lang="en-US" altLang="ko-KR" sz="1800" dirty="0">
               <a:solidFill>
-                <a:srgbClr val="333333">
+                <a:srgbClr val="000000">
                   <a:alpha val="100000"/>
                 </a:srgbClr>
               </a:solidFill>
-              <a:latin typeface="Noto Sans KR"/>
-              <a:sym typeface="Arial"/>
+              <a:latin typeface="함초롬돋움"/>
             </a:endParaRPr>
           </a:p>
           <a:p>
-            <a:pPr marL="347708" lvl="0" indent="-347708" algn="l" defTabSz="912932" rtl="0" eaLnBrk="1" latinLnBrk="1" hangingPunct="1">
+            <a:pPr marL="347708" lvl="0" indent="-347708" defTabSz="912932">
               <a:lnSpc>
                 <a:spcPct val="200000"/>
               </a:lnSpc>
               <a:spcBef>
                 <a:spcPct val="20000"/>
               </a:spcBef>
-              <a:spcAft>
-                <a:spcPct val="0"/>
-              </a:spcAft>
               <a:buClr>
                 <a:srgbClr val="000000">
                   <a:alpha val="100000"/>
                 </a:srgbClr>
               </a:buClr>
               <a:buSzPct val="100000"/>
-              <a:buFont typeface="Arial"/>
-              <a:buChar char="•"/>
-              <a:defRPr/>
-            </a:pPr>
-            <a:r>
-              <a:rPr xmlns:mc="http://schemas.openxmlformats.org/markup-compatibility/2006" xmlns:hp="http://schemas.haansoft.com/office/presentation/8.0" kumimoji="0" lang="ko-KR" altLang="en-US" sz="2000" b="0" i="0" baseline="0" mc:Ignorable="hp" hp:hslEmbossed="0">
-                <a:solidFill>
-                  <a:srgbClr val="333333">
-                    <a:alpha val="100000"/>
-                  </a:srgbClr>
-                </a:solidFill>
-                <a:latin typeface="Noto Sans KR"/>
-                <a:sym typeface="Arial"/>
-              </a:rPr>
-              <a:t>이번에 학습한 하이퍼 파라미터에 대한 개념을 이해하고 이후</a:t>
-            </a:r>
-            <a:r>
-              <a:rPr xmlns:mc="http://schemas.openxmlformats.org/markup-compatibility/2006" xmlns:hp="http://schemas.haansoft.com/office/presentation/8.0" kumimoji="0" lang="en-US" altLang="ko-KR" sz="2000" b="0" i="0" baseline="0" mc:Ignorable="hp" hp:hslEmbossed="0">
-                <a:solidFill>
-                  <a:srgbClr val="333333">
-                    <a:alpha val="100000"/>
-                  </a:srgbClr>
-                </a:solidFill>
-                <a:latin typeface="Noto Sans KR"/>
-                <a:sym typeface="Arial"/>
-              </a:rPr>
-              <a:t>,</a:t>
-            </a:r>
-            <a:r>
-              <a:rPr xmlns:mc="http://schemas.openxmlformats.org/markup-compatibility/2006" xmlns:hp="http://schemas.haansoft.com/office/presentation/8.0" kumimoji="0" lang="ko-KR" altLang="en-US" sz="2000" b="0" i="0" baseline="0" mc:Ignorable="hp" hp:hslEmbossed="0">
-                <a:solidFill>
-                  <a:srgbClr val="333333">
-                    <a:alpha val="100000"/>
-                  </a:srgbClr>
-                </a:solidFill>
-                <a:latin typeface="Noto Sans KR"/>
-                <a:sym typeface="Arial"/>
-              </a:rPr>
-              <a:t> 모델링 작업에 있어서 조금은 도움이 될것이라 생각한다</a:t>
-            </a:r>
-            <a:r>
-              <a:rPr xmlns:mc="http://schemas.openxmlformats.org/markup-compatibility/2006" xmlns:hp="http://schemas.haansoft.com/office/presentation/8.0" kumimoji="0" lang="en-US" altLang="ko-KR" sz="2000" b="0" i="0" baseline="0" mc:Ignorable="hp" hp:hslEmbossed="0">
-                <a:solidFill>
-                  <a:srgbClr val="333333">
-                    <a:alpha val="100000"/>
-                  </a:srgbClr>
-                </a:solidFill>
-                <a:latin typeface="Noto Sans KR"/>
-                <a:sym typeface="Arial"/>
-              </a:rPr>
-              <a:t>.</a:t>
-            </a:r>
-            <a:endParaRPr xmlns:mc="http://schemas.openxmlformats.org/markup-compatibility/2006" xmlns:hp="http://schemas.haansoft.com/office/presentation/8.0" kumimoji="0" lang="en-US" altLang="ko-KR" sz="2000" b="0" i="0" baseline="0" mc:Ignorable="hp" hp:hslEmbossed="0">
-              <a:solidFill>
-                <a:srgbClr val="333333">
-                  <a:alpha val="100000"/>
-                </a:srgbClr>
-              </a:solidFill>
-              <a:latin typeface="Noto Sans KR"/>
-              <a:sym typeface="Arial"/>
-            </a:endParaRPr>
+              <a:defRPr/>
+            </a:pPr>
+            <a:r>
+              <a:rPr kumimoji="1" lang="ko-KR" altLang="en-US" sz="1800" spc="-100" dirty="0">
+                <a:solidFill>
+                  <a:srgbClr val="000000">
+                    <a:alpha val="100000"/>
+                  </a:srgbClr>
+                </a:solidFill>
+                <a:latin typeface="함초롬돋움"/>
+              </a:rPr>
+              <a:t>따라서 </a:t>
+            </a:r>
+            <a:r>
+              <a:rPr kumimoji="1" lang="ko-KR" altLang="en-US" sz="1800" spc="-100" dirty="0" err="1">
+                <a:solidFill>
+                  <a:srgbClr val="000000">
+                    <a:alpha val="100000"/>
+                  </a:srgbClr>
+                </a:solidFill>
+                <a:latin typeface="함초롬돋움"/>
+              </a:rPr>
+              <a:t>하이퍼</a:t>
+            </a:r>
+            <a:r>
+              <a:rPr kumimoji="1" lang="ko-KR" altLang="en-US" sz="1800" spc="-100" dirty="0">
+                <a:solidFill>
+                  <a:srgbClr val="000000">
+                    <a:alpha val="100000"/>
+                  </a:srgbClr>
+                </a:solidFill>
+                <a:latin typeface="함초롬돋움"/>
+              </a:rPr>
+              <a:t> 파라미터 범위는 "10의 거듭제곱" 단위와 같이 "대략적으로" 지정하는 것이 효과적이다.</a:t>
+            </a:r>
           </a:p>
         </p:txBody>
       </p:sp>
     </p:spTree>
+    <p:extLst>
+      <p:ext uri="{BB962C8B-B14F-4D97-AF65-F5344CB8AC3E}">
+        <p14:creationId xmlns:p14="http://schemas.microsoft.com/office/powerpoint/2010/main" val="1623092483"/>
+      </p:ext>
+    </p:extLst>
   </p:cSld>
   <p:clrMapOvr>
     <a:masterClrMapping/>
   </p:clrMapOvr>
-  <mc:AlternateContent xmlns:mc="http://schemas.openxmlformats.org/markup-compatibility/2006">
-    <mc:Choice xmlns:p14="http://schemas.microsoft.com/office/powerpoint/2010/main" Requires="p14">
-      <p:transition xmlns:mc="http://schemas.openxmlformats.org/markup-compatibility/2006" xmlns:p14="http://schemas.microsoft.com/office/powerpoint/2010/main" mc:Ignorable="p14" p14:dur="500"/>
+  <mc:AlternateContent xmlns:mc="http://schemas.openxmlformats.org/markup-compatibility/2006" xmlns:p14="http://schemas.microsoft.com/office/powerpoint/2010/main">
+    <mc:Choice Requires="p14">
+      <p:transition/>
     </mc:Choice>
-    <mc:Fallback>
+    <mc:Fallback xmlns="" xmlns:c="http://schemas.openxmlformats.org/drawingml/2006/chart" xmlns:dgm="http://schemas.openxmlformats.org/drawingml/2006/diagram" xmlns:dsp="http://schemas.microsoft.com/office/drawing/2008/diagram">
       <p:transition/>
     </mc:Fallback>
   </mc:AlternateContent>
@@ -10226,41 +11190,41 @@
 </file>
 
 <file path=ppt/theme/theme1.xml><?xml version="1.0" encoding="utf-8"?>
-<a:theme xmlns:r="http://schemas.openxmlformats.org/officeDocument/2006/relationships" xmlns:c="http://schemas.openxmlformats.org/drawingml/2006/chart" xmlns:dgm="http://schemas.openxmlformats.org/drawingml/2006/diagram" xmlns:dsp="http://schemas.microsoft.com/office/drawing/2008/diagram" xmlns:a="http://schemas.openxmlformats.org/drawingml/2006/main" xmlns:pic="http://schemas.openxmlformats.org/drawingml/2006/picture" xmlns:wp="http://schemas.openxmlformats.org/drawingml/2006/wordprocessingDrawing" xmlns:xdr="http://schemas.openxmlformats.org/drawingml/2006/spreadsheetDrawing" name="제목 및 내용">
+<a:theme xmlns:a="http://schemas.openxmlformats.org/drawingml/2006/main" name="제목 및 내용">
   <a:themeElements>
     <a:clrScheme name="">
       <a:dk1>
         <a:srgbClr val="000000"/>
       </a:dk1>
       <a:lt1>
-        <a:srgbClr val="ffffff"/>
+        <a:srgbClr val="FFFFFF"/>
       </a:lt1>
       <a:dk2>
         <a:srgbClr val="000000"/>
       </a:dk2>
       <a:lt2>
-        <a:srgbClr val="e3dcc1"/>
+        <a:srgbClr val="E3DCC1"/>
       </a:lt2>
       <a:accent1>
-        <a:srgbClr val="315f97"/>
+        <a:srgbClr val="315F97"/>
       </a:accent1>
       <a:accent2>
-        <a:srgbClr val="c75252"/>
+        <a:srgbClr val="C75252"/>
       </a:accent2>
       <a:accent3>
-        <a:srgbClr val="ffffff"/>
+        <a:srgbClr val="FFFFFF"/>
       </a:accent3>
       <a:accent4>
         <a:srgbClr val="000000"/>
       </a:accent4>
       <a:accent5>
-        <a:srgbClr val="adb6c9"/>
+        <a:srgbClr val="ADB6C9"/>
       </a:accent5>
       <a:accent6>
-        <a:srgbClr val="b44949"/>
+        <a:srgbClr val="B44949"/>
       </a:accent6>
       <a:hlink>
-        <a:srgbClr val="0000ff"/>
+        <a:srgbClr val="0000FF"/>
       </a:hlink>
       <a:folHlink>
         <a:srgbClr val="800080"/>
@@ -10511,45 +11475,46 @@
       <a:lstStyle/>
     </a:txDef>
   </a:objectDefaults>
+  <a:extraClrSchemeLst/>
 </a:theme>
 </file>
 
 <file path=ppt/theme/theme2.xml><?xml version="1.0" encoding="utf-8"?>
-<a:theme xmlns:r="http://schemas.openxmlformats.org/officeDocument/2006/relationships" xmlns:c="http://schemas.openxmlformats.org/drawingml/2006/chart" xmlns:dgm="http://schemas.openxmlformats.org/drawingml/2006/diagram" xmlns:dsp="http://schemas.microsoft.com/office/drawing/2008/diagram" xmlns:a="http://schemas.openxmlformats.org/drawingml/2006/main" xmlns:pic="http://schemas.openxmlformats.org/drawingml/2006/picture" xmlns:wp="http://schemas.openxmlformats.org/drawingml/2006/wordprocessingDrawing" xmlns:xdr="http://schemas.openxmlformats.org/drawingml/2006/spreadsheetDrawing" name="한컴오피스">
+<a:theme xmlns:a="http://schemas.openxmlformats.org/drawingml/2006/main" name="한컴오피스">
   <a:themeElements>
     <a:clrScheme name="한컴오피스">
       <a:dk1>
         <a:sysClr val="windowText" lastClr="000000"/>
       </a:dk1>
       <a:lt1>
-        <a:sysClr val="window" lastClr="ffffff"/>
+        <a:sysClr val="window" lastClr="FFFFFF"/>
       </a:lt1>
       <a:dk2>
-        <a:srgbClr val="3a3c84"/>
+        <a:srgbClr val="3A3C84"/>
       </a:dk2>
       <a:lt2>
-        <a:srgbClr val="faf3db"/>
+        <a:srgbClr val="FAF3DB"/>
       </a:lt2>
       <a:accent1>
-        <a:srgbClr val="6182d6"/>
+        <a:srgbClr val="6182D6"/>
       </a:accent1>
       <a:accent2>
-        <a:srgbClr val="ff843a"/>
+        <a:srgbClr val="FF843A"/>
       </a:accent2>
       <a:accent3>
-        <a:srgbClr val="b2b2b2"/>
+        <a:srgbClr val="B2B2B2"/>
       </a:accent3>
       <a:accent4>
-        <a:srgbClr val="ffd700"/>
+        <a:srgbClr val="FFD700"/>
       </a:accent4>
       <a:accent5>
-        <a:srgbClr val="289b6e"/>
+        <a:srgbClr val="289B6E"/>
       </a:accent5>
       <a:accent6>
-        <a:srgbClr val="9d5cbb"/>
+        <a:srgbClr val="9D5CBB"/>
       </a:accent6>
       <a:hlink>
-        <a:srgbClr val="0000ff"/>
+        <a:srgbClr val="0000FF"/>
       </a:hlink>
       <a:folHlink>
         <a:srgbClr val="800080"/>
@@ -10718,5 +11683,7 @@
       </a:bgFillStyleLst>
     </a:fmtScheme>
   </a:themeElements>
+  <a:objectDefaults/>
+  <a:extraClrSchemeLst/>
 </a:theme>
 </file>